--- a/Dokumente/Referat/Präsentation.pptx
+++ b/Dokumente/Referat/Präsentation.pptx
@@ -4,6 +4,9 @@
   <p:sldMasterIdLst>
     <p:sldMasterId id="2147483678" r:id="rId1"/>
   </p:sldMasterIdLst>
+  <p:notesMasterIdLst>
+    <p:notesMasterId r:id="rId17"/>
+  </p:notesMasterIdLst>
   <p:sldIdLst>
     <p:sldId id="256" r:id="rId2"/>
     <p:sldId id="257" r:id="rId3"/>
@@ -11,6 +14,15 @@
     <p:sldId id="259" r:id="rId5"/>
     <p:sldId id="260" r:id="rId6"/>
     <p:sldId id="261" r:id="rId7"/>
+    <p:sldId id="262" r:id="rId8"/>
+    <p:sldId id="263" r:id="rId9"/>
+    <p:sldId id="264" r:id="rId10"/>
+    <p:sldId id="265" r:id="rId11"/>
+    <p:sldId id="266" r:id="rId12"/>
+    <p:sldId id="267" r:id="rId13"/>
+    <p:sldId id="268" r:id="rId14"/>
+    <p:sldId id="269" r:id="rId15"/>
+    <p:sldId id="270" r:id="rId16"/>
   </p:sldIdLst>
   <p:sldSz cx="12192000" cy="6858000"/>
   <p:notesSz cx="6858000" cy="9144000"/>
@@ -109,7 +121,508 @@
       </a:defRPr>
     </a:lvl9pPr>
   </p:defaultTextStyle>
+  <p:extLst>
+    <p:ext uri="{EFAFB233-063F-42B5-8137-9DF3F51BA10A}">
+      <p15:sldGuideLst xmlns:p15="http://schemas.microsoft.com/office/powerpoint/2012/main"/>
+    </p:ext>
+  </p:extLst>
 </p:presentation>
+</file>
+
+<file path=ppt/notesMasters/notesMaster1.xml><?xml version="1.0" encoding="utf-8"?>
+<p:notesMaster xmlns:a="http://schemas.openxmlformats.org/drawingml/2006/main" xmlns:r="http://schemas.openxmlformats.org/officeDocument/2006/relationships" xmlns:p="http://schemas.openxmlformats.org/presentationml/2006/main">
+  <p:cSld>
+    <p:bg>
+      <p:bgRef idx="1001">
+        <a:schemeClr val="bg1"/>
+      </p:bgRef>
+    </p:bg>
+    <p:spTree>
+      <p:nvGrpSpPr>
+        <p:cNvPr id="1" name=""/>
+        <p:cNvGrpSpPr/>
+        <p:nvPr/>
+      </p:nvGrpSpPr>
+      <p:grpSpPr>
+        <a:xfrm>
+          <a:off x="0" y="0"/>
+          <a:ext cx="0" cy="0"/>
+          <a:chOff x="0" y="0"/>
+          <a:chExt cx="0" cy="0"/>
+        </a:xfrm>
+      </p:grpSpPr>
+      <p:sp>
+        <p:nvSpPr>
+          <p:cNvPr id="2" name="Kopfzeilenplatzhalter 1"/>
+          <p:cNvSpPr>
+            <a:spLocks noGrp="1"/>
+          </p:cNvSpPr>
+          <p:nvPr>
+            <p:ph type="hdr" sz="quarter"/>
+          </p:nvPr>
+        </p:nvSpPr>
+        <p:spPr>
+          <a:xfrm>
+            <a:off x="0" y="0"/>
+            <a:ext cx="2971800" cy="458788"/>
+          </a:xfrm>
+          <a:prstGeom prst="rect">
+            <a:avLst/>
+          </a:prstGeom>
+        </p:spPr>
+        <p:txBody>
+          <a:bodyPr vert="horz" lIns="91440" tIns="45720" rIns="91440" bIns="45720" rtlCol="0"/>
+          <a:lstStyle>
+            <a:lvl1pPr algn="l">
+              <a:defRPr sz="1200"/>
+            </a:lvl1pPr>
+          </a:lstStyle>
+          <a:p>
+            <a:endParaRPr lang="de-AT"/>
+          </a:p>
+        </p:txBody>
+      </p:sp>
+      <p:sp>
+        <p:nvSpPr>
+          <p:cNvPr id="3" name="Datumsplatzhalter 2"/>
+          <p:cNvSpPr>
+            <a:spLocks noGrp="1"/>
+          </p:cNvSpPr>
+          <p:nvPr>
+            <p:ph type="dt" idx="1"/>
+          </p:nvPr>
+        </p:nvSpPr>
+        <p:spPr>
+          <a:xfrm>
+            <a:off x="3884613" y="0"/>
+            <a:ext cx="2971800" cy="458788"/>
+          </a:xfrm>
+          <a:prstGeom prst="rect">
+            <a:avLst/>
+          </a:prstGeom>
+        </p:spPr>
+        <p:txBody>
+          <a:bodyPr vert="horz" lIns="91440" tIns="45720" rIns="91440" bIns="45720" rtlCol="0"/>
+          <a:lstStyle>
+            <a:lvl1pPr algn="r">
+              <a:defRPr sz="1200"/>
+            </a:lvl1pPr>
+          </a:lstStyle>
+          <a:p>
+            <a:fld id="{414BA96B-CCB3-486B-8E6D-702C2D66FDB9}" type="datetimeFigureOut">
+              <a:rPr lang="de-AT" smtClean="0"/>
+              <a:t>17.12.2014</a:t>
+            </a:fld>
+            <a:endParaRPr lang="de-AT"/>
+          </a:p>
+        </p:txBody>
+      </p:sp>
+      <p:sp>
+        <p:nvSpPr>
+          <p:cNvPr id="4" name="Folienbildplatzhalter 3"/>
+          <p:cNvSpPr>
+            <a:spLocks noGrp="1" noRot="1" noChangeAspect="1"/>
+          </p:cNvSpPr>
+          <p:nvPr>
+            <p:ph type="sldImg" idx="2"/>
+          </p:nvPr>
+        </p:nvSpPr>
+        <p:spPr>
+          <a:xfrm>
+            <a:off x="685800" y="1143000"/>
+            <a:ext cx="5486400" cy="3086100"/>
+          </a:xfrm>
+          <a:prstGeom prst="rect">
+            <a:avLst/>
+          </a:prstGeom>
+          <a:noFill/>
+          <a:ln w="12700">
+            <a:solidFill>
+              <a:prstClr val="black"/>
+            </a:solidFill>
+          </a:ln>
+        </p:spPr>
+        <p:txBody>
+          <a:bodyPr vert="horz" lIns="91440" tIns="45720" rIns="91440" bIns="45720" rtlCol="0" anchor="ctr"/>
+          <a:lstStyle/>
+          <a:p>
+            <a:endParaRPr lang="de-AT"/>
+          </a:p>
+        </p:txBody>
+      </p:sp>
+      <p:sp>
+        <p:nvSpPr>
+          <p:cNvPr id="5" name="Notizenplatzhalter 4"/>
+          <p:cNvSpPr>
+            <a:spLocks noGrp="1"/>
+          </p:cNvSpPr>
+          <p:nvPr>
+            <p:ph type="body" sz="quarter" idx="3"/>
+          </p:nvPr>
+        </p:nvSpPr>
+        <p:spPr>
+          <a:xfrm>
+            <a:off x="685800" y="4400550"/>
+            <a:ext cx="5486400" cy="3600450"/>
+          </a:xfrm>
+          <a:prstGeom prst="rect">
+            <a:avLst/>
+          </a:prstGeom>
+        </p:spPr>
+        <p:txBody>
+          <a:bodyPr vert="horz" lIns="91440" tIns="45720" rIns="91440" bIns="45720" rtlCol="0"/>
+          <a:lstStyle/>
+          <a:p>
+            <a:pPr lvl="0"/>
+            <a:r>
+              <a:rPr lang="de-DE" smtClean="0"/>
+              <a:t>Textmasterformat bearbeiten</a:t>
+            </a:r>
+          </a:p>
+          <a:p>
+            <a:pPr lvl="1"/>
+            <a:r>
+              <a:rPr lang="de-DE" smtClean="0"/>
+              <a:t>Zweite Ebene</a:t>
+            </a:r>
+          </a:p>
+          <a:p>
+            <a:pPr lvl="2"/>
+            <a:r>
+              <a:rPr lang="de-DE" smtClean="0"/>
+              <a:t>Dritte Ebene</a:t>
+            </a:r>
+          </a:p>
+          <a:p>
+            <a:pPr lvl="3"/>
+            <a:r>
+              <a:rPr lang="de-DE" smtClean="0"/>
+              <a:t>Vierte Ebene</a:t>
+            </a:r>
+          </a:p>
+          <a:p>
+            <a:pPr lvl="4"/>
+            <a:r>
+              <a:rPr lang="de-DE" smtClean="0"/>
+              <a:t>Fünfte Ebene</a:t>
+            </a:r>
+            <a:endParaRPr lang="de-AT"/>
+          </a:p>
+        </p:txBody>
+      </p:sp>
+      <p:sp>
+        <p:nvSpPr>
+          <p:cNvPr id="6" name="Fußzeilenplatzhalter 5"/>
+          <p:cNvSpPr>
+            <a:spLocks noGrp="1"/>
+          </p:cNvSpPr>
+          <p:nvPr>
+            <p:ph type="ftr" sz="quarter" idx="4"/>
+          </p:nvPr>
+        </p:nvSpPr>
+        <p:spPr>
+          <a:xfrm>
+            <a:off x="0" y="8685213"/>
+            <a:ext cx="2971800" cy="458787"/>
+          </a:xfrm>
+          <a:prstGeom prst="rect">
+            <a:avLst/>
+          </a:prstGeom>
+        </p:spPr>
+        <p:txBody>
+          <a:bodyPr vert="horz" lIns="91440" tIns="45720" rIns="91440" bIns="45720" rtlCol="0" anchor="b"/>
+          <a:lstStyle>
+            <a:lvl1pPr algn="l">
+              <a:defRPr sz="1200"/>
+            </a:lvl1pPr>
+          </a:lstStyle>
+          <a:p>
+            <a:endParaRPr lang="de-AT"/>
+          </a:p>
+        </p:txBody>
+      </p:sp>
+      <p:sp>
+        <p:nvSpPr>
+          <p:cNvPr id="7" name="Foliennummernplatzhalter 6"/>
+          <p:cNvSpPr>
+            <a:spLocks noGrp="1"/>
+          </p:cNvSpPr>
+          <p:nvPr>
+            <p:ph type="sldNum" sz="quarter" idx="5"/>
+          </p:nvPr>
+        </p:nvSpPr>
+        <p:spPr>
+          <a:xfrm>
+            <a:off x="3884613" y="8685213"/>
+            <a:ext cx="2971800" cy="458787"/>
+          </a:xfrm>
+          <a:prstGeom prst="rect">
+            <a:avLst/>
+          </a:prstGeom>
+        </p:spPr>
+        <p:txBody>
+          <a:bodyPr vert="horz" lIns="91440" tIns="45720" rIns="91440" bIns="45720" rtlCol="0" anchor="b"/>
+          <a:lstStyle>
+            <a:lvl1pPr algn="r">
+              <a:defRPr sz="1200"/>
+            </a:lvl1pPr>
+          </a:lstStyle>
+          <a:p>
+            <a:fld id="{40443D88-C795-4A05-8385-807CDE274C8A}" type="slidenum">
+              <a:rPr lang="de-AT" smtClean="0"/>
+              <a:t>‹Nr.›</a:t>
+            </a:fld>
+            <a:endParaRPr lang="de-AT"/>
+          </a:p>
+        </p:txBody>
+      </p:sp>
+    </p:spTree>
+    <p:extLst>
+      <p:ext uri="{BB962C8B-B14F-4D97-AF65-F5344CB8AC3E}">
+        <p14:creationId xmlns:p14="http://schemas.microsoft.com/office/powerpoint/2010/main" val="2101029934"/>
+      </p:ext>
+    </p:extLst>
+  </p:cSld>
+  <p:clrMap bg1="lt1" tx1="dk1" bg2="lt2" tx2="dk2" accent1="accent1" accent2="accent2" accent3="accent3" accent4="accent4" accent5="accent5" accent6="accent6" hlink="hlink" folHlink="folHlink"/>
+  <p:notesStyle>
+    <a:lvl1pPr marL="0" algn="l" defTabSz="914400" rtl="0" eaLnBrk="1" latinLnBrk="0" hangingPunct="1">
+      <a:defRPr sz="1200" kern="1200">
+        <a:solidFill>
+          <a:schemeClr val="tx1"/>
+        </a:solidFill>
+        <a:latin typeface="+mn-lt"/>
+        <a:ea typeface="+mn-ea"/>
+        <a:cs typeface="+mn-cs"/>
+      </a:defRPr>
+    </a:lvl1pPr>
+    <a:lvl2pPr marL="457200" algn="l" defTabSz="914400" rtl="0" eaLnBrk="1" latinLnBrk="0" hangingPunct="1">
+      <a:defRPr sz="1200" kern="1200">
+        <a:solidFill>
+          <a:schemeClr val="tx1"/>
+        </a:solidFill>
+        <a:latin typeface="+mn-lt"/>
+        <a:ea typeface="+mn-ea"/>
+        <a:cs typeface="+mn-cs"/>
+      </a:defRPr>
+    </a:lvl2pPr>
+    <a:lvl3pPr marL="914400" algn="l" defTabSz="914400" rtl="0" eaLnBrk="1" latinLnBrk="0" hangingPunct="1">
+      <a:defRPr sz="1200" kern="1200">
+        <a:solidFill>
+          <a:schemeClr val="tx1"/>
+        </a:solidFill>
+        <a:latin typeface="+mn-lt"/>
+        <a:ea typeface="+mn-ea"/>
+        <a:cs typeface="+mn-cs"/>
+      </a:defRPr>
+    </a:lvl3pPr>
+    <a:lvl4pPr marL="1371600" algn="l" defTabSz="914400" rtl="0" eaLnBrk="1" latinLnBrk="0" hangingPunct="1">
+      <a:defRPr sz="1200" kern="1200">
+        <a:solidFill>
+          <a:schemeClr val="tx1"/>
+        </a:solidFill>
+        <a:latin typeface="+mn-lt"/>
+        <a:ea typeface="+mn-ea"/>
+        <a:cs typeface="+mn-cs"/>
+      </a:defRPr>
+    </a:lvl4pPr>
+    <a:lvl5pPr marL="1828800" algn="l" defTabSz="914400" rtl="0" eaLnBrk="1" latinLnBrk="0" hangingPunct="1">
+      <a:defRPr sz="1200" kern="1200">
+        <a:solidFill>
+          <a:schemeClr val="tx1"/>
+        </a:solidFill>
+        <a:latin typeface="+mn-lt"/>
+        <a:ea typeface="+mn-ea"/>
+        <a:cs typeface="+mn-cs"/>
+      </a:defRPr>
+    </a:lvl5pPr>
+    <a:lvl6pPr marL="2286000" algn="l" defTabSz="914400" rtl="0" eaLnBrk="1" latinLnBrk="0" hangingPunct="1">
+      <a:defRPr sz="1200" kern="1200">
+        <a:solidFill>
+          <a:schemeClr val="tx1"/>
+        </a:solidFill>
+        <a:latin typeface="+mn-lt"/>
+        <a:ea typeface="+mn-ea"/>
+        <a:cs typeface="+mn-cs"/>
+      </a:defRPr>
+    </a:lvl6pPr>
+    <a:lvl7pPr marL="2743200" algn="l" defTabSz="914400" rtl="0" eaLnBrk="1" latinLnBrk="0" hangingPunct="1">
+      <a:defRPr sz="1200" kern="1200">
+        <a:solidFill>
+          <a:schemeClr val="tx1"/>
+        </a:solidFill>
+        <a:latin typeface="+mn-lt"/>
+        <a:ea typeface="+mn-ea"/>
+        <a:cs typeface="+mn-cs"/>
+      </a:defRPr>
+    </a:lvl7pPr>
+    <a:lvl8pPr marL="3200400" algn="l" defTabSz="914400" rtl="0" eaLnBrk="1" latinLnBrk="0" hangingPunct="1">
+      <a:defRPr sz="1200" kern="1200">
+        <a:solidFill>
+          <a:schemeClr val="tx1"/>
+        </a:solidFill>
+        <a:latin typeface="+mn-lt"/>
+        <a:ea typeface="+mn-ea"/>
+        <a:cs typeface="+mn-cs"/>
+      </a:defRPr>
+    </a:lvl8pPr>
+    <a:lvl9pPr marL="3657600" algn="l" defTabSz="914400" rtl="0" eaLnBrk="1" latinLnBrk="0" hangingPunct="1">
+      <a:defRPr sz="1200" kern="1200">
+        <a:solidFill>
+          <a:schemeClr val="tx1"/>
+        </a:solidFill>
+        <a:latin typeface="+mn-lt"/>
+        <a:ea typeface="+mn-ea"/>
+        <a:cs typeface="+mn-cs"/>
+      </a:defRPr>
+    </a:lvl9pPr>
+  </p:notesStyle>
+</p:notesMaster>
+</file>
+
+<file path=ppt/notesSlides/notesSlide1.xml><?xml version="1.0" encoding="utf-8"?>
+<p:notes xmlns:a="http://schemas.openxmlformats.org/drawingml/2006/main" xmlns:r="http://schemas.openxmlformats.org/officeDocument/2006/relationships" xmlns:p="http://schemas.openxmlformats.org/presentationml/2006/main">
+  <p:cSld>
+    <p:spTree>
+      <p:nvGrpSpPr>
+        <p:cNvPr id="1" name=""/>
+        <p:cNvGrpSpPr/>
+        <p:nvPr/>
+      </p:nvGrpSpPr>
+      <p:grpSpPr>
+        <a:xfrm>
+          <a:off x="0" y="0"/>
+          <a:ext cx="0" cy="0"/>
+          <a:chOff x="0" y="0"/>
+          <a:chExt cx="0" cy="0"/>
+        </a:xfrm>
+      </p:grpSpPr>
+      <p:sp>
+        <p:nvSpPr>
+          <p:cNvPr id="2" name="Folienbildplatzhalter 1"/>
+          <p:cNvSpPr>
+            <a:spLocks noGrp="1" noRot="1" noChangeAspect="1"/>
+          </p:cNvSpPr>
+          <p:nvPr>
+            <p:ph type="sldImg"/>
+          </p:nvPr>
+        </p:nvSpPr>
+        <p:spPr/>
+      </p:sp>
+      <p:sp>
+        <p:nvSpPr>
+          <p:cNvPr id="3" name="Notizenplatzhalter 2"/>
+          <p:cNvSpPr>
+            <a:spLocks noGrp="1"/>
+          </p:cNvSpPr>
+          <p:nvPr>
+            <p:ph type="body" idx="1"/>
+          </p:nvPr>
+        </p:nvSpPr>
+        <p:spPr/>
+        <p:txBody>
+          <a:bodyPr/>
+          <a:lstStyle/>
+          <a:p>
+            <a:r>
+              <a:rPr lang="de-AT" dirty="0" smtClean="0"/>
+              <a:t>Pre-shared Key: </a:t>
+            </a:r>
+          </a:p>
+          <a:p>
+            <a:r>
+              <a:rPr lang="de-AT" dirty="0" smtClean="0"/>
+              <a:t>•Statischer Schlüssel, dient zum </a:t>
+            </a:r>
+            <a:r>
+              <a:rPr lang="de-AT" dirty="0" err="1" smtClean="0"/>
+              <a:t>ver</a:t>
+            </a:r>
+            <a:r>
+              <a:rPr lang="de-AT" dirty="0" smtClean="0"/>
+              <a:t>- und entschlüsseln</a:t>
+            </a:r>
+          </a:p>
+          <a:p>
+            <a:r>
+              <a:rPr lang="de-AT" dirty="0" smtClean="0"/>
+              <a:t>•Darf nicht verloren gehen oder kompromittiert werden</a:t>
+            </a:r>
+          </a:p>
+          <a:p>
+            <a:r>
+              <a:rPr lang="de-AT" dirty="0" smtClean="0"/>
+              <a:t>Benutzer/Passwort: </a:t>
+            </a:r>
+          </a:p>
+          <a:p>
+            <a:r>
+              <a:rPr lang="de-AT" dirty="0" smtClean="0"/>
+              <a:t>•Statischer Key ist einem User zugewiesen</a:t>
+            </a:r>
+          </a:p>
+          <a:p>
+            <a:r>
+              <a:rPr lang="de-AT" dirty="0" smtClean="0"/>
+              <a:t>•anfällig für Man-In-The-Middle-Attacken </a:t>
+            </a:r>
+          </a:p>
+          <a:p>
+            <a:r>
+              <a:rPr lang="de-AT" dirty="0" smtClean="0"/>
+              <a:t>Zertifikatsbasiert: </a:t>
+            </a:r>
+          </a:p>
+          <a:p>
+            <a:r>
+              <a:rPr lang="de-AT" dirty="0" smtClean="0"/>
+              <a:t>•Authentifizierung über das TLS-Protokoll mit privaten und öffentlichen Schlüsselpaaren</a:t>
+            </a:r>
+          </a:p>
+          <a:p>
+            <a:r>
+              <a:rPr lang="de-AT" dirty="0" smtClean="0"/>
+              <a:t>•Server und Clients müssen ein gültiges, von einer bekannten Zertifizierungsstelle ausgestelltes Zertifikat besitzen.</a:t>
+            </a:r>
+          </a:p>
+          <a:p>
+            <a:endParaRPr lang="de-AT" dirty="0"/>
+          </a:p>
+        </p:txBody>
+      </p:sp>
+      <p:sp>
+        <p:nvSpPr>
+          <p:cNvPr id="4" name="Foliennummernplatzhalter 3"/>
+          <p:cNvSpPr>
+            <a:spLocks noGrp="1"/>
+          </p:cNvSpPr>
+          <p:nvPr>
+            <p:ph type="sldNum" sz="quarter" idx="10"/>
+          </p:nvPr>
+        </p:nvSpPr>
+        <p:spPr/>
+        <p:txBody>
+          <a:bodyPr/>
+          <a:lstStyle/>
+          <a:p>
+            <a:fld id="{40443D88-C795-4A05-8385-807CDE274C8A}" type="slidenum">
+              <a:rPr lang="de-AT" smtClean="0"/>
+              <a:t>15</a:t>
+            </a:fld>
+            <a:endParaRPr lang="de-AT"/>
+          </a:p>
+        </p:txBody>
+      </p:sp>
+    </p:spTree>
+    <p:extLst>
+      <p:ext uri="{BB962C8B-B14F-4D97-AF65-F5344CB8AC3E}">
+        <p14:creationId xmlns:p14="http://schemas.microsoft.com/office/powerpoint/2010/main" val="3677005363"/>
+      </p:ext>
+    </p:extLst>
+  </p:cSld>
+  <p:clrMapOvr>
+    <a:masterClrMapping/>
+  </p:clrMapOvr>
+</p:notes>
 </file>
 
 <file path=ppt/slideLayouts/slideLayout1.xml><?xml version="1.0" encoding="utf-8"?>
@@ -5820,6 +6333,762 @@
 </p:sld>
 </file>
 
+<file path=ppt/slides/slide10.xml><?xml version="1.0" encoding="utf-8"?>
+<p:sld xmlns:a="http://schemas.openxmlformats.org/drawingml/2006/main" xmlns:r="http://schemas.openxmlformats.org/officeDocument/2006/relationships" xmlns:p="http://schemas.openxmlformats.org/presentationml/2006/main">
+  <p:cSld>
+    <p:spTree>
+      <p:nvGrpSpPr>
+        <p:cNvPr id="1" name=""/>
+        <p:cNvGrpSpPr/>
+        <p:nvPr/>
+      </p:nvGrpSpPr>
+      <p:grpSpPr>
+        <a:xfrm>
+          <a:off x="0" y="0"/>
+          <a:ext cx="0" cy="0"/>
+          <a:chOff x="0" y="0"/>
+          <a:chExt cx="0" cy="0"/>
+        </a:xfrm>
+      </p:grpSpPr>
+      <p:sp>
+        <p:nvSpPr>
+          <p:cNvPr id="2" name="Titel 1"/>
+          <p:cNvSpPr>
+            <a:spLocks noGrp="1"/>
+          </p:cNvSpPr>
+          <p:nvPr>
+            <p:ph type="title"/>
+          </p:nvPr>
+        </p:nvSpPr>
+        <p:spPr/>
+        <p:txBody>
+          <a:bodyPr/>
+          <a:lstStyle/>
+          <a:p>
+            <a:r>
+              <a:rPr lang="de-AT" dirty="0" err="1" smtClean="0"/>
+              <a:t>Anwendunsszenarien</a:t>
+            </a:r>
+            <a:endParaRPr lang="de-AT" dirty="0"/>
+          </a:p>
+        </p:txBody>
+      </p:sp>
+      <p:sp>
+        <p:nvSpPr>
+          <p:cNvPr id="3" name="Inhaltsplatzhalter 2"/>
+          <p:cNvSpPr>
+            <a:spLocks noGrp="1"/>
+          </p:cNvSpPr>
+          <p:nvPr>
+            <p:ph idx="1"/>
+          </p:nvPr>
+        </p:nvSpPr>
+        <p:spPr/>
+        <p:txBody>
+          <a:bodyPr/>
+          <a:lstStyle/>
+          <a:p>
+            <a:r>
+              <a:rPr lang="de-AT" dirty="0" smtClean="0"/>
+              <a:t>Netzwerkzugriff für Außendienstmitarbeiter (Client-to-LAN)</a:t>
+            </a:r>
+          </a:p>
+          <a:p>
+            <a:r>
+              <a:rPr lang="de-AT" dirty="0" smtClean="0"/>
+              <a:t>Verbindung mehrerer Unternehmensstandorte (LAN-to-LAN)</a:t>
+            </a:r>
+          </a:p>
+          <a:p>
+            <a:r>
+              <a:rPr lang="de-AT" dirty="0" smtClean="0"/>
+              <a:t>Umgehung von Zensur</a:t>
+            </a:r>
+          </a:p>
+          <a:p>
+            <a:pPr lvl="1"/>
+            <a:r>
+              <a:rPr lang="de-AT" dirty="0" smtClean="0"/>
+              <a:t>Bspw. bei Standort in China od. Nordkorea</a:t>
+            </a:r>
+          </a:p>
+          <a:p>
+            <a:r>
+              <a:rPr lang="de-AT" dirty="0" smtClean="0"/>
+              <a:t>LAN-Spiele über Internet</a:t>
+            </a:r>
+            <a:endParaRPr lang="de-AT" dirty="0"/>
+          </a:p>
+        </p:txBody>
+      </p:sp>
+    </p:spTree>
+    <p:extLst>
+      <p:ext uri="{BB962C8B-B14F-4D97-AF65-F5344CB8AC3E}">
+        <p14:creationId xmlns:p14="http://schemas.microsoft.com/office/powerpoint/2010/main" val="3939505784"/>
+      </p:ext>
+    </p:extLst>
+  </p:cSld>
+  <p:clrMapOvr>
+    <a:masterClrMapping/>
+  </p:clrMapOvr>
+</p:sld>
+</file>
+
+<file path=ppt/slides/slide11.xml><?xml version="1.0" encoding="utf-8"?>
+<p:sld xmlns:a="http://schemas.openxmlformats.org/drawingml/2006/main" xmlns:r="http://schemas.openxmlformats.org/officeDocument/2006/relationships" xmlns:p="http://schemas.openxmlformats.org/presentationml/2006/main">
+  <p:cSld>
+    <p:spTree>
+      <p:nvGrpSpPr>
+        <p:cNvPr id="1" name=""/>
+        <p:cNvGrpSpPr/>
+        <p:nvPr/>
+      </p:nvGrpSpPr>
+      <p:grpSpPr>
+        <a:xfrm>
+          <a:off x="0" y="0"/>
+          <a:ext cx="0" cy="0"/>
+          <a:chOff x="0" y="0"/>
+          <a:chExt cx="0" cy="0"/>
+        </a:xfrm>
+      </p:grpSpPr>
+      <p:sp>
+        <p:nvSpPr>
+          <p:cNvPr id="2" name="Titel 1"/>
+          <p:cNvSpPr>
+            <a:spLocks noGrp="1"/>
+          </p:cNvSpPr>
+          <p:nvPr>
+            <p:ph type="title"/>
+          </p:nvPr>
+        </p:nvSpPr>
+        <p:spPr/>
+        <p:txBody>
+          <a:bodyPr/>
+          <a:lstStyle/>
+          <a:p>
+            <a:r>
+              <a:rPr lang="de-AT" dirty="0" smtClean="0"/>
+              <a:t>Verbindungsaufbau</a:t>
+            </a:r>
+            <a:endParaRPr lang="de-AT" dirty="0"/>
+          </a:p>
+        </p:txBody>
+      </p:sp>
+      <p:sp>
+        <p:nvSpPr>
+          <p:cNvPr id="3" name="Inhaltsplatzhalter 2"/>
+          <p:cNvSpPr>
+            <a:spLocks noGrp="1"/>
+          </p:cNvSpPr>
+          <p:nvPr>
+            <p:ph idx="1"/>
+          </p:nvPr>
+        </p:nvSpPr>
+        <p:spPr/>
+        <p:txBody>
+          <a:bodyPr/>
+          <a:lstStyle/>
+          <a:p>
+            <a:pPr marL="457200" lvl="0" indent="-457200">
+              <a:buFont typeface="+mj-lt"/>
+              <a:buAutoNum type="arabicPeriod"/>
+            </a:pPr>
+            <a:r>
+              <a:rPr lang="de-AT" dirty="0">
+                <a:effectLst/>
+              </a:rPr>
+              <a:t>Internetverbindung über normalen ISP wird hergestellt</a:t>
+            </a:r>
+          </a:p>
+          <a:p>
+            <a:pPr marL="457200" lvl="0" indent="-457200">
+              <a:buFont typeface="+mj-lt"/>
+              <a:buAutoNum type="arabicPeriod"/>
+            </a:pPr>
+            <a:r>
+              <a:rPr lang="de-AT" dirty="0">
+                <a:effectLst/>
+              </a:rPr>
+              <a:t>VPN-Client sendet Verbindungsanfrage an VPN-Server</a:t>
+            </a:r>
+          </a:p>
+          <a:p>
+            <a:pPr marL="457200" lvl="0" indent="-457200">
+              <a:buFont typeface="+mj-lt"/>
+              <a:buAutoNum type="arabicPeriod"/>
+            </a:pPr>
+            <a:r>
+              <a:rPr lang="de-AT" dirty="0" smtClean="0">
+                <a:effectLst/>
+              </a:rPr>
+              <a:t>Authentisierung </a:t>
+            </a:r>
+            <a:r>
+              <a:rPr lang="de-AT" dirty="0">
+                <a:effectLst/>
+              </a:rPr>
+              <a:t>beim VPN-Server</a:t>
+            </a:r>
+          </a:p>
+          <a:p>
+            <a:pPr marL="457200" lvl="0" indent="-457200">
+              <a:buFont typeface="+mj-lt"/>
+              <a:buAutoNum type="arabicPeriod"/>
+            </a:pPr>
+            <a:r>
+              <a:rPr lang="de-AT" dirty="0" err="1">
+                <a:effectLst/>
+              </a:rPr>
+              <a:t>IPsec</a:t>
+            </a:r>
+            <a:r>
+              <a:rPr lang="de-AT" dirty="0">
+                <a:effectLst/>
+              </a:rPr>
+              <a:t>-Tunnel (sicherer VPN-Datentunnel) wird </a:t>
+            </a:r>
+            <a:r>
+              <a:rPr lang="de-AT" dirty="0" smtClean="0">
+                <a:effectLst/>
+              </a:rPr>
+              <a:t>geöffnet</a:t>
+            </a:r>
+            <a:endParaRPr lang="de-AT" dirty="0">
+              <a:effectLst/>
+            </a:endParaRPr>
+          </a:p>
+        </p:txBody>
+      </p:sp>
+    </p:spTree>
+    <p:extLst>
+      <p:ext uri="{BB962C8B-B14F-4D97-AF65-F5344CB8AC3E}">
+        <p14:creationId xmlns:p14="http://schemas.microsoft.com/office/powerpoint/2010/main" val="236491627"/>
+      </p:ext>
+    </p:extLst>
+  </p:cSld>
+  <p:clrMapOvr>
+    <a:masterClrMapping/>
+  </p:clrMapOvr>
+</p:sld>
+</file>
+
+<file path=ppt/slides/slide12.xml><?xml version="1.0" encoding="utf-8"?>
+<p:sld xmlns:a="http://schemas.openxmlformats.org/drawingml/2006/main" xmlns:r="http://schemas.openxmlformats.org/officeDocument/2006/relationships" xmlns:p="http://schemas.openxmlformats.org/presentationml/2006/main">
+  <p:cSld>
+    <p:spTree>
+      <p:nvGrpSpPr>
+        <p:cNvPr id="1" name=""/>
+        <p:cNvGrpSpPr/>
+        <p:nvPr/>
+      </p:nvGrpSpPr>
+      <p:grpSpPr>
+        <a:xfrm>
+          <a:off x="0" y="0"/>
+          <a:ext cx="0" cy="0"/>
+          <a:chOff x="0" y="0"/>
+          <a:chExt cx="0" cy="0"/>
+        </a:xfrm>
+      </p:grpSpPr>
+      <p:sp>
+        <p:nvSpPr>
+          <p:cNvPr id="3" name="Inhaltsplatzhalter 2"/>
+          <p:cNvSpPr>
+            <a:spLocks noGrp="1"/>
+          </p:cNvSpPr>
+          <p:nvPr>
+            <p:ph idx="1"/>
+          </p:nvPr>
+        </p:nvSpPr>
+        <p:spPr>
+          <a:xfrm>
+            <a:off x="1072833" y="1341119"/>
+            <a:ext cx="9905998" cy="4442461"/>
+          </a:xfrm>
+        </p:spPr>
+        <p:txBody>
+          <a:bodyPr/>
+          <a:lstStyle/>
+          <a:p>
+            <a:r>
+              <a:rPr lang="de-AT" dirty="0" smtClean="0"/>
+              <a:t>Sobald Verbindung hergestellt, keine direkte Internetverbindung mehr</a:t>
+            </a:r>
+          </a:p>
+          <a:p>
+            <a:pPr lvl="1"/>
+            <a:r>
+              <a:rPr lang="de-AT" dirty="0" smtClean="0"/>
+              <a:t>Sonst sog. SPLIT-Tunnel (Sicherheitsrisiko)</a:t>
+            </a:r>
+          </a:p>
+          <a:p>
+            <a:r>
+              <a:rPr lang="de-AT" dirty="0" smtClean="0"/>
+              <a:t>Client bekommt private IP-Adresse aus verbundenem Netzwerk zugeteilt</a:t>
+            </a:r>
+          </a:p>
+          <a:p>
+            <a:pPr lvl="1"/>
+            <a:r>
+              <a:rPr lang="de-AT" dirty="0" smtClean="0"/>
+              <a:t>Ermöglicht Sicherung des firmenseitigen Endes mit Firewall</a:t>
+            </a:r>
+          </a:p>
+          <a:p>
+            <a:r>
+              <a:rPr lang="de-AT" dirty="0" smtClean="0"/>
+              <a:t>Jetzt kann sich der Client von (fast) jedem Verbindungsmedium (auch Satellit) mit Firmennetzwerk verbinden</a:t>
+            </a:r>
+            <a:endParaRPr lang="de-AT" dirty="0"/>
+          </a:p>
+        </p:txBody>
+      </p:sp>
+    </p:spTree>
+    <p:extLst>
+      <p:ext uri="{BB962C8B-B14F-4D97-AF65-F5344CB8AC3E}">
+        <p14:creationId xmlns:p14="http://schemas.microsoft.com/office/powerpoint/2010/main" val="2400687259"/>
+      </p:ext>
+    </p:extLst>
+  </p:cSld>
+  <p:clrMapOvr>
+    <a:masterClrMapping/>
+  </p:clrMapOvr>
+  <p:timing>
+    <p:tnLst>
+      <p:par>
+        <p:cTn id="1" dur="indefinite" restart="never" nodeType="tmRoot"/>
+      </p:par>
+    </p:tnLst>
+  </p:timing>
+</p:sld>
+</file>
+
+<file path=ppt/slides/slide13.xml><?xml version="1.0" encoding="utf-8"?>
+<p:sld xmlns:a="http://schemas.openxmlformats.org/drawingml/2006/main" xmlns:r="http://schemas.openxmlformats.org/officeDocument/2006/relationships" xmlns:p="http://schemas.openxmlformats.org/presentationml/2006/main">
+  <p:cSld>
+    <p:spTree>
+      <p:nvGrpSpPr>
+        <p:cNvPr id="1" name=""/>
+        <p:cNvGrpSpPr/>
+        <p:nvPr/>
+      </p:nvGrpSpPr>
+      <p:grpSpPr>
+        <a:xfrm>
+          <a:off x="0" y="0"/>
+          <a:ext cx="0" cy="0"/>
+          <a:chOff x="0" y="0"/>
+          <a:chExt cx="0" cy="0"/>
+        </a:xfrm>
+      </p:grpSpPr>
+      <p:sp>
+        <p:nvSpPr>
+          <p:cNvPr id="2" name="Titel 1"/>
+          <p:cNvSpPr>
+            <a:spLocks noGrp="1"/>
+          </p:cNvSpPr>
+          <p:nvPr>
+            <p:ph type="title"/>
+          </p:nvPr>
+        </p:nvSpPr>
+        <p:spPr/>
+        <p:txBody>
+          <a:bodyPr/>
+          <a:lstStyle/>
+          <a:p>
+            <a:r>
+              <a:rPr lang="de-AT" dirty="0" err="1" smtClean="0"/>
+              <a:t>Netztopologien</a:t>
+            </a:r>
+            <a:endParaRPr lang="de-AT" dirty="0"/>
+          </a:p>
+        </p:txBody>
+      </p:sp>
+      <p:sp>
+        <p:nvSpPr>
+          <p:cNvPr id="3" name="Inhaltsplatzhalter 2"/>
+          <p:cNvSpPr>
+            <a:spLocks noGrp="1"/>
+          </p:cNvSpPr>
+          <p:nvPr>
+            <p:ph idx="1"/>
+          </p:nvPr>
+        </p:nvSpPr>
+        <p:spPr>
+          <a:xfrm>
+            <a:off x="1141413" y="1897380"/>
+            <a:ext cx="9905998" cy="4206239"/>
+          </a:xfrm>
+        </p:spPr>
+        <p:txBody>
+          <a:bodyPr>
+            <a:normAutofit/>
+          </a:bodyPr>
+          <a:lstStyle/>
+          <a:p>
+            <a:r>
+              <a:rPr lang="de-AT" dirty="0" smtClean="0"/>
+              <a:t>Point to Point</a:t>
+            </a:r>
+          </a:p>
+          <a:p>
+            <a:pPr lvl="1"/>
+            <a:r>
+              <a:rPr lang="de-AT" dirty="0" smtClean="0"/>
+              <a:t>Direkte Verbindung zweier Netzwerkknoten</a:t>
+            </a:r>
+          </a:p>
+          <a:p>
+            <a:pPr lvl="2"/>
+            <a:r>
+              <a:rPr lang="de-AT" dirty="0" smtClean="0"/>
+              <a:t>Client Server oder durch Routing Netzwerke anbinden</a:t>
+            </a:r>
+          </a:p>
+          <a:p>
+            <a:pPr lvl="1"/>
+            <a:r>
+              <a:rPr lang="de-AT" dirty="0" smtClean="0"/>
+              <a:t>TUN-Schnittstelle </a:t>
+            </a:r>
+          </a:p>
+          <a:p>
+            <a:pPr lvl="2"/>
+            <a:r>
+              <a:rPr lang="de-AT" dirty="0" smtClean="0"/>
+              <a:t>Virtuelle Netzwerkkarte auf OSI-3 (IP)</a:t>
+            </a:r>
+          </a:p>
+          <a:p>
+            <a:r>
+              <a:rPr lang="de-AT" dirty="0" smtClean="0"/>
+              <a:t>Ethernet</a:t>
+            </a:r>
+          </a:p>
+          <a:p>
+            <a:pPr lvl="1"/>
+            <a:r>
+              <a:rPr lang="de-AT" dirty="0" smtClean="0"/>
+              <a:t>TAP-Schnittstelle</a:t>
+            </a:r>
+          </a:p>
+          <a:p>
+            <a:pPr lvl="2"/>
+            <a:r>
+              <a:rPr lang="de-AT" dirty="0" smtClean="0"/>
+              <a:t>Virtuelle Netzwerkkarte auf OSI-2</a:t>
+            </a:r>
+          </a:p>
+          <a:p>
+            <a:pPr lvl="1"/>
+            <a:r>
+              <a:rPr lang="de-AT" dirty="0" smtClean="0"/>
+              <a:t>Erlaubt Client direkte Verbindung mit Netzwerk</a:t>
+            </a:r>
+          </a:p>
+          <a:p>
+            <a:pPr lvl="2"/>
+            <a:r>
+              <a:rPr lang="de-AT" dirty="0" smtClean="0"/>
+              <a:t>VPN-Server als Switch</a:t>
+            </a:r>
+            <a:endParaRPr lang="de-AT" dirty="0"/>
+          </a:p>
+        </p:txBody>
+      </p:sp>
+    </p:spTree>
+    <p:extLst>
+      <p:ext uri="{BB962C8B-B14F-4D97-AF65-F5344CB8AC3E}">
+        <p14:creationId xmlns:p14="http://schemas.microsoft.com/office/powerpoint/2010/main" val="1688519374"/>
+      </p:ext>
+    </p:extLst>
+  </p:cSld>
+  <p:clrMapOvr>
+    <a:masterClrMapping/>
+  </p:clrMapOvr>
+  <p:timing>
+    <p:tnLst>
+      <p:par>
+        <p:cTn id="1" dur="indefinite" restart="never" nodeType="tmRoot"/>
+      </p:par>
+    </p:tnLst>
+  </p:timing>
+</p:sld>
+</file>
+
+<file path=ppt/slides/slide14.xml><?xml version="1.0" encoding="utf-8"?>
+<p:sld xmlns:a="http://schemas.openxmlformats.org/drawingml/2006/main" xmlns:r="http://schemas.openxmlformats.org/officeDocument/2006/relationships" xmlns:p="http://schemas.openxmlformats.org/presentationml/2006/main">
+  <p:cSld>
+    <p:spTree>
+      <p:nvGrpSpPr>
+        <p:cNvPr id="1" name=""/>
+        <p:cNvGrpSpPr/>
+        <p:nvPr/>
+      </p:nvGrpSpPr>
+      <p:grpSpPr>
+        <a:xfrm>
+          <a:off x="0" y="0"/>
+          <a:ext cx="0" cy="0"/>
+          <a:chOff x="0" y="0"/>
+          <a:chExt cx="0" cy="0"/>
+        </a:xfrm>
+      </p:grpSpPr>
+      <p:sp>
+        <p:nvSpPr>
+          <p:cNvPr id="2" name="Titel 1"/>
+          <p:cNvSpPr>
+            <a:spLocks noGrp="1"/>
+          </p:cNvSpPr>
+          <p:nvPr>
+            <p:ph type="title"/>
+          </p:nvPr>
+        </p:nvSpPr>
+        <p:spPr>
+          <a:xfrm>
+            <a:off x="1141413" y="198120"/>
+            <a:ext cx="9905998" cy="1905000"/>
+          </a:xfrm>
+        </p:spPr>
+        <p:txBody>
+          <a:bodyPr/>
+          <a:lstStyle/>
+          <a:p>
+            <a:r>
+              <a:rPr lang="de-AT" dirty="0" smtClean="0"/>
+              <a:t>Netzwerkanbindung</a:t>
+            </a:r>
+            <a:endParaRPr lang="de-AT" dirty="0"/>
+          </a:p>
+        </p:txBody>
+      </p:sp>
+      <p:sp>
+        <p:nvSpPr>
+          <p:cNvPr id="3" name="Inhaltsplatzhalter 2"/>
+          <p:cNvSpPr>
+            <a:spLocks noGrp="1"/>
+          </p:cNvSpPr>
+          <p:nvPr>
+            <p:ph idx="1"/>
+          </p:nvPr>
+        </p:nvSpPr>
+        <p:spPr>
+          <a:xfrm>
+            <a:off x="1141413" y="1783080"/>
+            <a:ext cx="9905998" cy="4709160"/>
+          </a:xfrm>
+        </p:spPr>
+        <p:txBody>
+          <a:bodyPr>
+            <a:normAutofit/>
+          </a:bodyPr>
+          <a:lstStyle/>
+          <a:p>
+            <a:r>
+              <a:rPr lang="de-AT" dirty="0" smtClean="0"/>
+              <a:t>Routing:</a:t>
+            </a:r>
+          </a:p>
+          <a:p>
+            <a:pPr lvl="1"/>
+            <a:r>
+              <a:rPr lang="de-AT" dirty="0" smtClean="0"/>
+              <a:t>VPN-Knoten arbeiten auf IP-Ebene</a:t>
+            </a:r>
+          </a:p>
+          <a:p>
+            <a:pPr lvl="1"/>
+            <a:r>
+              <a:rPr lang="de-AT" dirty="0" smtClean="0"/>
+              <a:t>Ermöglicht Verbindung von Privaten Netzen</a:t>
+            </a:r>
+          </a:p>
+          <a:p>
+            <a:pPr lvl="1"/>
+            <a:r>
+              <a:rPr lang="de-AT" dirty="0" smtClean="0"/>
+              <a:t>Wird durch eigenständiges Netz dargestellt</a:t>
+            </a:r>
+          </a:p>
+          <a:p>
+            <a:pPr lvl="1"/>
+            <a:r>
+              <a:rPr lang="de-AT" dirty="0" smtClean="0"/>
+              <a:t>Broadcasts nicht ohne Weiteres möglich</a:t>
+            </a:r>
+          </a:p>
+          <a:p>
+            <a:r>
+              <a:rPr lang="de-AT" dirty="0" smtClean="0"/>
+              <a:t>Bridging:</a:t>
+            </a:r>
+          </a:p>
+          <a:p>
+            <a:pPr lvl="1"/>
+            <a:r>
+              <a:rPr lang="de-AT" dirty="0" smtClean="0"/>
+              <a:t>Betriebssystem verbindet reale Netzwerkkarte mit Virtueller TAP-Schnittstelle</a:t>
+            </a:r>
+          </a:p>
+          <a:p>
+            <a:pPr lvl="1"/>
+            <a:r>
+              <a:rPr lang="de-AT" dirty="0" smtClean="0"/>
+              <a:t>Switch auf Layer-2</a:t>
+            </a:r>
+          </a:p>
+          <a:p>
+            <a:pPr lvl="1"/>
+            <a:r>
+              <a:rPr lang="de-AT" dirty="0" smtClean="0"/>
+              <a:t>Broadcasts möglich – Verhalten wie im selben Netzwerk</a:t>
+            </a:r>
+          </a:p>
+          <a:p>
+            <a:pPr lvl="2"/>
+            <a:r>
+              <a:rPr lang="de-AT" dirty="0" smtClean="0"/>
+              <a:t>Broadcasts nehmen viel Bandbreite in Anspruch</a:t>
+            </a:r>
+          </a:p>
+          <a:p>
+            <a:pPr lvl="2"/>
+            <a:r>
+              <a:rPr lang="de-AT" dirty="0" smtClean="0"/>
+              <a:t>Achtung vor DHCP-Servern</a:t>
+            </a:r>
+          </a:p>
+          <a:p>
+            <a:pPr lvl="1"/>
+            <a:endParaRPr lang="de-AT" dirty="0"/>
+          </a:p>
+        </p:txBody>
+      </p:sp>
+    </p:spTree>
+    <p:extLst>
+      <p:ext uri="{BB962C8B-B14F-4D97-AF65-F5344CB8AC3E}">
+        <p14:creationId xmlns:p14="http://schemas.microsoft.com/office/powerpoint/2010/main" val="286545527"/>
+      </p:ext>
+    </p:extLst>
+  </p:cSld>
+  <p:clrMapOvr>
+    <a:masterClrMapping/>
+  </p:clrMapOvr>
+</p:sld>
+</file>
+
+<file path=ppt/slides/slide15.xml><?xml version="1.0" encoding="utf-8"?>
+<p:sld xmlns:a="http://schemas.openxmlformats.org/drawingml/2006/main" xmlns:r="http://schemas.openxmlformats.org/officeDocument/2006/relationships" xmlns:p="http://schemas.openxmlformats.org/presentationml/2006/main">
+  <p:cSld>
+    <p:spTree>
+      <p:nvGrpSpPr>
+        <p:cNvPr id="1" name=""/>
+        <p:cNvGrpSpPr/>
+        <p:nvPr/>
+      </p:nvGrpSpPr>
+      <p:grpSpPr>
+        <a:xfrm>
+          <a:off x="0" y="0"/>
+          <a:ext cx="0" cy="0"/>
+          <a:chOff x="0" y="0"/>
+          <a:chExt cx="0" cy="0"/>
+        </a:xfrm>
+      </p:grpSpPr>
+      <p:sp>
+        <p:nvSpPr>
+          <p:cNvPr id="2" name="Titel 1"/>
+          <p:cNvSpPr>
+            <a:spLocks noGrp="1"/>
+          </p:cNvSpPr>
+          <p:nvPr>
+            <p:ph type="title"/>
+          </p:nvPr>
+        </p:nvSpPr>
+        <p:spPr/>
+        <p:txBody>
+          <a:bodyPr/>
+          <a:lstStyle/>
+          <a:p>
+            <a:r>
+              <a:rPr lang="de-AT" dirty="0" smtClean="0"/>
+              <a:t>Open VPN</a:t>
+            </a:r>
+            <a:endParaRPr lang="de-AT" dirty="0"/>
+          </a:p>
+        </p:txBody>
+      </p:sp>
+      <p:sp>
+        <p:nvSpPr>
+          <p:cNvPr id="3" name="Inhaltsplatzhalter 2"/>
+          <p:cNvSpPr>
+            <a:spLocks noGrp="1"/>
+          </p:cNvSpPr>
+          <p:nvPr>
+            <p:ph idx="1"/>
+          </p:nvPr>
+        </p:nvSpPr>
+        <p:spPr>
+          <a:xfrm>
+            <a:off x="1141413" y="1805940"/>
+            <a:ext cx="9905998" cy="4457699"/>
+          </a:xfrm>
+        </p:spPr>
+        <p:txBody>
+          <a:bodyPr/>
+          <a:lstStyle/>
+          <a:p>
+            <a:r>
+              <a:rPr lang="de-AT" dirty="0" smtClean="0"/>
+              <a:t>Plattformunabhängig, Quelloffen</a:t>
+            </a:r>
+          </a:p>
+          <a:p>
+            <a:r>
+              <a:rPr lang="de-AT" dirty="0" smtClean="0"/>
+              <a:t>Meist genutzter VPN Service</a:t>
+            </a:r>
+          </a:p>
+          <a:p>
+            <a:r>
+              <a:rPr lang="de-AT" dirty="0" smtClean="0"/>
+              <a:t>3 Authentifizierungsmöglichkeiten:</a:t>
+            </a:r>
+          </a:p>
+          <a:p>
+            <a:pPr lvl="1"/>
+            <a:r>
+              <a:rPr lang="de-AT" dirty="0" smtClean="0"/>
+              <a:t>Pre-Shared Key</a:t>
+            </a:r>
+          </a:p>
+          <a:p>
+            <a:pPr lvl="1"/>
+            <a:r>
+              <a:rPr lang="de-AT" dirty="0" smtClean="0"/>
+              <a:t>Benutzer/Passwort</a:t>
+            </a:r>
+          </a:p>
+          <a:p>
+            <a:pPr lvl="1"/>
+            <a:r>
+              <a:rPr lang="de-AT" dirty="0" smtClean="0"/>
+              <a:t>Zertifikatsbasiert</a:t>
+            </a:r>
+            <a:endParaRPr lang="de-AT" dirty="0"/>
+          </a:p>
+        </p:txBody>
+      </p:sp>
+    </p:spTree>
+    <p:extLst>
+      <p:ext uri="{BB962C8B-B14F-4D97-AF65-F5344CB8AC3E}">
+        <p14:creationId xmlns:p14="http://schemas.microsoft.com/office/powerpoint/2010/main" val="3825790451"/>
+      </p:ext>
+    </p:extLst>
+  </p:cSld>
+  <p:clrMapOvr>
+    <a:masterClrMapping/>
+  </p:clrMapOvr>
+</p:sld>
+</file>
+
 <file path=ppt/slides/slide2.xml><?xml version="1.0" encoding="utf-8"?>
 <p:sld xmlns:a="http://schemas.openxmlformats.org/drawingml/2006/main" xmlns:r="http://schemas.openxmlformats.org/officeDocument/2006/relationships" xmlns:p="http://schemas.openxmlformats.org/presentationml/2006/main">
   <p:cSld>
@@ -6455,8 +7724,12 @@
               <a:p>
                 <a:pPr lvl="1"/>
                 <a:r>
-                  <a:rPr lang="de-AT" smtClean="0"/>
+                  <a:rPr lang="de-AT" dirty="0" smtClean="0"/>
                   <a:t>G = </a:t>
+                </a:r>
+                <a:r>
+                  <a:rPr lang="de-AT" dirty="0" smtClean="0"/>
+                  <a:t>Geheimtext, Rest der Ganzzahlendivision</a:t>
                 </a:r>
                 <a:endParaRPr lang="de-AT" dirty="0"/>
               </a:p>
@@ -6501,6 +7774,365 @@
     <p:extLst>
       <p:ext uri="{BB962C8B-B14F-4D97-AF65-F5344CB8AC3E}">
         <p14:creationId xmlns:p14="http://schemas.microsoft.com/office/powerpoint/2010/main" val="3958280545"/>
+      </p:ext>
+    </p:extLst>
+  </p:cSld>
+  <p:clrMapOvr>
+    <a:masterClrMapping/>
+  </p:clrMapOvr>
+</p:sld>
+</file>
+
+<file path=ppt/slides/slide7.xml><?xml version="1.0" encoding="utf-8"?>
+<p:sld xmlns:a="http://schemas.openxmlformats.org/drawingml/2006/main" xmlns:r="http://schemas.openxmlformats.org/officeDocument/2006/relationships" xmlns:p="http://schemas.openxmlformats.org/presentationml/2006/main">
+  <p:cSld>
+    <p:spTree>
+      <p:nvGrpSpPr>
+        <p:cNvPr id="1" name=""/>
+        <p:cNvGrpSpPr/>
+        <p:nvPr/>
+      </p:nvGrpSpPr>
+      <p:grpSpPr>
+        <a:xfrm>
+          <a:off x="0" y="0"/>
+          <a:ext cx="0" cy="0"/>
+          <a:chOff x="0" y="0"/>
+          <a:chExt cx="0" cy="0"/>
+        </a:xfrm>
+      </p:grpSpPr>
+      <p:sp>
+        <p:nvSpPr>
+          <p:cNvPr id="2" name="Titel 1"/>
+          <p:cNvSpPr>
+            <a:spLocks noGrp="1"/>
+          </p:cNvSpPr>
+          <p:nvPr>
+            <p:ph type="title"/>
+          </p:nvPr>
+        </p:nvSpPr>
+        <p:spPr/>
+        <p:txBody>
+          <a:bodyPr/>
+          <a:lstStyle/>
+          <a:p>
+            <a:r>
+              <a:rPr lang="de-AT" dirty="0" smtClean="0"/>
+              <a:t>Entschlüsselung</a:t>
+            </a:r>
+            <a:endParaRPr lang="de-AT" dirty="0"/>
+          </a:p>
+        </p:txBody>
+      </p:sp>
+      <mc:AlternateContent xmlns:mc="http://schemas.openxmlformats.org/markup-compatibility/2006">
+        <mc:Choice xmlns:a14="http://schemas.microsoft.com/office/drawing/2010/main" Requires="a14">
+          <p:sp>
+            <p:nvSpPr>
+              <p:cNvPr id="3" name="Inhaltsplatzhalter 2"/>
+              <p:cNvSpPr>
+                <a:spLocks noGrp="1"/>
+              </p:cNvSpPr>
+              <p:nvPr>
+                <p:ph idx="1"/>
+              </p:nvPr>
+            </p:nvSpPr>
+            <p:spPr/>
+            <p:txBody>
+              <a:bodyPr/>
+              <a:lstStyle/>
+              <a:p>
+                <a:r>
+                  <a:rPr lang="de-AT" dirty="0" smtClean="0"/>
+                  <a:t>Entschlüsselung ist die Umkehrung der Verschlüsselung</a:t>
+                </a:r>
+              </a:p>
+              <a:p>
+                <a14:m>
+                  <m:oMath xmlns:m="http://schemas.openxmlformats.org/officeDocument/2006/math">
+                    <m:r>
+                      <a:rPr lang="de-AT" b="0" i="1" smtClean="0">
+                        <a:latin typeface="Cambria Math" panose="02040503050406030204" pitchFamily="18" charset="0"/>
+                      </a:rPr>
+                      <m:t>𝑡</m:t>
+                    </m:r>
+                    <m:r>
+                      <a:rPr lang="de-AT" b="0" i="1" smtClean="0">
+                        <a:latin typeface="Cambria Math" panose="02040503050406030204" pitchFamily="18" charset="0"/>
+                      </a:rPr>
+                      <m:t>=</m:t>
+                    </m:r>
+                    <m:sSup>
+                      <m:sSupPr>
+                        <m:ctrlPr>
+                          <a:rPr lang="de-AT" b="0" i="1" smtClean="0">
+                            <a:latin typeface="Cambria Math" panose="02040503050406030204" pitchFamily="18" charset="0"/>
+                          </a:rPr>
+                        </m:ctrlPr>
+                      </m:sSupPr>
+                      <m:e>
+                        <m:r>
+                          <a:rPr lang="de-AT" b="0" i="1" smtClean="0">
+                            <a:latin typeface="Cambria Math" panose="02040503050406030204" pitchFamily="18" charset="0"/>
+                          </a:rPr>
+                          <m:t>𝑔</m:t>
+                        </m:r>
+                      </m:e>
+                      <m:sup>
+                        <m:r>
+                          <a:rPr lang="de-AT" b="0" i="1" smtClean="0">
+                            <a:latin typeface="Cambria Math" panose="02040503050406030204" pitchFamily="18" charset="0"/>
+                          </a:rPr>
+                          <m:t>𝑑</m:t>
+                        </m:r>
+                      </m:sup>
+                    </m:sSup>
+                    <m:r>
+                      <a:rPr lang="de-AT" b="0" i="1" smtClean="0">
+                        <a:latin typeface="Cambria Math" panose="02040503050406030204" pitchFamily="18" charset="0"/>
+                      </a:rPr>
+                      <m:t> </m:t>
+                    </m:r>
+                    <m:r>
+                      <a:rPr lang="de-AT" b="0" i="1" smtClean="0">
+                        <a:latin typeface="Cambria Math" panose="02040503050406030204" pitchFamily="18" charset="0"/>
+                      </a:rPr>
+                      <m:t>𝑀𝑂𝐷</m:t>
+                    </m:r>
+                    <m:r>
+                      <a:rPr lang="de-AT" b="0" i="1" smtClean="0">
+                        <a:latin typeface="Cambria Math" panose="02040503050406030204" pitchFamily="18" charset="0"/>
+                      </a:rPr>
+                      <m:t> </m:t>
+                    </m:r>
+                    <m:r>
+                      <a:rPr lang="de-AT" b="0" i="1" smtClean="0">
+                        <a:latin typeface="Cambria Math" panose="02040503050406030204" pitchFamily="18" charset="0"/>
+                      </a:rPr>
+                      <m:t>𝑛</m:t>
+                    </m:r>
+                  </m:oMath>
+                </a14:m>
+                <a:endParaRPr lang="de-AT" dirty="0" smtClean="0"/>
+              </a:p>
+              <a:p>
+                <a:r>
+                  <a:rPr lang="de-AT" dirty="0" smtClean="0"/>
+                  <a:t>D entspricht privatem Schlüssel des Empfängers</a:t>
+                </a:r>
+                <a:endParaRPr lang="de-AT" dirty="0"/>
+              </a:p>
+            </p:txBody>
+          </p:sp>
+        </mc:Choice>
+        <mc:Fallback>
+          <p:sp>
+            <p:nvSpPr>
+              <p:cNvPr id="3" name="Inhaltsplatzhalter 2"/>
+              <p:cNvSpPr>
+                <a:spLocks noGrp="1" noRot="1" noChangeAspect="1" noMove="1" noResize="1" noEditPoints="1" noAdjustHandles="1" noChangeArrowheads="1" noChangeShapeType="1" noTextEdit="1"/>
+              </p:cNvSpPr>
+              <p:nvPr>
+                <p:ph idx="1"/>
+              </p:nvPr>
+            </p:nvSpPr>
+            <p:spPr>
+              <a:blipFill rotWithShape="0">
+                <a:blip r:embed="rId2"/>
+                <a:stretch>
+                  <a:fillRect l="-985"/>
+                </a:stretch>
+              </a:blipFill>
+            </p:spPr>
+            <p:txBody>
+              <a:bodyPr/>
+              <a:lstStyle/>
+              <a:p>
+                <a:r>
+                  <a:rPr lang="de-AT">
+                    <a:noFill/>
+                  </a:rPr>
+                  <a:t> </a:t>
+                </a:r>
+              </a:p>
+            </p:txBody>
+          </p:sp>
+        </mc:Fallback>
+      </mc:AlternateContent>
+    </p:spTree>
+    <p:extLst>
+      <p:ext uri="{BB962C8B-B14F-4D97-AF65-F5344CB8AC3E}">
+        <p14:creationId xmlns:p14="http://schemas.microsoft.com/office/powerpoint/2010/main" val="1045260776"/>
+      </p:ext>
+    </p:extLst>
+  </p:cSld>
+  <p:clrMapOvr>
+    <a:masterClrMapping/>
+  </p:clrMapOvr>
+</p:sld>
+</file>
+
+<file path=ppt/slides/slide8.xml><?xml version="1.0" encoding="utf-8"?>
+<p:sld xmlns:a="http://schemas.openxmlformats.org/drawingml/2006/main" xmlns:r="http://schemas.openxmlformats.org/officeDocument/2006/relationships" xmlns:p="http://schemas.openxmlformats.org/presentationml/2006/main">
+  <p:cSld>
+    <p:spTree>
+      <p:nvGrpSpPr>
+        <p:cNvPr id="1" name=""/>
+        <p:cNvGrpSpPr/>
+        <p:nvPr/>
+      </p:nvGrpSpPr>
+      <p:grpSpPr>
+        <a:xfrm>
+          <a:off x="0" y="0"/>
+          <a:ext cx="0" cy="0"/>
+          <a:chOff x="0" y="0"/>
+          <a:chExt cx="0" cy="0"/>
+        </a:xfrm>
+      </p:grpSpPr>
+      <p:sp>
+        <p:nvSpPr>
+          <p:cNvPr id="2" name="Titel 1"/>
+          <p:cNvSpPr>
+            <a:spLocks noGrp="1"/>
+          </p:cNvSpPr>
+          <p:nvPr>
+            <p:ph type="title"/>
+          </p:nvPr>
+        </p:nvSpPr>
+        <p:spPr/>
+        <p:txBody>
+          <a:bodyPr/>
+          <a:lstStyle/>
+          <a:p>
+            <a:r>
+              <a:rPr lang="de-AT" dirty="0" smtClean="0"/>
+              <a:t>SCHIPFI mit </a:t>
+            </a:r>
+            <a:r>
+              <a:rPr lang="de-AT" dirty="0" err="1" smtClean="0"/>
+              <a:t>dadenbangen</a:t>
+            </a:r>
+            <a:r>
+              <a:rPr lang="de-AT" dirty="0" smtClean="0"/>
+              <a:t> und </a:t>
+            </a:r>
+            <a:r>
+              <a:rPr lang="de-AT" dirty="0" err="1" smtClean="0"/>
+              <a:t>sql</a:t>
+            </a:r>
+            <a:endParaRPr lang="de-AT" dirty="0"/>
+          </a:p>
+        </p:txBody>
+      </p:sp>
+      <p:sp>
+        <p:nvSpPr>
+          <p:cNvPr id="3" name="Inhaltsplatzhalter 2"/>
+          <p:cNvSpPr>
+            <a:spLocks noGrp="1"/>
+          </p:cNvSpPr>
+          <p:nvPr>
+            <p:ph idx="1"/>
+          </p:nvPr>
+        </p:nvSpPr>
+        <p:spPr/>
+        <p:txBody>
+          <a:bodyPr/>
+          <a:lstStyle/>
+          <a:p>
+            <a:endParaRPr lang="de-AT"/>
+          </a:p>
+        </p:txBody>
+      </p:sp>
+    </p:spTree>
+    <p:extLst>
+      <p:ext uri="{BB962C8B-B14F-4D97-AF65-F5344CB8AC3E}">
+        <p14:creationId xmlns:p14="http://schemas.microsoft.com/office/powerpoint/2010/main" val="4064826252"/>
+      </p:ext>
+    </p:extLst>
+  </p:cSld>
+  <p:clrMapOvr>
+    <a:masterClrMapping/>
+  </p:clrMapOvr>
+</p:sld>
+</file>
+
+<file path=ppt/slides/slide9.xml><?xml version="1.0" encoding="utf-8"?>
+<p:sld xmlns:a="http://schemas.openxmlformats.org/drawingml/2006/main" xmlns:r="http://schemas.openxmlformats.org/officeDocument/2006/relationships" xmlns:p="http://schemas.openxmlformats.org/presentationml/2006/main">
+  <p:cSld>
+    <p:spTree>
+      <p:nvGrpSpPr>
+        <p:cNvPr id="1" name=""/>
+        <p:cNvGrpSpPr/>
+        <p:nvPr/>
+      </p:nvGrpSpPr>
+      <p:grpSpPr>
+        <a:xfrm>
+          <a:off x="0" y="0"/>
+          <a:ext cx="0" cy="0"/>
+          <a:chOff x="0" y="0"/>
+          <a:chExt cx="0" cy="0"/>
+        </a:xfrm>
+      </p:grpSpPr>
+      <p:sp>
+        <p:nvSpPr>
+          <p:cNvPr id="2" name="Titel 1"/>
+          <p:cNvSpPr>
+            <a:spLocks noGrp="1"/>
+          </p:cNvSpPr>
+          <p:nvPr>
+            <p:ph type="title"/>
+          </p:nvPr>
+        </p:nvSpPr>
+        <p:spPr/>
+        <p:txBody>
+          <a:bodyPr/>
+          <a:lstStyle/>
+          <a:p>
+            <a:r>
+              <a:rPr lang="de-AT" dirty="0" smtClean="0"/>
+              <a:t>Virtual Private Network</a:t>
+            </a:r>
+            <a:endParaRPr lang="de-AT" dirty="0"/>
+          </a:p>
+        </p:txBody>
+      </p:sp>
+      <p:sp>
+        <p:nvSpPr>
+          <p:cNvPr id="3" name="Inhaltsplatzhalter 2"/>
+          <p:cNvSpPr>
+            <a:spLocks noGrp="1"/>
+          </p:cNvSpPr>
+          <p:nvPr>
+            <p:ph idx="1"/>
+          </p:nvPr>
+        </p:nvSpPr>
+        <p:spPr/>
+        <p:txBody>
+          <a:bodyPr/>
+          <a:lstStyle/>
+          <a:p>
+            <a:r>
+              <a:rPr lang="de-AT" dirty="0" smtClean="0"/>
+              <a:t>Dient dazu, Teilnehmer eines privaten Netzwerks mit einem anderen Privaten Netzwerk zu verbinden (Bspw. Heimnetz Firmennetz)</a:t>
+            </a:r>
+          </a:p>
+          <a:p>
+            <a:r>
+              <a:rPr lang="de-AT" dirty="0" smtClean="0"/>
+              <a:t>Dadurch kann auf ein lokale Netzwerk zugegriffen werden, ohne anwesend sein zu müssen</a:t>
+            </a:r>
+          </a:p>
+          <a:p>
+            <a:r>
+              <a:rPr lang="de-AT" dirty="0" smtClean="0"/>
+              <a:t>VPN ist ein Softwareprodukt, welches eine Verschlüsselte Verbindung durch einen sog. Tunnel herstellt.</a:t>
+            </a:r>
+            <a:endParaRPr lang="de-AT" dirty="0"/>
+          </a:p>
+        </p:txBody>
+      </p:sp>
+    </p:spTree>
+    <p:extLst>
+      <p:ext uri="{BB962C8B-B14F-4D97-AF65-F5344CB8AC3E}">
+        <p14:creationId xmlns:p14="http://schemas.microsoft.com/office/powerpoint/2010/main" val="3261060894"/>
       </p:ext>
     </p:extLst>
   </p:cSld>
@@ -6764,4 +8396,265 @@
     </a:ext>
   </a:extLst>
 </a:theme>
+</file>
+
+<file path=ppt/theme/theme2.xml><?xml version="1.0" encoding="utf-8"?>
+<a:theme xmlns:a="http://schemas.openxmlformats.org/drawingml/2006/main" name="Office Theme">
+  <a:themeElements>
+    <a:clrScheme name="Office">
+      <a:dk1>
+        <a:sysClr val="windowText" lastClr="000000"/>
+      </a:dk1>
+      <a:lt1>
+        <a:sysClr val="window" lastClr="FFFFFF"/>
+      </a:lt1>
+      <a:dk2>
+        <a:srgbClr val="44546A"/>
+      </a:dk2>
+      <a:lt2>
+        <a:srgbClr val="E7E6E6"/>
+      </a:lt2>
+      <a:accent1>
+        <a:srgbClr val="5B9BD5"/>
+      </a:accent1>
+      <a:accent2>
+        <a:srgbClr val="ED7D31"/>
+      </a:accent2>
+      <a:accent3>
+        <a:srgbClr val="A5A5A5"/>
+      </a:accent3>
+      <a:accent4>
+        <a:srgbClr val="FFC000"/>
+      </a:accent4>
+      <a:accent5>
+        <a:srgbClr val="4472C4"/>
+      </a:accent5>
+      <a:accent6>
+        <a:srgbClr val="70AD47"/>
+      </a:accent6>
+      <a:hlink>
+        <a:srgbClr val="0563C1"/>
+      </a:hlink>
+      <a:folHlink>
+        <a:srgbClr val="954F72"/>
+      </a:folHlink>
+    </a:clrScheme>
+    <a:fontScheme name="Office">
+      <a:majorFont>
+        <a:latin typeface="Calibri Light" panose="020F0302020204030204"/>
+        <a:ea typeface=""/>
+        <a:cs typeface=""/>
+        <a:font script="Jpan" typeface="ＭＳ Ｐゴシック"/>
+        <a:font script="Hang" typeface="맑은 고딕"/>
+        <a:font script="Hans" typeface="宋体"/>
+        <a:font script="Hant" typeface="新細明體"/>
+        <a:font script="Arab" typeface="Times New Roman"/>
+        <a:font script="Hebr" typeface="Times New Roman"/>
+        <a:font script="Thai" typeface="Angsana New"/>
+        <a:font script="Ethi" typeface="Nyala"/>
+        <a:font script="Beng" typeface="Vrinda"/>
+        <a:font script="Gujr" typeface="Shruti"/>
+        <a:font script="Khmr" typeface="MoolBoran"/>
+        <a:font script="Knda" typeface="Tunga"/>
+        <a:font script="Guru" typeface="Raavi"/>
+        <a:font script="Cans" typeface="Euphemia"/>
+        <a:font script="Cher" typeface="Plantagenet Cherokee"/>
+        <a:font script="Yiii" typeface="Microsoft Yi Baiti"/>
+        <a:font script="Tibt" typeface="Microsoft Himalaya"/>
+        <a:font script="Thaa" typeface="MV Boli"/>
+        <a:font script="Deva" typeface="Mangal"/>
+        <a:font script="Telu" typeface="Gautami"/>
+        <a:font script="Taml" typeface="Latha"/>
+        <a:font script="Syrc" typeface="Estrangelo Edessa"/>
+        <a:font script="Orya" typeface="Kalinga"/>
+        <a:font script="Mlym" typeface="Kartika"/>
+        <a:font script="Laoo" typeface="DokChampa"/>
+        <a:font script="Sinh" typeface="Iskoola Pota"/>
+        <a:font script="Mong" typeface="Mongolian Baiti"/>
+        <a:font script="Viet" typeface="Times New Roman"/>
+        <a:font script="Uigh" typeface="Microsoft Uighur"/>
+        <a:font script="Geor" typeface="Sylfaen"/>
+      </a:majorFont>
+      <a:minorFont>
+        <a:latin typeface="Calibri" panose="020F0502020204030204"/>
+        <a:ea typeface=""/>
+        <a:cs typeface=""/>
+        <a:font script="Jpan" typeface="ＭＳ Ｐゴシック"/>
+        <a:font script="Hang" typeface="맑은 고딕"/>
+        <a:font script="Hans" typeface="宋体"/>
+        <a:font script="Hant" typeface="新細明體"/>
+        <a:font script="Arab" typeface="Arial"/>
+        <a:font script="Hebr" typeface="Arial"/>
+        <a:font script="Thai" typeface="Cordia New"/>
+        <a:font script="Ethi" typeface="Nyala"/>
+        <a:font script="Beng" typeface="Vrinda"/>
+        <a:font script="Gujr" typeface="Shruti"/>
+        <a:font script="Khmr" typeface="DaunPenh"/>
+        <a:font script="Knda" typeface="Tunga"/>
+        <a:font script="Guru" typeface="Raavi"/>
+        <a:font script="Cans" typeface="Euphemia"/>
+        <a:font script="Cher" typeface="Plantagenet Cherokee"/>
+        <a:font script="Yiii" typeface="Microsoft Yi Baiti"/>
+        <a:font script="Tibt" typeface="Microsoft Himalaya"/>
+        <a:font script="Thaa" typeface="MV Boli"/>
+        <a:font script="Deva" typeface="Mangal"/>
+        <a:font script="Telu" typeface="Gautami"/>
+        <a:font script="Taml" typeface="Latha"/>
+        <a:font script="Syrc" typeface="Estrangelo Edessa"/>
+        <a:font script="Orya" typeface="Kalinga"/>
+        <a:font script="Mlym" typeface="Kartika"/>
+        <a:font script="Laoo" typeface="DokChampa"/>
+        <a:font script="Sinh" typeface="Iskoola Pota"/>
+        <a:font script="Mong" typeface="Mongolian Baiti"/>
+        <a:font script="Viet" typeface="Arial"/>
+        <a:font script="Uigh" typeface="Microsoft Uighur"/>
+        <a:font script="Geor" typeface="Sylfaen"/>
+      </a:minorFont>
+    </a:fontScheme>
+    <a:fmtScheme name="Office">
+      <a:fillStyleLst>
+        <a:solidFill>
+          <a:schemeClr val="phClr"/>
+        </a:solidFill>
+        <a:gradFill rotWithShape="1">
+          <a:gsLst>
+            <a:gs pos="0">
+              <a:schemeClr val="phClr">
+                <a:lumMod val="110000"/>
+                <a:satMod val="105000"/>
+                <a:tint val="67000"/>
+              </a:schemeClr>
+            </a:gs>
+            <a:gs pos="50000">
+              <a:schemeClr val="phClr">
+                <a:lumMod val="105000"/>
+                <a:satMod val="103000"/>
+                <a:tint val="73000"/>
+              </a:schemeClr>
+            </a:gs>
+            <a:gs pos="100000">
+              <a:schemeClr val="phClr">
+                <a:lumMod val="105000"/>
+                <a:satMod val="109000"/>
+                <a:tint val="81000"/>
+              </a:schemeClr>
+            </a:gs>
+          </a:gsLst>
+          <a:lin ang="5400000" scaled="0"/>
+        </a:gradFill>
+        <a:gradFill rotWithShape="1">
+          <a:gsLst>
+            <a:gs pos="0">
+              <a:schemeClr val="phClr">
+                <a:satMod val="103000"/>
+                <a:lumMod val="102000"/>
+                <a:tint val="94000"/>
+              </a:schemeClr>
+            </a:gs>
+            <a:gs pos="50000">
+              <a:schemeClr val="phClr">
+                <a:satMod val="110000"/>
+                <a:lumMod val="100000"/>
+                <a:shade val="100000"/>
+              </a:schemeClr>
+            </a:gs>
+            <a:gs pos="100000">
+              <a:schemeClr val="phClr">
+                <a:lumMod val="99000"/>
+                <a:satMod val="120000"/>
+                <a:shade val="78000"/>
+              </a:schemeClr>
+            </a:gs>
+          </a:gsLst>
+          <a:lin ang="5400000" scaled="0"/>
+        </a:gradFill>
+      </a:fillStyleLst>
+      <a:lnStyleLst>
+        <a:ln w="6350" cap="flat" cmpd="sng" algn="ctr">
+          <a:solidFill>
+            <a:schemeClr val="phClr"/>
+          </a:solidFill>
+          <a:prstDash val="solid"/>
+          <a:miter lim="800000"/>
+        </a:ln>
+        <a:ln w="12700" cap="flat" cmpd="sng" algn="ctr">
+          <a:solidFill>
+            <a:schemeClr val="phClr"/>
+          </a:solidFill>
+          <a:prstDash val="solid"/>
+          <a:miter lim="800000"/>
+        </a:ln>
+        <a:ln w="19050" cap="flat" cmpd="sng" algn="ctr">
+          <a:solidFill>
+            <a:schemeClr val="phClr"/>
+          </a:solidFill>
+          <a:prstDash val="solid"/>
+          <a:miter lim="800000"/>
+        </a:ln>
+      </a:lnStyleLst>
+      <a:effectStyleLst>
+        <a:effectStyle>
+          <a:effectLst/>
+        </a:effectStyle>
+        <a:effectStyle>
+          <a:effectLst/>
+        </a:effectStyle>
+        <a:effectStyle>
+          <a:effectLst>
+            <a:outerShdw blurRad="57150" dist="19050" dir="5400000" algn="ctr" rotWithShape="0">
+              <a:srgbClr val="000000">
+                <a:alpha val="63000"/>
+              </a:srgbClr>
+            </a:outerShdw>
+          </a:effectLst>
+        </a:effectStyle>
+      </a:effectStyleLst>
+      <a:bgFillStyleLst>
+        <a:solidFill>
+          <a:schemeClr val="phClr"/>
+        </a:solidFill>
+        <a:solidFill>
+          <a:schemeClr val="phClr">
+            <a:tint val="95000"/>
+            <a:satMod val="170000"/>
+          </a:schemeClr>
+        </a:solidFill>
+        <a:gradFill rotWithShape="1">
+          <a:gsLst>
+            <a:gs pos="0">
+              <a:schemeClr val="phClr">
+                <a:tint val="93000"/>
+                <a:satMod val="150000"/>
+                <a:shade val="98000"/>
+                <a:lumMod val="102000"/>
+              </a:schemeClr>
+            </a:gs>
+            <a:gs pos="50000">
+              <a:schemeClr val="phClr">
+                <a:tint val="98000"/>
+                <a:satMod val="130000"/>
+                <a:shade val="90000"/>
+                <a:lumMod val="103000"/>
+              </a:schemeClr>
+            </a:gs>
+            <a:gs pos="100000">
+              <a:schemeClr val="phClr">
+                <a:shade val="63000"/>
+                <a:satMod val="120000"/>
+              </a:schemeClr>
+            </a:gs>
+          </a:gsLst>
+          <a:lin ang="5400000" scaled="0"/>
+        </a:gradFill>
+      </a:bgFillStyleLst>
+    </a:fmtScheme>
+  </a:themeElements>
+  <a:objectDefaults/>
+  <a:extraClrSchemeLst/>
+  <a:extLst>
+    <a:ext uri="{05A4C25C-085E-4340-85A3-A5531E510DB2}">
+      <thm15:themeFamily xmlns:thm15="http://schemas.microsoft.com/office/thememl/2012/main" name="Office Theme" id="{62F939B6-93AF-4DB8-9C6B-D6C7DFDC589F}" vid="{4A3C46E8-61CC-4603-A589-7422A47A8E4A}"/>
+    </a:ext>
+  </a:extLst>
+</a:theme>
 </file>
--- a/Dokumente/Referat/Präsentation.pptx
+++ b/Dokumente/Referat/Präsentation.pptx
@@ -5,7 +5,7 @@
     <p:sldMasterId id="2147483678" r:id="rId1"/>
   </p:sldMasterIdLst>
   <p:notesMasterIdLst>
-    <p:notesMasterId r:id="rId17"/>
+    <p:notesMasterId r:id="rId24"/>
   </p:notesMasterIdLst>
   <p:sldIdLst>
     <p:sldId id="256" r:id="rId2"/>
@@ -16,13 +16,20 @@
     <p:sldId id="261" r:id="rId7"/>
     <p:sldId id="262" r:id="rId8"/>
     <p:sldId id="263" r:id="rId9"/>
-    <p:sldId id="264" r:id="rId10"/>
-    <p:sldId id="265" r:id="rId11"/>
-    <p:sldId id="266" r:id="rId12"/>
-    <p:sldId id="267" r:id="rId13"/>
-    <p:sldId id="268" r:id="rId14"/>
-    <p:sldId id="269" r:id="rId15"/>
-    <p:sldId id="270" r:id="rId16"/>
+    <p:sldId id="271" r:id="rId10"/>
+    <p:sldId id="272" r:id="rId11"/>
+    <p:sldId id="273" r:id="rId12"/>
+    <p:sldId id="274" r:id="rId13"/>
+    <p:sldId id="275" r:id="rId14"/>
+    <p:sldId id="276" r:id="rId15"/>
+    <p:sldId id="277" r:id="rId16"/>
+    <p:sldId id="264" r:id="rId17"/>
+    <p:sldId id="265" r:id="rId18"/>
+    <p:sldId id="266" r:id="rId19"/>
+    <p:sldId id="267" r:id="rId20"/>
+    <p:sldId id="268" r:id="rId21"/>
+    <p:sldId id="269" r:id="rId22"/>
+    <p:sldId id="270" r:id="rId23"/>
   </p:sldIdLst>
   <p:sldSz cx="12192000" cy="6858000"/>
   <p:notesSz cx="6858000" cy="9144000"/>
@@ -606,7 +613,7 @@
           <a:p>
             <a:fld id="{40443D88-C795-4A05-8385-807CDE274C8A}" type="slidenum">
               <a:rPr lang="de-AT" smtClean="0"/>
-              <a:t>15</a:t>
+              <a:t>22</a:t>
             </a:fld>
             <a:endParaRPr lang="de-AT"/>
           </a:p>
@@ -6366,8 +6373,8 @@
           <a:lstStyle/>
           <a:p>
             <a:r>
-              <a:rPr lang="de-AT" dirty="0" err="1" smtClean="0"/>
-              <a:t>Anwendunsszenarien</a:t>
+              <a:rPr lang="de-AT" dirty="0" smtClean="0"/>
+              <a:t>Datenbankmanagementsystem</a:t>
             </a:r>
             <a:endParaRPr lang="de-AT" dirty="0"/>
           </a:p>
@@ -6383,48 +6390,77 @@
             <p:ph idx="1"/>
           </p:nvPr>
         </p:nvSpPr>
-        <p:spPr/>
-        <p:txBody>
-          <a:bodyPr/>
-          <a:lstStyle/>
-          <a:p>
-            <a:r>
-              <a:rPr lang="de-AT" dirty="0" smtClean="0"/>
-              <a:t>Netzwerkzugriff für Außendienstmitarbeiter (Client-to-LAN)</a:t>
-            </a:r>
-          </a:p>
-          <a:p>
-            <a:r>
-              <a:rPr lang="de-AT" dirty="0" smtClean="0"/>
-              <a:t>Verbindung mehrerer Unternehmensstandorte (LAN-to-LAN)</a:t>
-            </a:r>
-          </a:p>
-          <a:p>
-            <a:r>
-              <a:rPr lang="de-AT" dirty="0" smtClean="0"/>
-              <a:t>Umgehung von Zensur</a:t>
-            </a:r>
-          </a:p>
-          <a:p>
-            <a:pPr lvl="1"/>
-            <a:r>
-              <a:rPr lang="de-AT" dirty="0" smtClean="0"/>
-              <a:t>Bspw. bei Standort in China od. Nordkorea</a:t>
-            </a:r>
-          </a:p>
-          <a:p>
-            <a:r>
-              <a:rPr lang="de-AT" dirty="0" smtClean="0"/>
-              <a:t>LAN-Spiele über Internet</a:t>
-            </a:r>
-            <a:endParaRPr lang="de-AT" dirty="0"/>
+        <p:spPr>
+          <a:xfrm>
+            <a:off x="1141413" y="2165685"/>
+            <a:ext cx="9905998" cy="3625516"/>
+          </a:xfrm>
+        </p:spPr>
+        <p:txBody>
+          <a:bodyPr>
+            <a:normAutofit fontScale="92500" lnSpcReduction="10000"/>
+          </a:bodyPr>
+          <a:lstStyle/>
+          <a:p>
+            <a:r>
+              <a:rPr lang="de-AT" dirty="0" smtClean="0"/>
+              <a:t>Persistenz</a:t>
+            </a:r>
+          </a:p>
+          <a:p>
+            <a:r>
+              <a:rPr lang="de-AT" dirty="0" smtClean="0"/>
+              <a:t>Anlegen von Datenschemata</a:t>
+            </a:r>
+          </a:p>
+          <a:p>
+            <a:r>
+              <a:rPr lang="de-AT" dirty="0" smtClean="0"/>
+              <a:t>Einfügen, Ändern oder Löschen von Daten</a:t>
+            </a:r>
+          </a:p>
+          <a:p>
+            <a:r>
+              <a:rPr lang="de-AT" dirty="0" smtClean="0"/>
+              <a:t>Lesen von Daten</a:t>
+            </a:r>
+          </a:p>
+          <a:p>
+            <a:r>
+              <a:rPr lang="de-AT" dirty="0" smtClean="0"/>
+              <a:t>Integrität und redundanzfreie Datenhaltung</a:t>
+            </a:r>
+          </a:p>
+          <a:p>
+            <a:r>
+              <a:rPr lang="de-AT" dirty="0" smtClean="0"/>
+              <a:t>Koordination der parallelen Nutzung</a:t>
+            </a:r>
+          </a:p>
+          <a:p>
+            <a:r>
+              <a:rPr lang="de-AT" dirty="0" smtClean="0"/>
+              <a:t>Rechteverwaltung</a:t>
+            </a:r>
+          </a:p>
+          <a:p>
+            <a:r>
+              <a:rPr lang="de-AT" dirty="0" smtClean="0"/>
+              <a:t>Datensicherung</a:t>
+            </a:r>
+          </a:p>
+          <a:p>
+            <a:r>
+              <a:rPr lang="de-AT" dirty="0" smtClean="0"/>
+              <a:t>Katalog</a:t>
+            </a:r>
           </a:p>
         </p:txBody>
       </p:sp>
     </p:spTree>
     <p:extLst>
       <p:ext uri="{BB962C8B-B14F-4D97-AF65-F5344CB8AC3E}">
-        <p14:creationId xmlns:p14="http://schemas.microsoft.com/office/powerpoint/2010/main" val="3939505784"/>
+        <p14:creationId xmlns:p14="http://schemas.microsoft.com/office/powerpoint/2010/main" val="2611193203"/>
       </p:ext>
     </p:extLst>
   </p:cSld>
@@ -6468,7 +6504,7 @@
           <a:p>
             <a:r>
               <a:rPr lang="de-AT" dirty="0" smtClean="0"/>
-              <a:t>Verbindungsaufbau</a:t>
+              <a:t>Datenbankmanagementsystem</a:t>
             </a:r>
             <a:endParaRPr lang="de-AT" dirty="0"/>
           </a:p>
@@ -6489,80 +6525,29 @@
           <a:bodyPr/>
           <a:lstStyle/>
           <a:p>
-            <a:pPr marL="457200" lvl="0" indent="-457200">
-              <a:buFont typeface="+mj-lt"/>
-              <a:buAutoNum type="arabicPeriod"/>
-            </a:pPr>
-            <a:r>
-              <a:rPr lang="de-AT" dirty="0">
-                <a:effectLst/>
-              </a:rPr>
-              <a:t>Internetverbindung über normalen ISP wird hergestellt</a:t>
-            </a:r>
-          </a:p>
-          <a:p>
-            <a:pPr marL="457200" lvl="0" indent="-457200">
-              <a:buFont typeface="+mj-lt"/>
-              <a:buAutoNum type="arabicPeriod"/>
-            </a:pPr>
-            <a:r>
-              <a:rPr lang="de-AT" dirty="0">
-                <a:effectLst/>
-              </a:rPr>
-              <a:t>VPN-Client sendet Verbindungsanfrage an VPN-Server</a:t>
-            </a:r>
-          </a:p>
-          <a:p>
-            <a:pPr marL="457200" lvl="0" indent="-457200">
-              <a:buFont typeface="+mj-lt"/>
-              <a:buAutoNum type="arabicPeriod"/>
-            </a:pPr>
-            <a:r>
-              <a:rPr lang="de-AT" dirty="0" smtClean="0">
-                <a:effectLst/>
-              </a:rPr>
-              <a:t>Authentisierung </a:t>
-            </a:r>
-            <a:r>
-              <a:rPr lang="de-AT" dirty="0">
-                <a:effectLst/>
-              </a:rPr>
-              <a:t>beim VPN-Server</a:t>
-            </a:r>
-          </a:p>
-          <a:p>
-            <a:pPr marL="457200" lvl="0" indent="-457200">
-              <a:buFont typeface="+mj-lt"/>
-              <a:buAutoNum type="arabicPeriod"/>
-            </a:pPr>
-            <a:r>
-              <a:rPr lang="de-AT" dirty="0" err="1">
-                <a:effectLst/>
-              </a:rPr>
-              <a:t>IPsec</a:t>
-            </a:r>
-            <a:r>
-              <a:rPr lang="de-AT" dirty="0">
-                <a:effectLst/>
-              </a:rPr>
-              <a:t>-Tunnel (sicherer VPN-Datentunnel) wird </a:t>
-            </a:r>
-            <a:r>
-              <a:rPr lang="de-AT" dirty="0" smtClean="0">
-                <a:effectLst/>
-              </a:rPr>
-              <a:t>geöffnet</a:t>
-            </a:r>
-            <a:endParaRPr lang="de-AT" dirty="0">
-              <a:effectLst/>
-            </a:endParaRPr>
+            <a:r>
+              <a:rPr lang="de-AT" dirty="0" smtClean="0"/>
+              <a:t>Externe Schicht</a:t>
+            </a:r>
+          </a:p>
+          <a:p>
+            <a:r>
+              <a:rPr lang="de-AT" dirty="0" smtClean="0"/>
+              <a:t>Logische Schicht</a:t>
+            </a:r>
+          </a:p>
+          <a:p>
+            <a:r>
+              <a:rPr lang="de-AT" dirty="0" smtClean="0"/>
+              <a:t>Physische Schicht</a:t>
+            </a:r>
           </a:p>
         </p:txBody>
       </p:sp>
     </p:spTree>
     <p:extLst>
       <p:ext uri="{BB962C8B-B14F-4D97-AF65-F5344CB8AC3E}">
-        <p14:creationId xmlns:p14="http://schemas.microsoft.com/office/powerpoint/2010/main" val="236491627"/>
+        <p14:creationId xmlns:p14="http://schemas.microsoft.com/office/powerpoint/2010/main" val="2840019452"/>
       </p:ext>
     </p:extLst>
   </p:cSld>
@@ -6591,6 +6576,29 @@
       </p:grpSpPr>
       <p:sp>
         <p:nvSpPr>
+          <p:cNvPr id="2" name="Titel 1"/>
+          <p:cNvSpPr>
+            <a:spLocks noGrp="1"/>
+          </p:cNvSpPr>
+          <p:nvPr>
+            <p:ph type="title"/>
+          </p:nvPr>
+        </p:nvSpPr>
+        <p:spPr/>
+        <p:txBody>
+          <a:bodyPr/>
+          <a:lstStyle/>
+          <a:p>
+            <a:r>
+              <a:rPr lang="de-AT" dirty="0" smtClean="0"/>
+              <a:t>Beziehungen</a:t>
+            </a:r>
+            <a:endParaRPr lang="de-AT" dirty="0"/>
+          </a:p>
+        </p:txBody>
+      </p:sp>
+      <p:sp>
+        <p:nvSpPr>
           <p:cNvPr id="3" name="Inhaltsplatzhalter 2"/>
           <p:cNvSpPr>
             <a:spLocks noGrp="1"/>
@@ -6599,45 +6607,35 @@
             <p:ph idx="1"/>
           </p:nvPr>
         </p:nvSpPr>
-        <p:spPr>
-          <a:xfrm>
-            <a:off x="1072833" y="1341119"/>
-            <a:ext cx="9905998" cy="4442461"/>
-          </a:xfrm>
-        </p:spPr>
+        <p:spPr/>
         <p:txBody>
           <a:bodyPr/>
           <a:lstStyle/>
           <a:p>
             <a:r>
               <a:rPr lang="de-AT" dirty="0" smtClean="0"/>
-              <a:t>Sobald Verbindung hergestellt, keine direkte Internetverbindung mehr</a:t>
+              <a:t>Geben an wie die einzelnen Entitäten zueinander stehen</a:t>
             </a:r>
           </a:p>
           <a:p>
             <a:pPr lvl="1"/>
             <a:r>
               <a:rPr lang="de-AT" dirty="0" smtClean="0"/>
-              <a:t>Sonst sog. SPLIT-Tunnel (Sicherheitsrisiko)</a:t>
-            </a:r>
-          </a:p>
-          <a:p>
-            <a:r>
-              <a:rPr lang="de-AT" dirty="0" smtClean="0"/>
-              <a:t>Client bekommt private IP-Adresse aus verbundenem Netzwerk zugeteilt</a:t>
+              <a:t>1:1 Beziehung</a:t>
             </a:r>
           </a:p>
           <a:p>
             <a:pPr lvl="1"/>
             <a:r>
               <a:rPr lang="de-AT" dirty="0" smtClean="0"/>
-              <a:t>Ermöglicht Sicherung des firmenseitigen Endes mit Firewall</a:t>
-            </a:r>
-          </a:p>
-          <a:p>
-            <a:r>
-              <a:rPr lang="de-AT" dirty="0" smtClean="0"/>
-              <a:t>Jetzt kann sich der Client von (fast) jedem Verbindungsmedium (auch Satellit) mit Firmennetzwerk verbinden</a:t>
+              <a:t>1:N Beziehung</a:t>
+            </a:r>
+          </a:p>
+          <a:p>
+            <a:pPr lvl="1"/>
+            <a:r>
+              <a:rPr lang="de-AT" dirty="0" smtClean="0"/>
+              <a:t>N:1 Beziehung</a:t>
             </a:r>
             <a:endParaRPr lang="de-AT" dirty="0"/>
           </a:p>
@@ -6646,20 +6644,13 @@
     </p:spTree>
     <p:extLst>
       <p:ext uri="{BB962C8B-B14F-4D97-AF65-F5344CB8AC3E}">
-        <p14:creationId xmlns:p14="http://schemas.microsoft.com/office/powerpoint/2010/main" val="2400687259"/>
+        <p14:creationId xmlns:p14="http://schemas.microsoft.com/office/powerpoint/2010/main" val="3064796668"/>
       </p:ext>
     </p:extLst>
   </p:cSld>
   <p:clrMapOvr>
     <a:masterClrMapping/>
   </p:clrMapOvr>
-  <p:timing>
-    <p:tnLst>
-      <p:par>
-        <p:cTn id="1" dur="indefinite" restart="never" nodeType="tmRoot"/>
-      </p:par>
-    </p:tnLst>
-  </p:timing>
 </p:sld>
 </file>
 
@@ -6696,10 +6687,9 @@
           <a:lstStyle/>
           <a:p>
             <a:r>
-              <a:rPr lang="de-AT" dirty="0" err="1" smtClean="0"/>
-              <a:t>Netztopologien</a:t>
-            </a:r>
-            <a:endParaRPr lang="de-AT" dirty="0"/>
+              <a:rPr lang="de-AT" dirty="0"/>
+              <a:t>SQL - Structured Query Language</a:t>
+            </a:r>
           </a:p>
         </p:txBody>
       </p:sp>
@@ -6713,84 +6703,29 @@
             <p:ph idx="1"/>
           </p:nvPr>
         </p:nvSpPr>
-        <p:spPr>
-          <a:xfrm>
-            <a:off x="1141413" y="1897380"/>
-            <a:ext cx="9905998" cy="4206239"/>
-          </a:xfrm>
-        </p:spPr>
-        <p:txBody>
-          <a:bodyPr>
-            <a:normAutofit/>
-          </a:bodyPr>
-          <a:lstStyle/>
-          <a:p>
-            <a:r>
-              <a:rPr lang="de-AT" dirty="0" smtClean="0"/>
-              <a:t>Point to Point</a:t>
-            </a:r>
-          </a:p>
-          <a:p>
-            <a:pPr lvl="1"/>
-            <a:r>
-              <a:rPr lang="de-AT" dirty="0" smtClean="0"/>
-              <a:t>Direkte Verbindung zweier Netzwerkknoten</a:t>
-            </a:r>
-          </a:p>
-          <a:p>
-            <a:pPr lvl="2"/>
-            <a:r>
-              <a:rPr lang="de-AT" dirty="0" smtClean="0"/>
-              <a:t>Client Server oder durch Routing Netzwerke anbinden</a:t>
-            </a:r>
-          </a:p>
-          <a:p>
-            <a:pPr lvl="1"/>
-            <a:r>
-              <a:rPr lang="de-AT" dirty="0" smtClean="0"/>
-              <a:t>TUN-Schnittstelle </a:t>
-            </a:r>
-          </a:p>
-          <a:p>
-            <a:pPr lvl="2"/>
-            <a:r>
-              <a:rPr lang="de-AT" dirty="0" smtClean="0"/>
-              <a:t>Virtuelle Netzwerkkarte auf OSI-3 (IP)</a:t>
-            </a:r>
-          </a:p>
-          <a:p>
-            <a:r>
-              <a:rPr lang="de-AT" dirty="0" smtClean="0"/>
-              <a:t>Ethernet</a:t>
-            </a:r>
-          </a:p>
-          <a:p>
-            <a:pPr lvl="1"/>
-            <a:r>
-              <a:rPr lang="de-AT" dirty="0" smtClean="0"/>
-              <a:t>TAP-Schnittstelle</a:t>
-            </a:r>
-          </a:p>
-          <a:p>
-            <a:pPr lvl="2"/>
-            <a:r>
-              <a:rPr lang="de-AT" dirty="0" smtClean="0"/>
-              <a:t>Virtuelle Netzwerkkarte auf OSI-2</a:t>
-            </a:r>
-          </a:p>
-          <a:p>
-            <a:pPr lvl="1"/>
-            <a:r>
-              <a:rPr lang="de-AT" dirty="0" smtClean="0"/>
-              <a:t>Erlaubt Client direkte Verbindung mit Netzwerk</a:t>
-            </a:r>
-          </a:p>
-          <a:p>
-            <a:pPr lvl="2"/>
-            <a:r>
-              <a:rPr lang="de-AT" dirty="0" smtClean="0"/>
-              <a:t>VPN-Server als Switch</a:t>
-            </a:r>
+        <p:spPr/>
+        <p:txBody>
+          <a:bodyPr/>
+          <a:lstStyle/>
+          <a:p>
+            <a:r>
+              <a:rPr lang="de-AT" dirty="0" smtClean="0"/>
+              <a:t>Datenbanksprache</a:t>
+            </a:r>
+          </a:p>
+          <a:p>
+            <a:r>
+              <a:rPr lang="de-AT" dirty="0" smtClean="0"/>
+              <a:t>Einfügen, Verändern, Löschen</a:t>
+            </a:r>
+          </a:p>
+          <a:p>
+            <a:r>
+              <a:rPr lang="de-AT" dirty="0" smtClean="0"/>
+              <a:t>Einfach zu lernen</a:t>
+            </a:r>
+          </a:p>
+          <a:p>
             <a:endParaRPr lang="de-AT" dirty="0"/>
           </a:p>
         </p:txBody>
@@ -6798,20 +6733,13 @@
     </p:spTree>
     <p:extLst>
       <p:ext uri="{BB962C8B-B14F-4D97-AF65-F5344CB8AC3E}">
-        <p14:creationId xmlns:p14="http://schemas.microsoft.com/office/powerpoint/2010/main" val="1688519374"/>
+        <p14:creationId xmlns:p14="http://schemas.microsoft.com/office/powerpoint/2010/main" val="2173577920"/>
       </p:ext>
     </p:extLst>
   </p:cSld>
   <p:clrMapOvr>
     <a:masterClrMapping/>
   </p:clrMapOvr>
-  <p:timing>
-    <p:tnLst>
-      <p:par>
-        <p:cTn id="1" dur="indefinite" restart="never" nodeType="tmRoot"/>
-      </p:par>
-    </p:tnLst>
-  </p:timing>
 </p:sld>
 </file>
 
@@ -6842,130 +6770,49 @@
             <p:ph type="title"/>
           </p:nvPr>
         </p:nvSpPr>
+        <p:spPr/>
+        <p:txBody>
+          <a:bodyPr/>
+          <a:lstStyle/>
+          <a:p>
+            <a:r>
+              <a:rPr lang="de-AT" dirty="0" smtClean="0"/>
+              <a:t>Relationale Datenbank</a:t>
+            </a:r>
+            <a:endParaRPr lang="de-AT" dirty="0"/>
+          </a:p>
+        </p:txBody>
+      </p:sp>
+      <p:pic>
+        <p:nvPicPr>
+          <p:cNvPr id="4" name="Inhaltsplatzhalter 3"/>
+          <p:cNvPicPr>
+            <a:picLocks noGrp="1" noChangeAspect="1"/>
+          </p:cNvPicPr>
+          <p:nvPr>
+            <p:ph idx="1"/>
+          </p:nvPr>
+        </p:nvPicPr>
+        <p:blipFill>
+          <a:blip r:embed="rId2"/>
+          <a:stretch>
+            <a:fillRect/>
+          </a:stretch>
+        </p:blipFill>
         <p:spPr>
           <a:xfrm>
-            <a:off x="1141413" y="198120"/>
-            <a:ext cx="9905998" cy="1905000"/>
+            <a:off x="1141413" y="2514600"/>
+            <a:ext cx="9905998" cy="2952750"/>
           </a:xfrm>
+          <a:prstGeom prst="rect">
+            <a:avLst/>
+          </a:prstGeom>
         </p:spPr>
-        <p:txBody>
-          <a:bodyPr/>
-          <a:lstStyle/>
-          <a:p>
-            <a:r>
-              <a:rPr lang="de-AT" dirty="0" smtClean="0"/>
-              <a:t>Netzwerkanbindung</a:t>
-            </a:r>
-            <a:endParaRPr lang="de-AT" dirty="0"/>
-          </a:p>
-        </p:txBody>
-      </p:sp>
-      <p:sp>
-        <p:nvSpPr>
-          <p:cNvPr id="3" name="Inhaltsplatzhalter 2"/>
-          <p:cNvSpPr>
-            <a:spLocks noGrp="1"/>
-          </p:cNvSpPr>
-          <p:nvPr>
-            <p:ph idx="1"/>
-          </p:nvPr>
-        </p:nvSpPr>
-        <p:spPr>
-          <a:xfrm>
-            <a:off x="1141413" y="1783080"/>
-            <a:ext cx="9905998" cy="4709160"/>
-          </a:xfrm>
-        </p:spPr>
-        <p:txBody>
-          <a:bodyPr>
-            <a:normAutofit/>
-          </a:bodyPr>
-          <a:lstStyle/>
-          <a:p>
-            <a:r>
-              <a:rPr lang="de-AT" dirty="0" smtClean="0"/>
-              <a:t>Routing:</a:t>
-            </a:r>
-          </a:p>
-          <a:p>
-            <a:pPr lvl="1"/>
-            <a:r>
-              <a:rPr lang="de-AT" dirty="0" smtClean="0"/>
-              <a:t>VPN-Knoten arbeiten auf IP-Ebene</a:t>
-            </a:r>
-          </a:p>
-          <a:p>
-            <a:pPr lvl="1"/>
-            <a:r>
-              <a:rPr lang="de-AT" dirty="0" smtClean="0"/>
-              <a:t>Ermöglicht Verbindung von Privaten Netzen</a:t>
-            </a:r>
-          </a:p>
-          <a:p>
-            <a:pPr lvl="1"/>
-            <a:r>
-              <a:rPr lang="de-AT" dirty="0" smtClean="0"/>
-              <a:t>Wird durch eigenständiges Netz dargestellt</a:t>
-            </a:r>
-          </a:p>
-          <a:p>
-            <a:pPr lvl="1"/>
-            <a:r>
-              <a:rPr lang="de-AT" dirty="0" smtClean="0"/>
-              <a:t>Broadcasts nicht ohne Weiteres möglich</a:t>
-            </a:r>
-          </a:p>
-          <a:p>
-            <a:r>
-              <a:rPr lang="de-AT" dirty="0" smtClean="0"/>
-              <a:t>Bridging:</a:t>
-            </a:r>
-          </a:p>
-          <a:p>
-            <a:pPr lvl="1"/>
-            <a:r>
-              <a:rPr lang="de-AT" dirty="0" smtClean="0"/>
-              <a:t>Betriebssystem verbindet reale Netzwerkkarte mit Virtueller TAP-Schnittstelle</a:t>
-            </a:r>
-          </a:p>
-          <a:p>
-            <a:pPr lvl="1"/>
-            <a:r>
-              <a:rPr lang="de-AT" dirty="0" smtClean="0"/>
-              <a:t>Switch auf Layer-2</a:t>
-            </a:r>
-          </a:p>
-          <a:p>
-            <a:pPr lvl="1"/>
-            <a:r>
-              <a:rPr lang="de-AT" dirty="0" smtClean="0"/>
-              <a:t>Broadcasts möglich – Verhalten wie im selben Netzwerk</a:t>
-            </a:r>
-          </a:p>
-          <a:p>
-            <a:pPr lvl="2"/>
-            <a:r>
-              <a:rPr lang="de-AT" dirty="0" smtClean="0"/>
-              <a:t>Broadcasts nehmen viel Bandbreite in Anspruch</a:t>
-            </a:r>
-          </a:p>
-          <a:p>
-            <a:pPr lvl="2"/>
-            <a:r>
-              <a:rPr lang="de-AT" dirty="0" smtClean="0"/>
-              <a:t>Achtung vor DHCP-Servern</a:t>
-            </a:r>
-          </a:p>
-          <a:p>
-            <a:pPr lvl="1"/>
-            <a:endParaRPr lang="de-AT" dirty="0"/>
-          </a:p>
-        </p:txBody>
-      </p:sp>
+      </p:pic>
     </p:spTree>
     <p:extLst>
       <p:ext uri="{BB962C8B-B14F-4D97-AF65-F5344CB8AC3E}">
-        <p14:creationId xmlns:p14="http://schemas.microsoft.com/office/powerpoint/2010/main" val="286545527"/>
+        <p14:creationId xmlns:p14="http://schemas.microsoft.com/office/powerpoint/2010/main" val="299071866"/>
       </p:ext>
     </p:extLst>
   </p:cSld>
@@ -7009,7 +6856,11 @@
           <a:p>
             <a:r>
               <a:rPr lang="de-AT" dirty="0" smtClean="0"/>
-              <a:t>Open VPN</a:t>
+              <a:t>SQL - </a:t>
+            </a:r>
+            <a:r>
+              <a:rPr lang="de-AT" dirty="0" err="1" smtClean="0"/>
+              <a:t>Injections</a:t>
             </a:r>
             <a:endParaRPr lang="de-AT" dirty="0"/>
           </a:p>
@@ -7025,52 +6876,47 @@
             <p:ph idx="1"/>
           </p:nvPr>
         </p:nvSpPr>
-        <p:spPr>
-          <a:xfrm>
-            <a:off x="1141413" y="1805940"/>
-            <a:ext cx="9905998" cy="4457699"/>
-          </a:xfrm>
-        </p:spPr>
+        <p:spPr/>
         <p:txBody>
           <a:bodyPr/>
           <a:lstStyle/>
           <a:p>
             <a:r>
               <a:rPr lang="de-AT" dirty="0" smtClean="0"/>
-              <a:t>Plattformunabhängig, Quelloffen</a:t>
-            </a:r>
-          </a:p>
-          <a:p>
-            <a:r>
-              <a:rPr lang="de-AT" dirty="0" smtClean="0"/>
-              <a:t>Meist genutzter VPN Service</a:t>
-            </a:r>
-          </a:p>
-          <a:p>
-            <a:r>
-              <a:rPr lang="de-AT" dirty="0" smtClean="0"/>
-              <a:t>3 Authentifizierungsmöglichkeiten:</a:t>
+              <a:t>Werden für das Einschleusen in Webapplikationen benötigt</a:t>
+            </a:r>
+          </a:p>
+          <a:p>
+            <a:r>
+              <a:rPr lang="de-AT" dirty="0" smtClean="0"/>
+              <a:t>Große Sicherheitslücken können entstehen</a:t>
+            </a:r>
+          </a:p>
+          <a:p>
+            <a:r>
+              <a:rPr lang="de-AT" dirty="0" smtClean="0"/>
+              <a:t>Wichtigste Befehle: </a:t>
             </a:r>
           </a:p>
           <a:p>
             <a:pPr lvl="1"/>
             <a:r>
               <a:rPr lang="de-AT" dirty="0" smtClean="0"/>
-              <a:t>Pre-Shared Key</a:t>
+              <a:t>SELECT</a:t>
             </a:r>
           </a:p>
           <a:p>
             <a:pPr lvl="1"/>
             <a:r>
               <a:rPr lang="de-AT" dirty="0" smtClean="0"/>
-              <a:t>Benutzer/Passwort</a:t>
+              <a:t>FROM</a:t>
             </a:r>
           </a:p>
           <a:p>
             <a:pPr lvl="1"/>
             <a:r>
-              <a:rPr lang="de-AT" dirty="0" smtClean="0"/>
-              <a:t>Zertifikatsbasiert</a:t>
+              <a:rPr lang="de-AT" smtClean="0"/>
+              <a:t>WHERE</a:t>
             </a:r>
             <a:endParaRPr lang="de-AT" dirty="0"/>
           </a:p>
@@ -7079,13 +6925,431 @@
     </p:spTree>
     <p:extLst>
       <p:ext uri="{BB962C8B-B14F-4D97-AF65-F5344CB8AC3E}">
-        <p14:creationId xmlns:p14="http://schemas.microsoft.com/office/powerpoint/2010/main" val="3825790451"/>
+        <p14:creationId xmlns:p14="http://schemas.microsoft.com/office/powerpoint/2010/main" val="3131470069"/>
       </p:ext>
     </p:extLst>
   </p:cSld>
   <p:clrMapOvr>
     <a:masterClrMapping/>
   </p:clrMapOvr>
+</p:sld>
+</file>
+
+<file path=ppt/slides/slide16.xml><?xml version="1.0" encoding="utf-8"?>
+<p:sld xmlns:a="http://schemas.openxmlformats.org/drawingml/2006/main" xmlns:r="http://schemas.openxmlformats.org/officeDocument/2006/relationships" xmlns:p="http://schemas.openxmlformats.org/presentationml/2006/main">
+  <p:cSld>
+    <p:spTree>
+      <p:nvGrpSpPr>
+        <p:cNvPr id="1" name=""/>
+        <p:cNvGrpSpPr/>
+        <p:nvPr/>
+      </p:nvGrpSpPr>
+      <p:grpSpPr>
+        <a:xfrm>
+          <a:off x="0" y="0"/>
+          <a:ext cx="0" cy="0"/>
+          <a:chOff x="0" y="0"/>
+          <a:chExt cx="0" cy="0"/>
+        </a:xfrm>
+      </p:grpSpPr>
+      <p:sp>
+        <p:nvSpPr>
+          <p:cNvPr id="2" name="Titel 1"/>
+          <p:cNvSpPr>
+            <a:spLocks noGrp="1"/>
+          </p:cNvSpPr>
+          <p:nvPr>
+            <p:ph type="title"/>
+          </p:nvPr>
+        </p:nvSpPr>
+        <p:spPr/>
+        <p:txBody>
+          <a:bodyPr/>
+          <a:lstStyle/>
+          <a:p>
+            <a:r>
+              <a:rPr lang="de-AT" dirty="0" smtClean="0"/>
+              <a:t>Virtual Private Network</a:t>
+            </a:r>
+            <a:endParaRPr lang="de-AT" dirty="0"/>
+          </a:p>
+        </p:txBody>
+      </p:sp>
+      <p:sp>
+        <p:nvSpPr>
+          <p:cNvPr id="3" name="Inhaltsplatzhalter 2"/>
+          <p:cNvSpPr>
+            <a:spLocks noGrp="1"/>
+          </p:cNvSpPr>
+          <p:nvPr>
+            <p:ph idx="1"/>
+          </p:nvPr>
+        </p:nvSpPr>
+        <p:spPr/>
+        <p:txBody>
+          <a:bodyPr/>
+          <a:lstStyle/>
+          <a:p>
+            <a:r>
+              <a:rPr lang="de-AT" dirty="0" smtClean="0"/>
+              <a:t>Dient dazu, Teilnehmer eines privaten Netzwerks mit einem anderen Privaten Netzwerk zu verbinden (Bspw. Heimnetz Firmennetz)</a:t>
+            </a:r>
+          </a:p>
+          <a:p>
+            <a:r>
+              <a:rPr lang="de-AT" dirty="0" smtClean="0"/>
+              <a:t>Dadurch kann auf ein lokale Netzwerk zugegriffen werden, ohne anwesend sein zu müssen</a:t>
+            </a:r>
+          </a:p>
+          <a:p>
+            <a:r>
+              <a:rPr lang="de-AT" dirty="0" smtClean="0"/>
+              <a:t>VPN ist ein Softwareprodukt, welches eine Verschlüsselte Verbindung durch einen sog. Tunnel herstellt.</a:t>
+            </a:r>
+            <a:endParaRPr lang="de-AT" dirty="0"/>
+          </a:p>
+        </p:txBody>
+      </p:sp>
+    </p:spTree>
+    <p:extLst>
+      <p:ext uri="{BB962C8B-B14F-4D97-AF65-F5344CB8AC3E}">
+        <p14:creationId xmlns:p14="http://schemas.microsoft.com/office/powerpoint/2010/main" val="3261060894"/>
+      </p:ext>
+    </p:extLst>
+  </p:cSld>
+  <p:clrMapOvr>
+    <a:masterClrMapping/>
+  </p:clrMapOvr>
+</p:sld>
+</file>
+
+<file path=ppt/slides/slide17.xml><?xml version="1.0" encoding="utf-8"?>
+<p:sld xmlns:a="http://schemas.openxmlformats.org/drawingml/2006/main" xmlns:r="http://schemas.openxmlformats.org/officeDocument/2006/relationships" xmlns:p="http://schemas.openxmlformats.org/presentationml/2006/main">
+  <p:cSld>
+    <p:spTree>
+      <p:nvGrpSpPr>
+        <p:cNvPr id="1" name=""/>
+        <p:cNvGrpSpPr/>
+        <p:nvPr/>
+      </p:nvGrpSpPr>
+      <p:grpSpPr>
+        <a:xfrm>
+          <a:off x="0" y="0"/>
+          <a:ext cx="0" cy="0"/>
+          <a:chOff x="0" y="0"/>
+          <a:chExt cx="0" cy="0"/>
+        </a:xfrm>
+      </p:grpSpPr>
+      <p:sp>
+        <p:nvSpPr>
+          <p:cNvPr id="2" name="Titel 1"/>
+          <p:cNvSpPr>
+            <a:spLocks noGrp="1"/>
+          </p:cNvSpPr>
+          <p:nvPr>
+            <p:ph type="title"/>
+          </p:nvPr>
+        </p:nvSpPr>
+        <p:spPr/>
+        <p:txBody>
+          <a:bodyPr/>
+          <a:lstStyle/>
+          <a:p>
+            <a:r>
+              <a:rPr lang="de-AT" dirty="0" err="1" smtClean="0"/>
+              <a:t>Anwendunsszenarien</a:t>
+            </a:r>
+            <a:endParaRPr lang="de-AT" dirty="0"/>
+          </a:p>
+        </p:txBody>
+      </p:sp>
+      <p:sp>
+        <p:nvSpPr>
+          <p:cNvPr id="3" name="Inhaltsplatzhalter 2"/>
+          <p:cNvSpPr>
+            <a:spLocks noGrp="1"/>
+          </p:cNvSpPr>
+          <p:nvPr>
+            <p:ph idx="1"/>
+          </p:nvPr>
+        </p:nvSpPr>
+        <p:spPr/>
+        <p:txBody>
+          <a:bodyPr/>
+          <a:lstStyle/>
+          <a:p>
+            <a:r>
+              <a:rPr lang="de-AT" dirty="0" smtClean="0"/>
+              <a:t>Netzwerkzugriff für Außendienstmitarbeiter (Client-to-LAN)</a:t>
+            </a:r>
+          </a:p>
+          <a:p>
+            <a:r>
+              <a:rPr lang="de-AT" dirty="0" smtClean="0"/>
+              <a:t>Verbindung mehrerer Unternehmensstandorte (LAN-to-LAN)</a:t>
+            </a:r>
+          </a:p>
+          <a:p>
+            <a:r>
+              <a:rPr lang="de-AT" dirty="0" smtClean="0"/>
+              <a:t>Umgehung von Zensur</a:t>
+            </a:r>
+          </a:p>
+          <a:p>
+            <a:pPr lvl="1"/>
+            <a:r>
+              <a:rPr lang="de-AT" dirty="0" smtClean="0"/>
+              <a:t>Bspw. bei Standort in China od. Nordkorea</a:t>
+            </a:r>
+          </a:p>
+          <a:p>
+            <a:r>
+              <a:rPr lang="de-AT" dirty="0" smtClean="0"/>
+              <a:t>LAN-Spiele über Internet</a:t>
+            </a:r>
+            <a:endParaRPr lang="de-AT" dirty="0"/>
+          </a:p>
+        </p:txBody>
+      </p:sp>
+    </p:spTree>
+    <p:extLst>
+      <p:ext uri="{BB962C8B-B14F-4D97-AF65-F5344CB8AC3E}">
+        <p14:creationId xmlns:p14="http://schemas.microsoft.com/office/powerpoint/2010/main" val="3939505784"/>
+      </p:ext>
+    </p:extLst>
+  </p:cSld>
+  <p:clrMapOvr>
+    <a:masterClrMapping/>
+  </p:clrMapOvr>
+</p:sld>
+</file>
+
+<file path=ppt/slides/slide18.xml><?xml version="1.0" encoding="utf-8"?>
+<p:sld xmlns:a="http://schemas.openxmlformats.org/drawingml/2006/main" xmlns:r="http://schemas.openxmlformats.org/officeDocument/2006/relationships" xmlns:p="http://schemas.openxmlformats.org/presentationml/2006/main">
+  <p:cSld>
+    <p:spTree>
+      <p:nvGrpSpPr>
+        <p:cNvPr id="1" name=""/>
+        <p:cNvGrpSpPr/>
+        <p:nvPr/>
+      </p:nvGrpSpPr>
+      <p:grpSpPr>
+        <a:xfrm>
+          <a:off x="0" y="0"/>
+          <a:ext cx="0" cy="0"/>
+          <a:chOff x="0" y="0"/>
+          <a:chExt cx="0" cy="0"/>
+        </a:xfrm>
+      </p:grpSpPr>
+      <p:sp>
+        <p:nvSpPr>
+          <p:cNvPr id="2" name="Titel 1"/>
+          <p:cNvSpPr>
+            <a:spLocks noGrp="1"/>
+          </p:cNvSpPr>
+          <p:nvPr>
+            <p:ph type="title"/>
+          </p:nvPr>
+        </p:nvSpPr>
+        <p:spPr/>
+        <p:txBody>
+          <a:bodyPr/>
+          <a:lstStyle/>
+          <a:p>
+            <a:r>
+              <a:rPr lang="de-AT" dirty="0" smtClean="0"/>
+              <a:t>Verbindungsaufbau</a:t>
+            </a:r>
+            <a:endParaRPr lang="de-AT" dirty="0"/>
+          </a:p>
+        </p:txBody>
+      </p:sp>
+      <p:sp>
+        <p:nvSpPr>
+          <p:cNvPr id="3" name="Inhaltsplatzhalter 2"/>
+          <p:cNvSpPr>
+            <a:spLocks noGrp="1"/>
+          </p:cNvSpPr>
+          <p:nvPr>
+            <p:ph idx="1"/>
+          </p:nvPr>
+        </p:nvSpPr>
+        <p:spPr/>
+        <p:txBody>
+          <a:bodyPr/>
+          <a:lstStyle/>
+          <a:p>
+            <a:pPr marL="457200" lvl="0" indent="-457200">
+              <a:buFont typeface="+mj-lt"/>
+              <a:buAutoNum type="arabicPeriod"/>
+            </a:pPr>
+            <a:r>
+              <a:rPr lang="de-AT" dirty="0">
+                <a:effectLst/>
+              </a:rPr>
+              <a:t>Internetverbindung über normalen ISP wird hergestellt</a:t>
+            </a:r>
+          </a:p>
+          <a:p>
+            <a:pPr marL="457200" lvl="0" indent="-457200">
+              <a:buFont typeface="+mj-lt"/>
+              <a:buAutoNum type="arabicPeriod"/>
+            </a:pPr>
+            <a:r>
+              <a:rPr lang="de-AT" dirty="0">
+                <a:effectLst/>
+              </a:rPr>
+              <a:t>VPN-Client sendet Verbindungsanfrage an VPN-Server</a:t>
+            </a:r>
+          </a:p>
+          <a:p>
+            <a:pPr marL="457200" lvl="0" indent="-457200">
+              <a:buFont typeface="+mj-lt"/>
+              <a:buAutoNum type="arabicPeriod"/>
+            </a:pPr>
+            <a:r>
+              <a:rPr lang="de-AT" dirty="0" smtClean="0">
+                <a:effectLst/>
+              </a:rPr>
+              <a:t>Authentisierung </a:t>
+            </a:r>
+            <a:r>
+              <a:rPr lang="de-AT" dirty="0">
+                <a:effectLst/>
+              </a:rPr>
+              <a:t>beim VPN-Server</a:t>
+            </a:r>
+          </a:p>
+          <a:p>
+            <a:pPr marL="457200" lvl="0" indent="-457200">
+              <a:buFont typeface="+mj-lt"/>
+              <a:buAutoNum type="arabicPeriod"/>
+            </a:pPr>
+            <a:r>
+              <a:rPr lang="de-AT" dirty="0" err="1">
+                <a:effectLst/>
+              </a:rPr>
+              <a:t>IPsec</a:t>
+            </a:r>
+            <a:r>
+              <a:rPr lang="de-AT" dirty="0">
+                <a:effectLst/>
+              </a:rPr>
+              <a:t>-Tunnel (sicherer VPN-Datentunnel) wird </a:t>
+            </a:r>
+            <a:r>
+              <a:rPr lang="de-AT" dirty="0" smtClean="0">
+                <a:effectLst/>
+              </a:rPr>
+              <a:t>geöffnet</a:t>
+            </a:r>
+            <a:endParaRPr lang="de-AT" dirty="0">
+              <a:effectLst/>
+            </a:endParaRPr>
+          </a:p>
+        </p:txBody>
+      </p:sp>
+    </p:spTree>
+    <p:extLst>
+      <p:ext uri="{BB962C8B-B14F-4D97-AF65-F5344CB8AC3E}">
+        <p14:creationId xmlns:p14="http://schemas.microsoft.com/office/powerpoint/2010/main" val="236491627"/>
+      </p:ext>
+    </p:extLst>
+  </p:cSld>
+  <p:clrMapOvr>
+    <a:masterClrMapping/>
+  </p:clrMapOvr>
+</p:sld>
+</file>
+
+<file path=ppt/slides/slide19.xml><?xml version="1.0" encoding="utf-8"?>
+<p:sld xmlns:a="http://schemas.openxmlformats.org/drawingml/2006/main" xmlns:r="http://schemas.openxmlformats.org/officeDocument/2006/relationships" xmlns:p="http://schemas.openxmlformats.org/presentationml/2006/main">
+  <p:cSld>
+    <p:spTree>
+      <p:nvGrpSpPr>
+        <p:cNvPr id="1" name=""/>
+        <p:cNvGrpSpPr/>
+        <p:nvPr/>
+      </p:nvGrpSpPr>
+      <p:grpSpPr>
+        <a:xfrm>
+          <a:off x="0" y="0"/>
+          <a:ext cx="0" cy="0"/>
+          <a:chOff x="0" y="0"/>
+          <a:chExt cx="0" cy="0"/>
+        </a:xfrm>
+      </p:grpSpPr>
+      <p:sp>
+        <p:nvSpPr>
+          <p:cNvPr id="3" name="Inhaltsplatzhalter 2"/>
+          <p:cNvSpPr>
+            <a:spLocks noGrp="1"/>
+          </p:cNvSpPr>
+          <p:nvPr>
+            <p:ph idx="1"/>
+          </p:nvPr>
+        </p:nvSpPr>
+        <p:spPr>
+          <a:xfrm>
+            <a:off x="1072833" y="1341119"/>
+            <a:ext cx="9905998" cy="4442461"/>
+          </a:xfrm>
+        </p:spPr>
+        <p:txBody>
+          <a:bodyPr/>
+          <a:lstStyle/>
+          <a:p>
+            <a:r>
+              <a:rPr lang="de-AT" dirty="0" smtClean="0"/>
+              <a:t>Sobald Verbindung hergestellt, keine direkte Internetverbindung mehr</a:t>
+            </a:r>
+          </a:p>
+          <a:p>
+            <a:pPr lvl="1"/>
+            <a:r>
+              <a:rPr lang="de-AT" dirty="0" smtClean="0"/>
+              <a:t>Sonst sog. SPLIT-Tunnel (Sicherheitsrisiko)</a:t>
+            </a:r>
+          </a:p>
+          <a:p>
+            <a:r>
+              <a:rPr lang="de-AT" dirty="0" smtClean="0"/>
+              <a:t>Client bekommt private IP-Adresse aus verbundenem Netzwerk zugeteilt</a:t>
+            </a:r>
+          </a:p>
+          <a:p>
+            <a:pPr lvl="1"/>
+            <a:r>
+              <a:rPr lang="de-AT" dirty="0" smtClean="0"/>
+              <a:t>Ermöglicht Sicherung des firmenseitigen Endes mit Firewall</a:t>
+            </a:r>
+          </a:p>
+          <a:p>
+            <a:r>
+              <a:rPr lang="de-AT" dirty="0" smtClean="0"/>
+              <a:t>Jetzt kann sich der Client von (fast) jedem Verbindungsmedium (auch Satellit) mit Firmennetzwerk verbinden</a:t>
+            </a:r>
+            <a:endParaRPr lang="de-AT" dirty="0"/>
+          </a:p>
+        </p:txBody>
+      </p:sp>
+    </p:spTree>
+    <p:extLst>
+      <p:ext uri="{BB962C8B-B14F-4D97-AF65-F5344CB8AC3E}">
+        <p14:creationId xmlns:p14="http://schemas.microsoft.com/office/powerpoint/2010/main" val="2400687259"/>
+      </p:ext>
+    </p:extLst>
+  </p:cSld>
+  <p:clrMapOvr>
+    <a:masterClrMapping/>
+  </p:clrMapOvr>
+  <p:timing>
+    <p:tnLst>
+      <p:par>
+        <p:cTn id="1" dur="indefinite" restart="never" nodeType="tmRoot"/>
+      </p:par>
+    </p:tnLst>
+  </p:timing>
 </p:sld>
 </file>
 
@@ -7181,6 +7445,432 @@
       </p:par>
     </p:tnLst>
   </p:timing>
+</p:sld>
+</file>
+
+<file path=ppt/slides/slide20.xml><?xml version="1.0" encoding="utf-8"?>
+<p:sld xmlns:a="http://schemas.openxmlformats.org/drawingml/2006/main" xmlns:r="http://schemas.openxmlformats.org/officeDocument/2006/relationships" xmlns:p="http://schemas.openxmlformats.org/presentationml/2006/main">
+  <p:cSld>
+    <p:spTree>
+      <p:nvGrpSpPr>
+        <p:cNvPr id="1" name=""/>
+        <p:cNvGrpSpPr/>
+        <p:nvPr/>
+      </p:nvGrpSpPr>
+      <p:grpSpPr>
+        <a:xfrm>
+          <a:off x="0" y="0"/>
+          <a:ext cx="0" cy="0"/>
+          <a:chOff x="0" y="0"/>
+          <a:chExt cx="0" cy="0"/>
+        </a:xfrm>
+      </p:grpSpPr>
+      <p:sp>
+        <p:nvSpPr>
+          <p:cNvPr id="2" name="Titel 1"/>
+          <p:cNvSpPr>
+            <a:spLocks noGrp="1"/>
+          </p:cNvSpPr>
+          <p:nvPr>
+            <p:ph type="title"/>
+          </p:nvPr>
+        </p:nvSpPr>
+        <p:spPr/>
+        <p:txBody>
+          <a:bodyPr/>
+          <a:lstStyle/>
+          <a:p>
+            <a:r>
+              <a:rPr lang="de-AT" dirty="0" err="1" smtClean="0"/>
+              <a:t>Netztopologien</a:t>
+            </a:r>
+            <a:endParaRPr lang="de-AT" dirty="0"/>
+          </a:p>
+        </p:txBody>
+      </p:sp>
+      <p:sp>
+        <p:nvSpPr>
+          <p:cNvPr id="3" name="Inhaltsplatzhalter 2"/>
+          <p:cNvSpPr>
+            <a:spLocks noGrp="1"/>
+          </p:cNvSpPr>
+          <p:nvPr>
+            <p:ph idx="1"/>
+          </p:nvPr>
+        </p:nvSpPr>
+        <p:spPr>
+          <a:xfrm>
+            <a:off x="1141413" y="1897380"/>
+            <a:ext cx="9905998" cy="4206239"/>
+          </a:xfrm>
+        </p:spPr>
+        <p:txBody>
+          <a:bodyPr>
+            <a:normAutofit/>
+          </a:bodyPr>
+          <a:lstStyle/>
+          <a:p>
+            <a:r>
+              <a:rPr lang="de-AT" dirty="0" smtClean="0"/>
+              <a:t>Point to Point</a:t>
+            </a:r>
+          </a:p>
+          <a:p>
+            <a:pPr lvl="1"/>
+            <a:r>
+              <a:rPr lang="de-AT" dirty="0" smtClean="0"/>
+              <a:t>Direkte Verbindung zweier Netzwerkknoten</a:t>
+            </a:r>
+          </a:p>
+          <a:p>
+            <a:pPr lvl="2"/>
+            <a:r>
+              <a:rPr lang="de-AT" dirty="0" smtClean="0"/>
+              <a:t>Client Server oder durch Routing Netzwerke anbinden</a:t>
+            </a:r>
+          </a:p>
+          <a:p>
+            <a:pPr lvl="1"/>
+            <a:r>
+              <a:rPr lang="de-AT" dirty="0" smtClean="0"/>
+              <a:t>TUN-Schnittstelle </a:t>
+            </a:r>
+          </a:p>
+          <a:p>
+            <a:pPr lvl="2"/>
+            <a:r>
+              <a:rPr lang="de-AT" dirty="0" smtClean="0"/>
+              <a:t>Virtuelle Netzwerkkarte auf OSI-3 (IP)</a:t>
+            </a:r>
+          </a:p>
+          <a:p>
+            <a:r>
+              <a:rPr lang="de-AT" dirty="0" smtClean="0"/>
+              <a:t>Ethernet</a:t>
+            </a:r>
+          </a:p>
+          <a:p>
+            <a:pPr lvl="1"/>
+            <a:r>
+              <a:rPr lang="de-AT" dirty="0" smtClean="0"/>
+              <a:t>TAP-Schnittstelle</a:t>
+            </a:r>
+          </a:p>
+          <a:p>
+            <a:pPr lvl="2"/>
+            <a:r>
+              <a:rPr lang="de-AT" dirty="0" smtClean="0"/>
+              <a:t>Virtuelle Netzwerkkarte auf OSI-2</a:t>
+            </a:r>
+          </a:p>
+          <a:p>
+            <a:pPr lvl="1"/>
+            <a:r>
+              <a:rPr lang="de-AT" dirty="0" smtClean="0"/>
+              <a:t>Erlaubt Client direkte Verbindung mit Netzwerk</a:t>
+            </a:r>
+          </a:p>
+          <a:p>
+            <a:pPr lvl="2"/>
+            <a:r>
+              <a:rPr lang="de-AT" dirty="0" smtClean="0"/>
+              <a:t>VPN-Server als Switch</a:t>
+            </a:r>
+            <a:endParaRPr lang="de-AT" dirty="0"/>
+          </a:p>
+        </p:txBody>
+      </p:sp>
+    </p:spTree>
+    <p:extLst>
+      <p:ext uri="{BB962C8B-B14F-4D97-AF65-F5344CB8AC3E}">
+        <p14:creationId xmlns:p14="http://schemas.microsoft.com/office/powerpoint/2010/main" val="1688519374"/>
+      </p:ext>
+    </p:extLst>
+  </p:cSld>
+  <p:clrMapOvr>
+    <a:masterClrMapping/>
+  </p:clrMapOvr>
+  <p:timing>
+    <p:tnLst>
+      <p:par>
+        <p:cTn id="1" dur="indefinite" restart="never" nodeType="tmRoot"/>
+      </p:par>
+    </p:tnLst>
+  </p:timing>
+</p:sld>
+</file>
+
+<file path=ppt/slides/slide21.xml><?xml version="1.0" encoding="utf-8"?>
+<p:sld xmlns:a="http://schemas.openxmlformats.org/drawingml/2006/main" xmlns:r="http://schemas.openxmlformats.org/officeDocument/2006/relationships" xmlns:p="http://schemas.openxmlformats.org/presentationml/2006/main">
+  <p:cSld>
+    <p:spTree>
+      <p:nvGrpSpPr>
+        <p:cNvPr id="1" name=""/>
+        <p:cNvGrpSpPr/>
+        <p:nvPr/>
+      </p:nvGrpSpPr>
+      <p:grpSpPr>
+        <a:xfrm>
+          <a:off x="0" y="0"/>
+          <a:ext cx="0" cy="0"/>
+          <a:chOff x="0" y="0"/>
+          <a:chExt cx="0" cy="0"/>
+        </a:xfrm>
+      </p:grpSpPr>
+      <p:sp>
+        <p:nvSpPr>
+          <p:cNvPr id="2" name="Titel 1"/>
+          <p:cNvSpPr>
+            <a:spLocks noGrp="1"/>
+          </p:cNvSpPr>
+          <p:nvPr>
+            <p:ph type="title"/>
+          </p:nvPr>
+        </p:nvSpPr>
+        <p:spPr>
+          <a:xfrm>
+            <a:off x="1141413" y="198120"/>
+            <a:ext cx="9905998" cy="1905000"/>
+          </a:xfrm>
+        </p:spPr>
+        <p:txBody>
+          <a:bodyPr/>
+          <a:lstStyle/>
+          <a:p>
+            <a:r>
+              <a:rPr lang="de-AT" dirty="0" smtClean="0"/>
+              <a:t>Netzwerkanbindung</a:t>
+            </a:r>
+            <a:endParaRPr lang="de-AT" dirty="0"/>
+          </a:p>
+        </p:txBody>
+      </p:sp>
+      <p:sp>
+        <p:nvSpPr>
+          <p:cNvPr id="3" name="Inhaltsplatzhalter 2"/>
+          <p:cNvSpPr>
+            <a:spLocks noGrp="1"/>
+          </p:cNvSpPr>
+          <p:nvPr>
+            <p:ph idx="1"/>
+          </p:nvPr>
+        </p:nvSpPr>
+        <p:spPr>
+          <a:xfrm>
+            <a:off x="1141413" y="1783080"/>
+            <a:ext cx="9905998" cy="4709160"/>
+          </a:xfrm>
+        </p:spPr>
+        <p:txBody>
+          <a:bodyPr>
+            <a:normAutofit/>
+          </a:bodyPr>
+          <a:lstStyle/>
+          <a:p>
+            <a:r>
+              <a:rPr lang="de-AT" dirty="0" smtClean="0"/>
+              <a:t>Routing:</a:t>
+            </a:r>
+          </a:p>
+          <a:p>
+            <a:pPr lvl="1"/>
+            <a:r>
+              <a:rPr lang="de-AT" dirty="0" smtClean="0"/>
+              <a:t>VPN-Knoten arbeiten auf IP-Ebene</a:t>
+            </a:r>
+          </a:p>
+          <a:p>
+            <a:pPr lvl="1"/>
+            <a:r>
+              <a:rPr lang="de-AT" dirty="0" smtClean="0"/>
+              <a:t>Ermöglicht Verbindung von Privaten Netzen</a:t>
+            </a:r>
+          </a:p>
+          <a:p>
+            <a:pPr lvl="1"/>
+            <a:r>
+              <a:rPr lang="de-AT" dirty="0" smtClean="0"/>
+              <a:t>Wird durch eigenständiges Netz dargestellt</a:t>
+            </a:r>
+          </a:p>
+          <a:p>
+            <a:pPr lvl="1"/>
+            <a:r>
+              <a:rPr lang="de-AT" dirty="0" smtClean="0"/>
+              <a:t>Broadcasts nicht ohne Weiteres möglich</a:t>
+            </a:r>
+          </a:p>
+          <a:p>
+            <a:r>
+              <a:rPr lang="de-AT" dirty="0" smtClean="0"/>
+              <a:t>Bridging:</a:t>
+            </a:r>
+          </a:p>
+          <a:p>
+            <a:pPr lvl="1"/>
+            <a:r>
+              <a:rPr lang="de-AT" dirty="0" smtClean="0"/>
+              <a:t>Betriebssystem verbindet reale Netzwerkkarte mit Virtueller TAP-Schnittstelle</a:t>
+            </a:r>
+          </a:p>
+          <a:p>
+            <a:pPr lvl="1"/>
+            <a:r>
+              <a:rPr lang="de-AT" dirty="0" smtClean="0"/>
+              <a:t>Switch auf Layer-2</a:t>
+            </a:r>
+          </a:p>
+          <a:p>
+            <a:pPr lvl="1"/>
+            <a:r>
+              <a:rPr lang="de-AT" dirty="0" smtClean="0"/>
+              <a:t>Broadcasts möglich – Verhalten wie im selben Netzwerk</a:t>
+            </a:r>
+          </a:p>
+          <a:p>
+            <a:pPr lvl="2"/>
+            <a:r>
+              <a:rPr lang="de-AT" dirty="0" smtClean="0"/>
+              <a:t>Broadcasts nehmen viel Bandbreite in Anspruch</a:t>
+            </a:r>
+          </a:p>
+          <a:p>
+            <a:pPr lvl="2"/>
+            <a:r>
+              <a:rPr lang="de-AT" dirty="0" smtClean="0"/>
+              <a:t>Achtung vor DHCP-Servern</a:t>
+            </a:r>
+          </a:p>
+          <a:p>
+            <a:pPr lvl="1"/>
+            <a:endParaRPr lang="de-AT" dirty="0"/>
+          </a:p>
+        </p:txBody>
+      </p:sp>
+    </p:spTree>
+    <p:extLst>
+      <p:ext uri="{BB962C8B-B14F-4D97-AF65-F5344CB8AC3E}">
+        <p14:creationId xmlns:p14="http://schemas.microsoft.com/office/powerpoint/2010/main" val="286545527"/>
+      </p:ext>
+    </p:extLst>
+  </p:cSld>
+  <p:clrMapOvr>
+    <a:masterClrMapping/>
+  </p:clrMapOvr>
+</p:sld>
+</file>
+
+<file path=ppt/slides/slide22.xml><?xml version="1.0" encoding="utf-8"?>
+<p:sld xmlns:a="http://schemas.openxmlformats.org/drawingml/2006/main" xmlns:r="http://schemas.openxmlformats.org/officeDocument/2006/relationships" xmlns:p="http://schemas.openxmlformats.org/presentationml/2006/main">
+  <p:cSld>
+    <p:spTree>
+      <p:nvGrpSpPr>
+        <p:cNvPr id="1" name=""/>
+        <p:cNvGrpSpPr/>
+        <p:nvPr/>
+      </p:nvGrpSpPr>
+      <p:grpSpPr>
+        <a:xfrm>
+          <a:off x="0" y="0"/>
+          <a:ext cx="0" cy="0"/>
+          <a:chOff x="0" y="0"/>
+          <a:chExt cx="0" cy="0"/>
+        </a:xfrm>
+      </p:grpSpPr>
+      <p:sp>
+        <p:nvSpPr>
+          <p:cNvPr id="2" name="Titel 1"/>
+          <p:cNvSpPr>
+            <a:spLocks noGrp="1"/>
+          </p:cNvSpPr>
+          <p:nvPr>
+            <p:ph type="title"/>
+          </p:nvPr>
+        </p:nvSpPr>
+        <p:spPr/>
+        <p:txBody>
+          <a:bodyPr/>
+          <a:lstStyle/>
+          <a:p>
+            <a:r>
+              <a:rPr lang="de-AT" dirty="0" smtClean="0"/>
+              <a:t>Open VPN</a:t>
+            </a:r>
+            <a:endParaRPr lang="de-AT" dirty="0"/>
+          </a:p>
+        </p:txBody>
+      </p:sp>
+      <p:sp>
+        <p:nvSpPr>
+          <p:cNvPr id="3" name="Inhaltsplatzhalter 2"/>
+          <p:cNvSpPr>
+            <a:spLocks noGrp="1"/>
+          </p:cNvSpPr>
+          <p:nvPr>
+            <p:ph idx="1"/>
+          </p:nvPr>
+        </p:nvSpPr>
+        <p:spPr>
+          <a:xfrm>
+            <a:off x="1141413" y="1805940"/>
+            <a:ext cx="9905998" cy="4457699"/>
+          </a:xfrm>
+        </p:spPr>
+        <p:txBody>
+          <a:bodyPr/>
+          <a:lstStyle/>
+          <a:p>
+            <a:r>
+              <a:rPr lang="de-AT" dirty="0" smtClean="0"/>
+              <a:t>Plattformunabhängig, Quelloffen</a:t>
+            </a:r>
+          </a:p>
+          <a:p>
+            <a:r>
+              <a:rPr lang="de-AT" dirty="0" smtClean="0"/>
+              <a:t>Meist genutzter VPN Service</a:t>
+            </a:r>
+          </a:p>
+          <a:p>
+            <a:r>
+              <a:rPr lang="de-AT" dirty="0" smtClean="0"/>
+              <a:t>3 Authentifizierungsmöglichkeiten:</a:t>
+            </a:r>
+          </a:p>
+          <a:p>
+            <a:pPr lvl="1"/>
+            <a:r>
+              <a:rPr lang="de-AT" dirty="0" smtClean="0"/>
+              <a:t>Pre-Shared Key</a:t>
+            </a:r>
+          </a:p>
+          <a:p>
+            <a:pPr lvl="1"/>
+            <a:r>
+              <a:rPr lang="de-AT" dirty="0" smtClean="0"/>
+              <a:t>Benutzer/Passwort</a:t>
+            </a:r>
+          </a:p>
+          <a:p>
+            <a:pPr lvl="1"/>
+            <a:r>
+              <a:rPr lang="de-AT" dirty="0" smtClean="0"/>
+              <a:t>Zertifikatsbasiert</a:t>
+            </a:r>
+            <a:endParaRPr lang="de-AT" dirty="0"/>
+          </a:p>
+        </p:txBody>
+      </p:sp>
+    </p:spTree>
+    <p:extLst>
+      <p:ext uri="{BB962C8B-B14F-4D97-AF65-F5344CB8AC3E}">
+        <p14:creationId xmlns:p14="http://schemas.microsoft.com/office/powerpoint/2010/main" val="3825790451"/>
+      </p:ext>
+    </p:extLst>
+  </p:cSld>
+  <p:clrMapOvr>
+    <a:masterClrMapping/>
+  </p:clrMapOvr>
 </p:sld>
 </file>
 
@@ -7604,8 +8294,8 @@
           </a:p>
         </p:txBody>
       </p:sp>
-      <mc:AlternateContent xmlns:mc="http://schemas.openxmlformats.org/markup-compatibility/2006">
-        <mc:Choice xmlns:a14="http://schemas.microsoft.com/office/drawing/2010/main" Requires="a14">
+      <mc:AlternateContent xmlns:mc="http://schemas.openxmlformats.org/markup-compatibility/2006" xmlns:a14="http://schemas.microsoft.com/office/drawing/2010/main">
+        <mc:Choice Requires="a14">
           <p:sp>
             <p:nvSpPr>
               <p:cNvPr id="3" name="Inhaltsplatzhalter 2"/>
@@ -7725,18 +8415,14 @@
                 <a:pPr lvl="1"/>
                 <a:r>
                   <a:rPr lang="de-AT" dirty="0" smtClean="0"/>
-                  <a:t>G = </a:t>
-                </a:r>
-                <a:r>
-                  <a:rPr lang="de-AT" dirty="0" smtClean="0"/>
-                  <a:t>Geheimtext, Rest der Ganzzahlendivision</a:t>
+                  <a:t>G = Geheimtext, Rest der Ganzzahlendivision</a:t>
                 </a:r>
                 <a:endParaRPr lang="de-AT" dirty="0"/>
               </a:p>
             </p:txBody>
           </p:sp>
         </mc:Choice>
-        <mc:Fallback>
+        <mc:Fallback xmlns="">
           <p:sp>
             <p:nvSpPr>
               <p:cNvPr id="3" name="Inhaltsplatzhalter 2"/>
@@ -7823,8 +8509,8 @@
           </a:p>
         </p:txBody>
       </p:sp>
-      <mc:AlternateContent xmlns:mc="http://schemas.openxmlformats.org/markup-compatibility/2006">
-        <mc:Choice xmlns:a14="http://schemas.microsoft.com/office/drawing/2010/main" Requires="a14">
+      <mc:AlternateContent xmlns:mc="http://schemas.openxmlformats.org/markup-compatibility/2006" xmlns:a14="http://schemas.microsoft.com/office/drawing/2010/main">
+        <mc:Choice Requires="a14">
           <p:sp>
             <p:nvSpPr>
               <p:cNvPr id="3" name="Inhaltsplatzhalter 2"/>
@@ -7923,7 +8609,7 @@
             </p:txBody>
           </p:sp>
         </mc:Choice>
-        <mc:Fallback>
+        <mc:Fallback xmlns="">
           <p:sp>
             <p:nvSpPr>
               <p:cNvPr id="3" name="Inhaltsplatzhalter 2"/>
@@ -8004,19 +8690,7 @@
           <a:p>
             <a:r>
               <a:rPr lang="de-AT" dirty="0" smtClean="0"/>
-              <a:t>SCHIPFI mit </a:t>
-            </a:r>
-            <a:r>
-              <a:rPr lang="de-AT" dirty="0" err="1" smtClean="0"/>
-              <a:t>dadenbangen</a:t>
-            </a:r>
-            <a:r>
-              <a:rPr lang="de-AT" dirty="0" smtClean="0"/>
-              <a:t> und </a:t>
-            </a:r>
-            <a:r>
-              <a:rPr lang="de-AT" dirty="0" err="1" smtClean="0"/>
-              <a:t>sql</a:t>
+              <a:t>Datenbanken</a:t>
             </a:r>
             <a:endParaRPr lang="de-AT" dirty="0"/>
           </a:p>
@@ -8037,7 +8711,19 @@
           <a:bodyPr/>
           <a:lstStyle/>
           <a:p>
-            <a:endParaRPr lang="de-AT"/>
+            <a:r>
+              <a:rPr lang="de-AT" dirty="0" smtClean="0"/>
+              <a:t>System zur elektronischen Datenverwaltung</a:t>
+            </a:r>
+          </a:p>
+          <a:p>
+            <a:r>
+              <a:rPr lang="de-AT" dirty="0" smtClean="0"/>
+              <a:t>Große Datenmengen dauerhaft speichern</a:t>
+            </a:r>
+          </a:p>
+          <a:p>
+            <a:endParaRPr lang="de-AT" dirty="0"/>
           </a:p>
         </p:txBody>
       </p:sp>
@@ -8088,7 +8774,7 @@
           <a:p>
             <a:r>
               <a:rPr lang="de-AT" dirty="0" smtClean="0"/>
-              <a:t>Virtual Private Network</a:t>
+              <a:t>Komponenten eines Datenbanksystems</a:t>
             </a:r>
             <a:endParaRPr lang="de-AT" dirty="0"/>
           </a:p>
@@ -8110,29 +8796,32 @@
           <a:lstStyle/>
           <a:p>
             <a:r>
-              <a:rPr lang="de-AT" dirty="0" smtClean="0"/>
-              <a:t>Dient dazu, Teilnehmer eines privaten Netzwerks mit einem anderen Privaten Netzwerk zu verbinden (Bspw. Heimnetz Firmennetz)</a:t>
-            </a:r>
-          </a:p>
-          <a:p>
-            <a:r>
-              <a:rPr lang="de-AT" dirty="0" smtClean="0"/>
-              <a:t>Dadurch kann auf ein lokale Netzwerk zugegriffen werden, ohne anwesend sein zu müssen</a:t>
-            </a:r>
-          </a:p>
-          <a:p>
-            <a:r>
-              <a:rPr lang="de-AT" dirty="0" smtClean="0"/>
-              <a:t>VPN ist ein Softwareprodukt, welches eine Verschlüsselte Verbindung durch einen sog. Tunnel herstellt.</a:t>
-            </a:r>
-            <a:endParaRPr lang="de-AT" dirty="0"/>
+              <a:rPr lang="de-AT" dirty="0" err="1" smtClean="0"/>
+              <a:t>Dbms</a:t>
+            </a:r>
+            <a:r>
+              <a:rPr lang="de-AT" dirty="0" smtClean="0"/>
+              <a:t> zusammen mit den verwaltenden Daten der Datenbank</a:t>
+            </a:r>
+          </a:p>
+          <a:p>
+            <a:r>
+              <a:rPr lang="de-AT" dirty="0" smtClean="0"/>
+              <a:t>gewährleistet die dauerhafte Speicherung der Nutzerdaten</a:t>
+            </a:r>
+          </a:p>
+          <a:p>
+            <a:r>
+              <a:rPr lang="de-AT" dirty="0" smtClean="0"/>
+              <a:t>Schnittstellen zur Abfrage, Auswertung Verwaltung und Veränderung dieser Daten</a:t>
+            </a:r>
           </a:p>
         </p:txBody>
       </p:sp>
     </p:spTree>
     <p:extLst>
       <p:ext uri="{BB962C8B-B14F-4D97-AF65-F5344CB8AC3E}">
-        <p14:creationId xmlns:p14="http://schemas.microsoft.com/office/powerpoint/2010/main" val="3261060894"/>
+        <p14:creationId xmlns:p14="http://schemas.microsoft.com/office/powerpoint/2010/main" val="774702256"/>
       </p:ext>
     </p:extLst>
   </p:cSld>

--- a/Dokumente/Referat/Präsentation.pptx
+++ b/Dokumente/Referat/Präsentation.pptx
@@ -5,7 +5,7 @@
     <p:sldMasterId id="2147483678" r:id="rId1"/>
   </p:sldMasterIdLst>
   <p:notesMasterIdLst>
-    <p:notesMasterId r:id="rId24"/>
+    <p:notesMasterId r:id="rId27"/>
   </p:notesMasterIdLst>
   <p:sldIdLst>
     <p:sldId id="256" r:id="rId2"/>
@@ -20,16 +20,19 @@
     <p:sldId id="272" r:id="rId11"/>
     <p:sldId id="273" r:id="rId12"/>
     <p:sldId id="274" r:id="rId13"/>
-    <p:sldId id="275" r:id="rId14"/>
-    <p:sldId id="276" r:id="rId15"/>
-    <p:sldId id="277" r:id="rId16"/>
-    <p:sldId id="264" r:id="rId17"/>
-    <p:sldId id="265" r:id="rId18"/>
-    <p:sldId id="266" r:id="rId19"/>
-    <p:sldId id="267" r:id="rId20"/>
-    <p:sldId id="268" r:id="rId21"/>
-    <p:sldId id="269" r:id="rId22"/>
-    <p:sldId id="270" r:id="rId23"/>
+    <p:sldId id="278" r:id="rId14"/>
+    <p:sldId id="279" r:id="rId15"/>
+    <p:sldId id="275" r:id="rId16"/>
+    <p:sldId id="276" r:id="rId17"/>
+    <p:sldId id="277" r:id="rId18"/>
+    <p:sldId id="264" r:id="rId19"/>
+    <p:sldId id="265" r:id="rId20"/>
+    <p:sldId id="266" r:id="rId21"/>
+    <p:sldId id="267" r:id="rId22"/>
+    <p:sldId id="268" r:id="rId23"/>
+    <p:sldId id="269" r:id="rId24"/>
+    <p:sldId id="270" r:id="rId25"/>
+    <p:sldId id="280" r:id="rId26"/>
   </p:sldIdLst>
   <p:sldSz cx="12192000" cy="6858000"/>
   <p:notesSz cx="6858000" cy="9144000"/>
@@ -218,7 +221,7 @@
           <a:p>
             <a:fld id="{414BA96B-CCB3-486B-8E6D-702C2D66FDB9}" type="datetimeFigureOut">
               <a:rPr lang="de-AT" smtClean="0"/>
-              <a:t>17.12.2014</a:t>
+              <a:t>18.12.2014</a:t>
             </a:fld>
             <a:endParaRPr lang="de-AT"/>
           </a:p>
@@ -530,6 +533,923 @@
           <a:bodyPr/>
           <a:lstStyle/>
           <a:p>
+            <a:pPr marL="0" marR="0" indent="0" algn="l" defTabSz="914400" rtl="0" eaLnBrk="1" fontAlgn="auto" latinLnBrk="0" hangingPunct="1">
+              <a:lnSpc>
+                <a:spcPct val="100000"/>
+              </a:lnSpc>
+              <a:spcBef>
+                <a:spcPts val="0"/>
+              </a:spcBef>
+              <a:spcAft>
+                <a:spcPts val="0"/>
+              </a:spcAft>
+              <a:buClrTx/>
+              <a:buSzTx/>
+              <a:buFontTx/>
+              <a:buNone/>
+              <a:tabLst/>
+              <a:defRPr/>
+            </a:pPr>
+            <a:r>
+              <a:rPr lang="de-AT" sz="1200" kern="1200" dirty="0" smtClean="0">
+                <a:solidFill>
+                  <a:schemeClr val="tx1"/>
+                </a:solidFill>
+                <a:effectLst/>
+                <a:latin typeface="+mn-lt"/>
+                <a:ea typeface="+mn-ea"/>
+                <a:cs typeface="+mn-cs"/>
+              </a:rPr>
+              <a:t>Eine Datenbank, auch Datenbanksystem (DBS) genannt, ist ein System zur elektronischen Datenverwaltung. Die wesentliche Aufgabe eines DBS ist es, große Datenmengen effizient, widerspruchsfrei und dauerhaft zu speichern.</a:t>
+            </a:r>
+          </a:p>
+          <a:p>
+            <a:endParaRPr lang="de-AT" dirty="0"/>
+          </a:p>
+        </p:txBody>
+      </p:sp>
+      <p:sp>
+        <p:nvSpPr>
+          <p:cNvPr id="4" name="Foliennummernplatzhalter 3"/>
+          <p:cNvSpPr>
+            <a:spLocks noGrp="1"/>
+          </p:cNvSpPr>
+          <p:nvPr>
+            <p:ph type="sldNum" sz="quarter" idx="10"/>
+          </p:nvPr>
+        </p:nvSpPr>
+        <p:spPr/>
+        <p:txBody>
+          <a:bodyPr/>
+          <a:lstStyle/>
+          <a:p>
+            <a:fld id="{40443D88-C795-4A05-8385-807CDE274C8A}" type="slidenum">
+              <a:rPr lang="de-AT" smtClean="0"/>
+              <a:t>8</a:t>
+            </a:fld>
+            <a:endParaRPr lang="de-AT"/>
+          </a:p>
+        </p:txBody>
+      </p:sp>
+    </p:spTree>
+    <p:extLst>
+      <p:ext uri="{BB962C8B-B14F-4D97-AF65-F5344CB8AC3E}">
+        <p14:creationId xmlns:p14="http://schemas.microsoft.com/office/powerpoint/2010/main" val="463694790"/>
+      </p:ext>
+    </p:extLst>
+  </p:cSld>
+  <p:clrMapOvr>
+    <a:masterClrMapping/>
+  </p:clrMapOvr>
+</p:notes>
+</file>
+
+<file path=ppt/notesSlides/notesSlide2.xml><?xml version="1.0" encoding="utf-8"?>
+<p:notes xmlns:a="http://schemas.openxmlformats.org/drawingml/2006/main" xmlns:r="http://schemas.openxmlformats.org/officeDocument/2006/relationships" xmlns:p="http://schemas.openxmlformats.org/presentationml/2006/main">
+  <p:cSld>
+    <p:spTree>
+      <p:nvGrpSpPr>
+        <p:cNvPr id="1" name=""/>
+        <p:cNvGrpSpPr/>
+        <p:nvPr/>
+      </p:nvGrpSpPr>
+      <p:grpSpPr>
+        <a:xfrm>
+          <a:off x="0" y="0"/>
+          <a:ext cx="0" cy="0"/>
+          <a:chOff x="0" y="0"/>
+          <a:chExt cx="0" cy="0"/>
+        </a:xfrm>
+      </p:grpSpPr>
+      <p:sp>
+        <p:nvSpPr>
+          <p:cNvPr id="2" name="Folienbildplatzhalter 1"/>
+          <p:cNvSpPr>
+            <a:spLocks noGrp="1" noRot="1" noChangeAspect="1"/>
+          </p:cNvSpPr>
+          <p:nvPr>
+            <p:ph type="sldImg"/>
+          </p:nvPr>
+        </p:nvSpPr>
+        <p:spPr/>
+      </p:sp>
+      <p:sp>
+        <p:nvSpPr>
+          <p:cNvPr id="3" name="Notizenplatzhalter 2"/>
+          <p:cNvSpPr>
+            <a:spLocks noGrp="1"/>
+          </p:cNvSpPr>
+          <p:nvPr>
+            <p:ph type="body" idx="1"/>
+          </p:nvPr>
+        </p:nvSpPr>
+        <p:spPr/>
+        <p:txBody>
+          <a:bodyPr/>
+          <a:lstStyle/>
+          <a:p>
+            <a:pPr marL="0" marR="0" indent="0" algn="l" defTabSz="914400" rtl="0" eaLnBrk="1" fontAlgn="auto" latinLnBrk="0" hangingPunct="1">
+              <a:lnSpc>
+                <a:spcPct val="100000"/>
+              </a:lnSpc>
+              <a:spcBef>
+                <a:spcPts val="0"/>
+              </a:spcBef>
+              <a:spcAft>
+                <a:spcPts val="0"/>
+              </a:spcAft>
+              <a:buClrTx/>
+              <a:buSzTx/>
+              <a:buFontTx/>
+              <a:buNone/>
+              <a:tabLst/>
+              <a:defRPr/>
+            </a:pPr>
+            <a:r>
+              <a:rPr lang="de-AT" sz="1200" kern="1200" dirty="0" smtClean="0">
+                <a:solidFill>
+                  <a:schemeClr val="tx1"/>
+                </a:solidFill>
+                <a:effectLst/>
+                <a:latin typeface="+mn-lt"/>
+                <a:ea typeface="+mn-ea"/>
+                <a:cs typeface="+mn-cs"/>
+              </a:rPr>
+              <a:t>Das Datenbanksystem ist das ausgeführte Datenbankmanagementsystem zusammen mit den zu verwaltenden Daten der Datenbank. Ein Datenbanksystem gewährleistet die dauerhafte Speicherung sowie die Konsistenz der Nutzdaten. Es bietet für die benutzenden Datenbankanwendungen mit dem Datenbankmanagementsystem Schnittstellen zu Abfrage, Auswertung, Veränderung und Verwaltung dieser Daten. </a:t>
+            </a:r>
+          </a:p>
+          <a:p>
+            <a:endParaRPr lang="de-AT" dirty="0"/>
+          </a:p>
+        </p:txBody>
+      </p:sp>
+      <p:sp>
+        <p:nvSpPr>
+          <p:cNvPr id="4" name="Foliennummernplatzhalter 3"/>
+          <p:cNvSpPr>
+            <a:spLocks noGrp="1"/>
+          </p:cNvSpPr>
+          <p:nvPr>
+            <p:ph type="sldNum" sz="quarter" idx="10"/>
+          </p:nvPr>
+        </p:nvSpPr>
+        <p:spPr/>
+        <p:txBody>
+          <a:bodyPr/>
+          <a:lstStyle/>
+          <a:p>
+            <a:fld id="{40443D88-C795-4A05-8385-807CDE274C8A}" type="slidenum">
+              <a:rPr lang="de-AT" smtClean="0"/>
+              <a:t>9</a:t>
+            </a:fld>
+            <a:endParaRPr lang="de-AT"/>
+          </a:p>
+        </p:txBody>
+      </p:sp>
+    </p:spTree>
+    <p:extLst>
+      <p:ext uri="{BB962C8B-B14F-4D97-AF65-F5344CB8AC3E}">
+        <p14:creationId xmlns:p14="http://schemas.microsoft.com/office/powerpoint/2010/main" val="2406358018"/>
+      </p:ext>
+    </p:extLst>
+  </p:cSld>
+  <p:clrMapOvr>
+    <a:masterClrMapping/>
+  </p:clrMapOvr>
+</p:notes>
+</file>
+
+<file path=ppt/notesSlides/notesSlide3.xml><?xml version="1.0" encoding="utf-8"?>
+<p:notes xmlns:a="http://schemas.openxmlformats.org/drawingml/2006/main" xmlns:r="http://schemas.openxmlformats.org/officeDocument/2006/relationships" xmlns:p="http://schemas.openxmlformats.org/presentationml/2006/main">
+  <p:cSld>
+    <p:spTree>
+      <p:nvGrpSpPr>
+        <p:cNvPr id="1" name=""/>
+        <p:cNvGrpSpPr/>
+        <p:nvPr/>
+      </p:nvGrpSpPr>
+      <p:grpSpPr>
+        <a:xfrm>
+          <a:off x="0" y="0"/>
+          <a:ext cx="0" cy="0"/>
+          <a:chOff x="0" y="0"/>
+          <a:chExt cx="0" cy="0"/>
+        </a:xfrm>
+      </p:grpSpPr>
+      <p:sp>
+        <p:nvSpPr>
+          <p:cNvPr id="2" name="Folienbildplatzhalter 1"/>
+          <p:cNvSpPr>
+            <a:spLocks noGrp="1" noRot="1" noChangeAspect="1"/>
+          </p:cNvSpPr>
+          <p:nvPr>
+            <p:ph type="sldImg"/>
+          </p:nvPr>
+        </p:nvSpPr>
+        <p:spPr/>
+      </p:sp>
+      <p:sp>
+        <p:nvSpPr>
+          <p:cNvPr id="3" name="Notizenplatzhalter 2"/>
+          <p:cNvSpPr>
+            <a:spLocks noGrp="1"/>
+          </p:cNvSpPr>
+          <p:nvPr>
+            <p:ph type="body" idx="1"/>
+          </p:nvPr>
+        </p:nvSpPr>
+        <p:spPr/>
+        <p:txBody>
+          <a:bodyPr/>
+          <a:lstStyle/>
+          <a:p>
+            <a:pPr marL="228600" indent="-228600">
+              <a:buAutoNum type="arabicParenR"/>
+            </a:pPr>
+            <a:r>
+              <a:rPr lang="de-AT" sz="1200" kern="1200" dirty="0" smtClean="0">
+                <a:solidFill>
+                  <a:schemeClr val="tx1"/>
+                </a:solidFill>
+                <a:effectLst/>
+                <a:latin typeface="+mn-lt"/>
+                <a:ea typeface="+mn-ea"/>
+                <a:cs typeface="+mn-cs"/>
+              </a:rPr>
+              <a:t>Daten sollen dauerhaft gespeichert werden und zu einem späteren Zeitpunkt wieder aufrufbar sein. </a:t>
+            </a:r>
+          </a:p>
+          <a:p>
+            <a:pPr marL="228600" marR="0" lvl="0" indent="-228600" algn="l" defTabSz="914400" rtl="0" eaLnBrk="1" fontAlgn="auto" latinLnBrk="0" hangingPunct="1">
+              <a:lnSpc>
+                <a:spcPct val="100000"/>
+              </a:lnSpc>
+              <a:spcBef>
+                <a:spcPts val="0"/>
+              </a:spcBef>
+              <a:spcAft>
+                <a:spcPts val="0"/>
+              </a:spcAft>
+              <a:buClrTx/>
+              <a:buSzTx/>
+              <a:buFontTx/>
+              <a:buAutoNum type="arabicParenR"/>
+              <a:tabLst/>
+              <a:defRPr/>
+            </a:pPr>
+            <a:r>
+              <a:rPr lang="de-AT" sz="1200" kern="1200" dirty="0" smtClean="0">
+                <a:solidFill>
+                  <a:schemeClr val="tx1"/>
+                </a:solidFill>
+                <a:effectLst/>
+                <a:latin typeface="+mn-lt"/>
+                <a:ea typeface="+mn-ea"/>
+                <a:cs typeface="+mn-cs"/>
+              </a:rPr>
+              <a:t>Daten haben je nach Kontext unterschiedliche Bedeutungen. Ein Schema (z.B.: eine Tabelle) stellt den Zusammenhang zwischen Daten und Kontext her. </a:t>
+            </a:r>
+          </a:p>
+          <a:p>
+            <a:pPr marL="228600" marR="0" lvl="0" indent="-228600" algn="l" defTabSz="914400" rtl="0" eaLnBrk="1" fontAlgn="auto" latinLnBrk="0" hangingPunct="1">
+              <a:lnSpc>
+                <a:spcPct val="100000"/>
+              </a:lnSpc>
+              <a:spcBef>
+                <a:spcPts val="0"/>
+              </a:spcBef>
+              <a:spcAft>
+                <a:spcPts val="0"/>
+              </a:spcAft>
+              <a:buClrTx/>
+              <a:buSzTx/>
+              <a:buFontTx/>
+              <a:buAutoNum type="arabicParenR"/>
+              <a:tabLst/>
+              <a:defRPr/>
+            </a:pPr>
+            <a:r>
+              <a:rPr lang="de-AT" sz="1200" kern="1200" dirty="0" smtClean="0">
+                <a:solidFill>
+                  <a:schemeClr val="tx1"/>
+                </a:solidFill>
+                <a:effectLst/>
+                <a:latin typeface="+mn-lt"/>
+                <a:ea typeface="+mn-ea"/>
+                <a:cs typeface="+mn-cs"/>
+              </a:rPr>
+              <a:t>Möglichkeit Daten in das Datenschema einzutragen, zu ändern oder auch wieder zu löschen.</a:t>
+            </a:r>
+          </a:p>
+          <a:p>
+            <a:pPr marL="228600" marR="0" lvl="0" indent="-228600" algn="l" defTabSz="914400" rtl="0" eaLnBrk="1" fontAlgn="auto" latinLnBrk="0" hangingPunct="1">
+              <a:lnSpc>
+                <a:spcPct val="100000"/>
+              </a:lnSpc>
+              <a:spcBef>
+                <a:spcPts val="0"/>
+              </a:spcBef>
+              <a:spcAft>
+                <a:spcPts val="0"/>
+              </a:spcAft>
+              <a:buClrTx/>
+              <a:buSzTx/>
+              <a:buFontTx/>
+              <a:buAutoNum type="arabicParenR"/>
+              <a:tabLst/>
+              <a:defRPr/>
+            </a:pPr>
+            <a:r>
+              <a:rPr lang="de-AT" sz="1200" kern="1200" dirty="0" smtClean="0">
+                <a:solidFill>
+                  <a:schemeClr val="tx1"/>
+                </a:solidFill>
+                <a:effectLst/>
+                <a:latin typeface="+mn-lt"/>
+                <a:ea typeface="+mn-ea"/>
+                <a:cs typeface="+mn-cs"/>
+              </a:rPr>
+              <a:t>Es muss möglich sein Daten aus der Datenbank wieder aufzufinden. </a:t>
+            </a:r>
+          </a:p>
+          <a:p>
+            <a:pPr marL="228600" marR="0" lvl="0" indent="-228600" algn="l" defTabSz="914400" rtl="0" eaLnBrk="1" fontAlgn="auto" latinLnBrk="0" hangingPunct="1">
+              <a:lnSpc>
+                <a:spcPct val="100000"/>
+              </a:lnSpc>
+              <a:spcBef>
+                <a:spcPts val="0"/>
+              </a:spcBef>
+              <a:spcAft>
+                <a:spcPts val="0"/>
+              </a:spcAft>
+              <a:buClrTx/>
+              <a:buSzTx/>
+              <a:buFontTx/>
+              <a:buAutoNum type="arabicParenR"/>
+              <a:tabLst/>
+              <a:defRPr/>
+            </a:pPr>
+            <a:r>
+              <a:rPr lang="de-AT" sz="1200" kern="1200" dirty="0" smtClean="0">
+                <a:solidFill>
+                  <a:schemeClr val="tx1"/>
+                </a:solidFill>
+                <a:effectLst/>
+                <a:latin typeface="+mn-lt"/>
+                <a:ea typeface="+mn-ea"/>
+                <a:cs typeface="+mn-cs"/>
+              </a:rPr>
+              <a:t>Die Möglichkeit, dass ein Datum, welches an mehreren Stellen benutzt wird, nur an einer Stelle hinterlegt ist, aber es trotzdem nur einmal geändert werden muss, damit es an allen Stellen geändert wird. </a:t>
+            </a:r>
+          </a:p>
+          <a:p>
+            <a:pPr marL="228600" marR="0" lvl="0" indent="-228600" algn="l" defTabSz="914400" rtl="0" eaLnBrk="1" fontAlgn="auto" latinLnBrk="0" hangingPunct="1">
+              <a:lnSpc>
+                <a:spcPct val="100000"/>
+              </a:lnSpc>
+              <a:spcBef>
+                <a:spcPts val="0"/>
+              </a:spcBef>
+              <a:spcAft>
+                <a:spcPts val="0"/>
+              </a:spcAft>
+              <a:buClrTx/>
+              <a:buSzTx/>
+              <a:buFontTx/>
+              <a:buAutoNum type="arabicParenR"/>
+              <a:tabLst/>
+              <a:defRPr/>
+            </a:pPr>
+            <a:r>
+              <a:rPr lang="de-AT" sz="1200" kern="1200" dirty="0" smtClean="0">
+                <a:solidFill>
+                  <a:schemeClr val="tx1"/>
+                </a:solidFill>
+                <a:effectLst/>
+                <a:latin typeface="+mn-lt"/>
+                <a:ea typeface="+mn-ea"/>
+                <a:cs typeface="+mn-cs"/>
+              </a:rPr>
+              <a:t>Sicherstellung das Integrität der Datenbank bei parallelen Zugriffen nicht verloren geht. Jeder Nutzer muss den Eindruck haben, dass ihm die Datenbank alleine gehört. </a:t>
+            </a:r>
+          </a:p>
+          <a:p>
+            <a:pPr marL="228600" indent="-228600">
+              <a:buAutoNum type="arabicParenR"/>
+            </a:pPr>
+            <a:r>
+              <a:rPr lang="de-AT" sz="1200" kern="1200" dirty="0" smtClean="0">
+                <a:solidFill>
+                  <a:schemeClr val="tx1"/>
+                </a:solidFill>
+                <a:effectLst/>
+                <a:latin typeface="+mn-lt"/>
+                <a:ea typeface="+mn-ea"/>
+                <a:cs typeface="+mn-cs"/>
+              </a:rPr>
+              <a:t>Unterschiedliche Benutzer der Datenbank sollen unterschiedliche Berechtigungen haben. </a:t>
+            </a:r>
+          </a:p>
+          <a:p>
+            <a:pPr marL="228600" marR="0" lvl="0" indent="-228600" algn="l" defTabSz="914400" rtl="0" eaLnBrk="1" fontAlgn="auto" latinLnBrk="0" hangingPunct="1">
+              <a:lnSpc>
+                <a:spcPct val="100000"/>
+              </a:lnSpc>
+              <a:spcBef>
+                <a:spcPts val="0"/>
+              </a:spcBef>
+              <a:spcAft>
+                <a:spcPts val="0"/>
+              </a:spcAft>
+              <a:buClrTx/>
+              <a:buSzTx/>
+              <a:buFontTx/>
+              <a:buAutoNum type="arabicParenR"/>
+              <a:tabLst/>
+              <a:defRPr/>
+            </a:pPr>
+            <a:r>
+              <a:rPr lang="de-AT" sz="1200" kern="1200" dirty="0" smtClean="0">
+                <a:solidFill>
+                  <a:schemeClr val="tx1"/>
+                </a:solidFill>
+                <a:effectLst/>
+                <a:latin typeface="+mn-lt"/>
+                <a:ea typeface="+mn-ea"/>
+                <a:cs typeface="+mn-cs"/>
+              </a:rPr>
+              <a:t>Das DBMS ermöglicht eine Datensicherung des aktuellen Datenbestandes herzustellen und diesen auch wieder in das System zurückzuspielen. </a:t>
+            </a:r>
+          </a:p>
+          <a:p>
+            <a:pPr marL="228600" marR="0" lvl="0" indent="-228600" algn="l" defTabSz="914400" rtl="0" eaLnBrk="1" fontAlgn="auto" latinLnBrk="0" hangingPunct="1">
+              <a:lnSpc>
+                <a:spcPct val="100000"/>
+              </a:lnSpc>
+              <a:spcBef>
+                <a:spcPts val="0"/>
+              </a:spcBef>
+              <a:spcAft>
+                <a:spcPts val="0"/>
+              </a:spcAft>
+              <a:buClrTx/>
+              <a:buSzTx/>
+              <a:buFontTx/>
+              <a:buAutoNum type="arabicParenR"/>
+              <a:tabLst/>
+              <a:defRPr/>
+            </a:pPr>
+            <a:r>
+              <a:rPr lang="de-AT" sz="1200" kern="1200" dirty="0" smtClean="0">
+                <a:solidFill>
+                  <a:schemeClr val="tx1"/>
+                </a:solidFill>
+                <a:effectLst/>
+                <a:latin typeface="+mn-lt"/>
+                <a:ea typeface="+mn-ea"/>
+                <a:cs typeface="+mn-cs"/>
+              </a:rPr>
+              <a:t>Möglichkeit die Struktur des gesamten Systems bestimmten Benutzern zugänglich zu machen. (Datenschema, Nutzerrechte, usw.)</a:t>
+            </a:r>
+          </a:p>
+        </p:txBody>
+      </p:sp>
+      <p:sp>
+        <p:nvSpPr>
+          <p:cNvPr id="4" name="Foliennummernplatzhalter 3"/>
+          <p:cNvSpPr>
+            <a:spLocks noGrp="1"/>
+          </p:cNvSpPr>
+          <p:nvPr>
+            <p:ph type="sldNum" sz="quarter" idx="10"/>
+          </p:nvPr>
+        </p:nvSpPr>
+        <p:spPr/>
+        <p:txBody>
+          <a:bodyPr/>
+          <a:lstStyle/>
+          <a:p>
+            <a:fld id="{40443D88-C795-4A05-8385-807CDE274C8A}" type="slidenum">
+              <a:rPr lang="de-AT" smtClean="0"/>
+              <a:t>10</a:t>
+            </a:fld>
+            <a:endParaRPr lang="de-AT"/>
+          </a:p>
+        </p:txBody>
+      </p:sp>
+    </p:spTree>
+    <p:extLst>
+      <p:ext uri="{BB962C8B-B14F-4D97-AF65-F5344CB8AC3E}">
+        <p14:creationId xmlns:p14="http://schemas.microsoft.com/office/powerpoint/2010/main" val="832115994"/>
+      </p:ext>
+    </p:extLst>
+  </p:cSld>
+  <p:clrMapOvr>
+    <a:masterClrMapping/>
+  </p:clrMapOvr>
+</p:notes>
+</file>
+
+<file path=ppt/notesSlides/notesSlide4.xml><?xml version="1.0" encoding="utf-8"?>
+<p:notes xmlns:a="http://schemas.openxmlformats.org/drawingml/2006/main" xmlns:r="http://schemas.openxmlformats.org/officeDocument/2006/relationships" xmlns:p="http://schemas.openxmlformats.org/presentationml/2006/main">
+  <p:cSld>
+    <p:spTree>
+      <p:nvGrpSpPr>
+        <p:cNvPr id="1" name=""/>
+        <p:cNvGrpSpPr/>
+        <p:nvPr/>
+      </p:nvGrpSpPr>
+      <p:grpSpPr>
+        <a:xfrm>
+          <a:off x="0" y="0"/>
+          <a:ext cx="0" cy="0"/>
+          <a:chOff x="0" y="0"/>
+          <a:chExt cx="0" cy="0"/>
+        </a:xfrm>
+      </p:grpSpPr>
+      <p:sp>
+        <p:nvSpPr>
+          <p:cNvPr id="2" name="Folienbildplatzhalter 1"/>
+          <p:cNvSpPr>
+            <a:spLocks noGrp="1" noRot="1" noChangeAspect="1"/>
+          </p:cNvSpPr>
+          <p:nvPr>
+            <p:ph type="sldImg"/>
+          </p:nvPr>
+        </p:nvSpPr>
+        <p:spPr/>
+      </p:sp>
+      <p:sp>
+        <p:nvSpPr>
+          <p:cNvPr id="3" name="Notizenplatzhalter 2"/>
+          <p:cNvSpPr>
+            <a:spLocks noGrp="1"/>
+          </p:cNvSpPr>
+          <p:nvPr>
+            <p:ph type="body" idx="1"/>
+          </p:nvPr>
+        </p:nvSpPr>
+        <p:spPr/>
+        <p:txBody>
+          <a:bodyPr/>
+          <a:lstStyle/>
+          <a:p>
+            <a:pPr marL="0" marR="0" lvl="0" indent="0" algn="l" defTabSz="914400" rtl="0" eaLnBrk="1" fontAlgn="auto" latinLnBrk="0" hangingPunct="1">
+              <a:lnSpc>
+                <a:spcPct val="100000"/>
+              </a:lnSpc>
+              <a:spcBef>
+                <a:spcPts val="0"/>
+              </a:spcBef>
+              <a:spcAft>
+                <a:spcPts val="0"/>
+              </a:spcAft>
+              <a:buClrTx/>
+              <a:buSzTx/>
+              <a:buFontTx/>
+              <a:buNone/>
+              <a:tabLst/>
+              <a:defRPr/>
+            </a:pPr>
+            <a:r>
+              <a:rPr lang="de-AT" dirty="0" smtClean="0"/>
+              <a:t>1) </a:t>
+            </a:r>
+            <a:r>
+              <a:rPr lang="de-AT" sz="1200" kern="1200" dirty="0" smtClean="0">
+                <a:solidFill>
+                  <a:schemeClr val="tx1"/>
+                </a:solidFill>
+                <a:effectLst/>
+                <a:latin typeface="+mn-lt"/>
+                <a:ea typeface="+mn-ea"/>
+                <a:cs typeface="+mn-cs"/>
+              </a:rPr>
+              <a:t>Jede Benutzergruppe sieht den Ausschnitt der Datenbank, der für sie von Bedeutung ist. Die Daten werden so dargestellt, wie es für die Benutzer wünschenswert oder leicht anschaulich ist. </a:t>
+            </a:r>
+          </a:p>
+          <a:p>
+            <a:endParaRPr lang="de-AT" dirty="0" smtClean="0"/>
+          </a:p>
+          <a:p>
+            <a:pPr marL="0" marR="0" lvl="0" indent="0" algn="l" defTabSz="914400" rtl="0" eaLnBrk="1" fontAlgn="auto" latinLnBrk="0" hangingPunct="1">
+              <a:lnSpc>
+                <a:spcPct val="100000"/>
+              </a:lnSpc>
+              <a:spcBef>
+                <a:spcPts val="0"/>
+              </a:spcBef>
+              <a:spcAft>
+                <a:spcPts val="0"/>
+              </a:spcAft>
+              <a:buClrTx/>
+              <a:buSzTx/>
+              <a:buFontTx/>
+              <a:buNone/>
+              <a:tabLst/>
+              <a:defRPr/>
+            </a:pPr>
+            <a:r>
+              <a:rPr lang="de-AT" dirty="0" smtClean="0"/>
+              <a:t>2) </a:t>
+            </a:r>
+            <a:r>
+              <a:rPr lang="de-AT" sz="1200" kern="1200" dirty="0" smtClean="0">
+                <a:solidFill>
+                  <a:schemeClr val="tx1"/>
+                </a:solidFill>
+                <a:effectLst/>
+                <a:latin typeface="+mn-lt"/>
+                <a:ea typeface="+mn-ea"/>
+                <a:cs typeface="+mn-cs"/>
+              </a:rPr>
+              <a:t>In der Datenbank sind alle wichtigen Daten zusammengefasst. Um die Datenbank zu erstellen zu können, ist eine Gesamtschau der Daten notwendig. Alle Daten müssen zunächst auf logischer Ebene in Form von Informationseinheiten und deren Beziehungen untereinander beschrieben werden, aber unabhängig von EDV-Gesichtspunkten. Diese Beschreibung der Gesamtheit der Unternehmensdaten nennen wir logische Gesamtschicht. </a:t>
+            </a:r>
+          </a:p>
+          <a:p>
+            <a:endParaRPr lang="de-AT" dirty="0" smtClean="0"/>
+          </a:p>
+          <a:p>
+            <a:r>
+              <a:rPr lang="de-AT" dirty="0" smtClean="0"/>
+              <a:t>3) </a:t>
+            </a:r>
+            <a:r>
+              <a:rPr lang="de-AT" sz="1200" kern="1200" dirty="0" smtClean="0">
+                <a:solidFill>
+                  <a:schemeClr val="tx1"/>
+                </a:solidFill>
+                <a:effectLst/>
+                <a:latin typeface="+mn-lt"/>
+                <a:ea typeface="+mn-ea"/>
+                <a:cs typeface="+mn-cs"/>
+              </a:rPr>
+              <a:t>Die Daten müssen auf den Speicher so organisiert werden, dass die Zugriffsanforderungen der verschiedenen Benutzer möglichst effizient erfüllt werden können.</a:t>
+            </a:r>
+            <a:br>
+              <a:rPr lang="de-AT" sz="1200" kern="1200" dirty="0" smtClean="0">
+                <a:solidFill>
+                  <a:schemeClr val="tx1"/>
+                </a:solidFill>
+                <a:effectLst/>
+                <a:latin typeface="+mn-lt"/>
+                <a:ea typeface="+mn-ea"/>
+                <a:cs typeface="+mn-cs"/>
+              </a:rPr>
+            </a:br>
+            <a:endParaRPr lang="de-AT" dirty="0"/>
+          </a:p>
+        </p:txBody>
+      </p:sp>
+      <p:sp>
+        <p:nvSpPr>
+          <p:cNvPr id="4" name="Foliennummernplatzhalter 3"/>
+          <p:cNvSpPr>
+            <a:spLocks noGrp="1"/>
+          </p:cNvSpPr>
+          <p:nvPr>
+            <p:ph type="sldNum" sz="quarter" idx="10"/>
+          </p:nvPr>
+        </p:nvSpPr>
+        <p:spPr/>
+        <p:txBody>
+          <a:bodyPr/>
+          <a:lstStyle/>
+          <a:p>
+            <a:fld id="{40443D88-C795-4A05-8385-807CDE274C8A}" type="slidenum">
+              <a:rPr lang="de-AT" smtClean="0"/>
+              <a:t>11</a:t>
+            </a:fld>
+            <a:endParaRPr lang="de-AT"/>
+          </a:p>
+        </p:txBody>
+      </p:sp>
+    </p:spTree>
+    <p:extLst>
+      <p:ext uri="{BB962C8B-B14F-4D97-AF65-F5344CB8AC3E}">
+        <p14:creationId xmlns:p14="http://schemas.microsoft.com/office/powerpoint/2010/main" val="353518902"/>
+      </p:ext>
+    </p:extLst>
+  </p:cSld>
+  <p:clrMapOvr>
+    <a:masterClrMapping/>
+  </p:clrMapOvr>
+</p:notes>
+</file>
+
+<file path=ppt/notesSlides/notesSlide5.xml><?xml version="1.0" encoding="utf-8"?>
+<p:notes xmlns:a="http://schemas.openxmlformats.org/drawingml/2006/main" xmlns:r="http://schemas.openxmlformats.org/officeDocument/2006/relationships" xmlns:p="http://schemas.openxmlformats.org/presentationml/2006/main">
+  <p:cSld>
+    <p:spTree>
+      <p:nvGrpSpPr>
+        <p:cNvPr id="1" name=""/>
+        <p:cNvGrpSpPr/>
+        <p:nvPr/>
+      </p:nvGrpSpPr>
+      <p:grpSpPr>
+        <a:xfrm>
+          <a:off x="0" y="0"/>
+          <a:ext cx="0" cy="0"/>
+          <a:chOff x="0" y="0"/>
+          <a:chExt cx="0" cy="0"/>
+        </a:xfrm>
+      </p:grpSpPr>
+      <p:sp>
+        <p:nvSpPr>
+          <p:cNvPr id="2" name="Folienbildplatzhalter 1"/>
+          <p:cNvSpPr>
+            <a:spLocks noGrp="1" noRot="1" noChangeAspect="1"/>
+          </p:cNvSpPr>
+          <p:nvPr>
+            <p:ph type="sldImg"/>
+          </p:nvPr>
+        </p:nvSpPr>
+        <p:spPr/>
+      </p:sp>
+      <p:sp>
+        <p:nvSpPr>
+          <p:cNvPr id="3" name="Notizenplatzhalter 2"/>
+          <p:cNvSpPr>
+            <a:spLocks noGrp="1"/>
+          </p:cNvSpPr>
+          <p:nvPr>
+            <p:ph type="body" idx="1"/>
+          </p:nvPr>
+        </p:nvSpPr>
+        <p:spPr/>
+        <p:txBody>
+          <a:bodyPr/>
+          <a:lstStyle/>
+          <a:p>
+            <a:endParaRPr lang="de-AT" dirty="0"/>
+          </a:p>
+        </p:txBody>
+      </p:sp>
+      <p:sp>
+        <p:nvSpPr>
+          <p:cNvPr id="4" name="Foliennummernplatzhalter 3"/>
+          <p:cNvSpPr>
+            <a:spLocks noGrp="1"/>
+          </p:cNvSpPr>
+          <p:nvPr>
+            <p:ph type="sldNum" sz="quarter" idx="10"/>
+          </p:nvPr>
+        </p:nvSpPr>
+        <p:spPr/>
+        <p:txBody>
+          <a:bodyPr/>
+          <a:lstStyle/>
+          <a:p>
+            <a:fld id="{40443D88-C795-4A05-8385-807CDE274C8A}" type="slidenum">
+              <a:rPr lang="de-AT" smtClean="0"/>
+              <a:t>13</a:t>
+            </a:fld>
+            <a:endParaRPr lang="de-AT"/>
+          </a:p>
+        </p:txBody>
+      </p:sp>
+    </p:spTree>
+    <p:extLst>
+      <p:ext uri="{BB962C8B-B14F-4D97-AF65-F5344CB8AC3E}">
+        <p14:creationId xmlns:p14="http://schemas.microsoft.com/office/powerpoint/2010/main" val="4114327642"/>
+      </p:ext>
+    </p:extLst>
+  </p:cSld>
+  <p:clrMapOvr>
+    <a:masterClrMapping/>
+  </p:clrMapOvr>
+</p:notes>
+</file>
+
+<file path=ppt/notesSlides/notesSlide6.xml><?xml version="1.0" encoding="utf-8"?>
+<p:notes xmlns:a="http://schemas.openxmlformats.org/drawingml/2006/main" xmlns:r="http://schemas.openxmlformats.org/officeDocument/2006/relationships" xmlns:p="http://schemas.openxmlformats.org/presentationml/2006/main">
+  <p:cSld>
+    <p:spTree>
+      <p:nvGrpSpPr>
+        <p:cNvPr id="1" name=""/>
+        <p:cNvGrpSpPr/>
+        <p:nvPr/>
+      </p:nvGrpSpPr>
+      <p:grpSpPr>
+        <a:xfrm>
+          <a:off x="0" y="0"/>
+          <a:ext cx="0" cy="0"/>
+          <a:chOff x="0" y="0"/>
+          <a:chExt cx="0" cy="0"/>
+        </a:xfrm>
+      </p:grpSpPr>
+      <p:sp>
+        <p:nvSpPr>
+          <p:cNvPr id="2" name="Folienbildplatzhalter 1"/>
+          <p:cNvSpPr>
+            <a:spLocks noGrp="1" noRot="1" noChangeAspect="1"/>
+          </p:cNvSpPr>
+          <p:nvPr>
+            <p:ph type="sldImg"/>
+          </p:nvPr>
+        </p:nvSpPr>
+        <p:spPr/>
+      </p:sp>
+      <p:sp>
+        <p:nvSpPr>
+          <p:cNvPr id="3" name="Notizenplatzhalter 2"/>
+          <p:cNvSpPr>
+            <a:spLocks noGrp="1"/>
+          </p:cNvSpPr>
+          <p:nvPr>
+            <p:ph type="body" idx="1"/>
+          </p:nvPr>
+        </p:nvSpPr>
+        <p:spPr/>
+        <p:txBody>
+          <a:bodyPr/>
+          <a:lstStyle/>
+          <a:p>
+            <a:endParaRPr lang="de-AT" dirty="0"/>
+          </a:p>
+        </p:txBody>
+      </p:sp>
+      <p:sp>
+        <p:nvSpPr>
+          <p:cNvPr id="4" name="Foliennummernplatzhalter 3"/>
+          <p:cNvSpPr>
+            <a:spLocks noGrp="1"/>
+          </p:cNvSpPr>
+          <p:nvPr>
+            <p:ph type="sldNum" sz="quarter" idx="10"/>
+          </p:nvPr>
+        </p:nvSpPr>
+        <p:spPr/>
+        <p:txBody>
+          <a:bodyPr/>
+          <a:lstStyle/>
+          <a:p>
+            <a:fld id="{40443D88-C795-4A05-8385-807CDE274C8A}" type="slidenum">
+              <a:rPr lang="de-AT" smtClean="0"/>
+              <a:t>17</a:t>
+            </a:fld>
+            <a:endParaRPr lang="de-AT"/>
+          </a:p>
+        </p:txBody>
+      </p:sp>
+    </p:spTree>
+    <p:extLst>
+      <p:ext uri="{BB962C8B-B14F-4D97-AF65-F5344CB8AC3E}">
+        <p14:creationId xmlns:p14="http://schemas.microsoft.com/office/powerpoint/2010/main" val="1514407502"/>
+      </p:ext>
+    </p:extLst>
+  </p:cSld>
+  <p:clrMapOvr>
+    <a:masterClrMapping/>
+  </p:clrMapOvr>
+</p:notes>
+</file>
+
+<file path=ppt/notesSlides/notesSlide7.xml><?xml version="1.0" encoding="utf-8"?>
+<p:notes xmlns:a="http://schemas.openxmlformats.org/drawingml/2006/main" xmlns:r="http://schemas.openxmlformats.org/officeDocument/2006/relationships" xmlns:p="http://schemas.openxmlformats.org/presentationml/2006/main">
+  <p:cSld>
+    <p:spTree>
+      <p:nvGrpSpPr>
+        <p:cNvPr id="1" name=""/>
+        <p:cNvGrpSpPr/>
+        <p:nvPr/>
+      </p:nvGrpSpPr>
+      <p:grpSpPr>
+        <a:xfrm>
+          <a:off x="0" y="0"/>
+          <a:ext cx="0" cy="0"/>
+          <a:chOff x="0" y="0"/>
+          <a:chExt cx="0" cy="0"/>
+        </a:xfrm>
+      </p:grpSpPr>
+      <p:sp>
+        <p:nvSpPr>
+          <p:cNvPr id="2" name="Folienbildplatzhalter 1"/>
+          <p:cNvSpPr>
+            <a:spLocks noGrp="1" noRot="1" noChangeAspect="1"/>
+          </p:cNvSpPr>
+          <p:nvPr>
+            <p:ph type="sldImg"/>
+          </p:nvPr>
+        </p:nvSpPr>
+        <p:spPr/>
+      </p:sp>
+      <p:sp>
+        <p:nvSpPr>
+          <p:cNvPr id="3" name="Notizenplatzhalter 2"/>
+          <p:cNvSpPr>
+            <a:spLocks noGrp="1"/>
+          </p:cNvSpPr>
+          <p:nvPr>
+            <p:ph type="body" idx="1"/>
+          </p:nvPr>
+        </p:nvSpPr>
+        <p:spPr/>
+        <p:txBody>
+          <a:bodyPr/>
+          <a:lstStyle/>
+          <a:p>
             <a:r>
               <a:rPr lang="de-AT" dirty="0" smtClean="0"/>
               <a:t>Pre-shared Key: </a:t>
@@ -613,7 +1533,7 @@
           <a:p>
             <a:fld id="{40443D88-C795-4A05-8385-807CDE274C8A}" type="slidenum">
               <a:rPr lang="de-AT" smtClean="0"/>
-              <a:t>22</a:t>
+              <a:t>24</a:t>
             </a:fld>
             <a:endParaRPr lang="de-AT"/>
           </a:p>
@@ -845,7 +1765,7 @@
           <a:p>
             <a:fld id="{9A7F701A-BCFD-492B-929B-F1C38C57F2AA}" type="datetimeFigureOut">
               <a:rPr lang="de-AT" smtClean="0"/>
-              <a:t>17.12.2014</a:t>
+              <a:t>18.12.2014</a:t>
             </a:fld>
             <a:endParaRPr lang="de-AT"/>
           </a:p>
@@ -1136,7 +2056,7 @@
           <a:p>
             <a:fld id="{9A7F701A-BCFD-492B-929B-F1C38C57F2AA}" type="datetimeFigureOut">
               <a:rPr lang="de-AT" smtClean="0"/>
-              <a:t>17.12.2014</a:t>
+              <a:t>18.12.2014</a:t>
             </a:fld>
             <a:endParaRPr lang="de-AT"/>
           </a:p>
@@ -1395,7 +2315,7 @@
           <a:p>
             <a:fld id="{9A7F701A-BCFD-492B-929B-F1C38C57F2AA}" type="datetimeFigureOut">
               <a:rPr lang="de-AT" smtClean="0"/>
-              <a:t>17.12.2014</a:t>
+              <a:t>18.12.2014</a:t>
             </a:fld>
             <a:endParaRPr lang="de-AT"/>
           </a:p>
@@ -1864,7 +2784,7 @@
           <a:p>
             <a:fld id="{9A7F701A-BCFD-492B-929B-F1C38C57F2AA}" type="datetimeFigureOut">
               <a:rPr lang="de-AT" smtClean="0"/>
-              <a:t>17.12.2014</a:t>
+              <a:t>18.12.2014</a:t>
             </a:fld>
             <a:endParaRPr lang="de-AT"/>
           </a:p>
@@ -2044,7 +2964,7 @@
           <a:p>
             <a:fld id="{9A7F701A-BCFD-492B-929B-F1C38C57F2AA}" type="datetimeFigureOut">
               <a:rPr lang="de-AT" smtClean="0"/>
-              <a:t>17.12.2014</a:t>
+              <a:t>18.12.2014</a:t>
             </a:fld>
             <a:endParaRPr lang="de-AT"/>
           </a:p>
@@ -2620,7 +3540,7 @@
           <a:p>
             <a:fld id="{9A7F701A-BCFD-492B-929B-F1C38C57F2AA}" type="datetimeFigureOut">
               <a:rPr lang="de-AT" smtClean="0"/>
-              <a:t>17.12.2014</a:t>
+              <a:t>18.12.2014</a:t>
             </a:fld>
             <a:endParaRPr lang="de-AT"/>
           </a:p>
@@ -2952,7 +3872,7 @@
           <a:p>
             <a:fld id="{9A7F701A-BCFD-492B-929B-F1C38C57F2AA}" type="datetimeFigureOut">
               <a:rPr lang="de-AT" smtClean="0"/>
-              <a:t>17.12.2014</a:t>
+              <a:t>18.12.2014</a:t>
             </a:fld>
             <a:endParaRPr lang="de-AT"/>
           </a:p>
@@ -3127,7 +4047,7 @@
           <a:p>
             <a:fld id="{9A7F701A-BCFD-492B-929B-F1C38C57F2AA}" type="datetimeFigureOut">
               <a:rPr lang="de-AT" smtClean="0"/>
-              <a:t>17.12.2014</a:t>
+              <a:t>18.12.2014</a:t>
             </a:fld>
             <a:endParaRPr lang="de-AT"/>
           </a:p>
@@ -3307,7 +4227,7 @@
           <a:p>
             <a:fld id="{9A7F701A-BCFD-492B-929B-F1C38C57F2AA}" type="datetimeFigureOut">
               <a:rPr lang="de-AT" smtClean="0"/>
-              <a:t>17.12.2014</a:t>
+              <a:t>18.12.2014</a:t>
             </a:fld>
             <a:endParaRPr lang="de-AT"/>
           </a:p>
@@ -3477,7 +4397,7 @@
           <a:p>
             <a:fld id="{9A7F701A-BCFD-492B-929B-F1C38C57F2AA}" type="datetimeFigureOut">
               <a:rPr lang="de-AT" smtClean="0"/>
-              <a:t>17.12.2014</a:t>
+              <a:t>18.12.2014</a:t>
             </a:fld>
             <a:endParaRPr lang="de-AT"/>
           </a:p>
@@ -3734,7 +4654,7 @@
           <a:p>
             <a:fld id="{9A7F701A-BCFD-492B-929B-F1C38C57F2AA}" type="datetimeFigureOut">
               <a:rPr lang="de-AT" smtClean="0"/>
-              <a:t>17.12.2014</a:t>
+              <a:t>18.12.2014</a:t>
             </a:fld>
             <a:endParaRPr lang="de-AT"/>
           </a:p>
@@ -4026,7 +4946,7 @@
           <a:p>
             <a:fld id="{9A7F701A-BCFD-492B-929B-F1C38C57F2AA}" type="datetimeFigureOut">
               <a:rPr lang="de-AT" smtClean="0"/>
-              <a:t>17.12.2014</a:t>
+              <a:t>18.12.2014</a:t>
             </a:fld>
             <a:endParaRPr lang="de-AT"/>
           </a:p>
@@ -4456,7 +5376,7 @@
           <a:p>
             <a:fld id="{9A7F701A-BCFD-492B-929B-F1C38C57F2AA}" type="datetimeFigureOut">
               <a:rPr lang="de-AT" smtClean="0"/>
-              <a:t>17.12.2014</a:t>
+              <a:t>18.12.2014</a:t>
             </a:fld>
             <a:endParaRPr lang="de-AT"/>
           </a:p>
@@ -4574,7 +5494,7 @@
           <a:p>
             <a:fld id="{9A7F701A-BCFD-492B-929B-F1C38C57F2AA}" type="datetimeFigureOut">
               <a:rPr lang="de-AT" smtClean="0"/>
-              <a:t>17.12.2014</a:t>
+              <a:t>18.12.2014</a:t>
             </a:fld>
             <a:endParaRPr lang="de-AT"/>
           </a:p>
@@ -4669,7 +5589,7 @@
           <a:p>
             <a:fld id="{9A7F701A-BCFD-492B-929B-F1C38C57F2AA}" type="datetimeFigureOut">
               <a:rPr lang="de-AT" smtClean="0"/>
-              <a:t>17.12.2014</a:t>
+              <a:t>18.12.2014</a:t>
             </a:fld>
             <a:endParaRPr lang="de-AT"/>
           </a:p>
@@ -4952,7 +5872,7 @@
           <a:p>
             <a:fld id="{9A7F701A-BCFD-492B-929B-F1C38C57F2AA}" type="datetimeFigureOut">
               <a:rPr lang="de-AT" smtClean="0"/>
-              <a:t>17.12.2014</a:t>
+              <a:t>18.12.2014</a:t>
             </a:fld>
             <a:endParaRPr lang="de-AT"/>
           </a:p>
@@ -5243,7 +6163,7 @@
           <a:p>
             <a:fld id="{9A7F701A-BCFD-492B-929B-F1C38C57F2AA}" type="datetimeFigureOut">
               <a:rPr lang="de-AT" smtClean="0"/>
-              <a:t>17.12.2014</a:t>
+              <a:t>18.12.2014</a:t>
             </a:fld>
             <a:endParaRPr lang="de-AT"/>
           </a:p>
@@ -5474,7 +6394,7 @@
           <a:p>
             <a:fld id="{9A7F701A-BCFD-492B-929B-F1C38C57F2AA}" type="datetimeFigureOut">
               <a:rPr lang="de-AT" smtClean="0"/>
-              <a:t>17.12.2014</a:t>
+              <a:t>18.12.2014</a:t>
             </a:fld>
             <a:endParaRPr lang="de-AT"/>
           </a:p>
@@ -6273,7 +7193,11 @@
             </a:br>
             <a:r>
               <a:rPr lang="de-AT" dirty="0" smtClean="0"/>
-              <a:t>Datenbanken</a:t>
+              <a:t>Datenbanken - SQL</a:t>
+            </a:r>
+            <a:r>
+              <a:rPr lang="de-AT" dirty="0" smtClean="0"/>
+              <a:t/>
             </a:r>
             <a:br>
               <a:rPr lang="de-AT" dirty="0" smtClean="0"/>
@@ -6607,7 +7531,12 @@
             <p:ph idx="1"/>
           </p:nvPr>
         </p:nvSpPr>
-        <p:spPr/>
+        <p:spPr>
+          <a:xfrm>
+            <a:off x="1141413" y="1260230"/>
+            <a:ext cx="9905998" cy="3124201"/>
+          </a:xfrm>
+        </p:spPr>
         <p:txBody>
           <a:bodyPr/>
           <a:lstStyle/>
@@ -6621,26 +7550,46 @@
             <a:pPr lvl="1"/>
             <a:r>
               <a:rPr lang="de-AT" dirty="0" smtClean="0"/>
-              <a:t>1:1 Beziehung</a:t>
-            </a:r>
-          </a:p>
-          <a:p>
-            <a:pPr lvl="1"/>
-            <a:r>
-              <a:rPr lang="de-AT" dirty="0" smtClean="0"/>
-              <a:t>1:N Beziehung</a:t>
-            </a:r>
-          </a:p>
-          <a:p>
-            <a:pPr lvl="1"/>
-            <a:r>
-              <a:rPr lang="de-AT" dirty="0" smtClean="0"/>
-              <a:t>N:1 Beziehung</a:t>
+              <a:t>1:1 </a:t>
+            </a:r>
+            <a:r>
+              <a:rPr lang="de-AT" dirty="0" smtClean="0"/>
+              <a:t>Beziehung</a:t>
             </a:r>
             <a:endParaRPr lang="de-AT" dirty="0"/>
           </a:p>
-        </p:txBody>
-      </p:sp>
+          <a:p>
+            <a:pPr marL="457200" lvl="1" indent="0">
+              <a:buNone/>
+            </a:pPr>
+            <a:endParaRPr lang="de-AT" dirty="0" smtClean="0"/>
+          </a:p>
+        </p:txBody>
+      </p:sp>
+      <p:pic>
+        <p:nvPicPr>
+          <p:cNvPr id="5" name="Grafik 4"/>
+          <p:cNvPicPr>
+            <a:picLocks noChangeAspect="1"/>
+          </p:cNvPicPr>
+          <p:nvPr/>
+        </p:nvPicPr>
+        <p:blipFill>
+          <a:blip r:embed="rId2"/>
+          <a:stretch>
+            <a:fillRect/>
+          </a:stretch>
+        </p:blipFill>
+        <p:spPr>
+          <a:xfrm>
+            <a:off x="2769045" y="2975768"/>
+            <a:ext cx="5348014" cy="3640780"/>
+          </a:xfrm>
+          <a:prstGeom prst="rect">
+            <a:avLst/>
+          </a:prstGeom>
+        </p:spPr>
+      </p:pic>
     </p:spTree>
     <p:extLst>
       <p:ext uri="{BB962C8B-B14F-4D97-AF65-F5344CB8AC3E}">
@@ -6687,6 +7636,234 @@
           <a:lstStyle/>
           <a:p>
             <a:r>
+              <a:rPr lang="de-AT" dirty="0" smtClean="0"/>
+              <a:t>Beziehungen</a:t>
+            </a:r>
+            <a:endParaRPr lang="de-AT" dirty="0"/>
+          </a:p>
+        </p:txBody>
+      </p:sp>
+      <p:sp>
+        <p:nvSpPr>
+          <p:cNvPr id="3" name="Inhaltsplatzhalter 2"/>
+          <p:cNvSpPr>
+            <a:spLocks noGrp="1"/>
+          </p:cNvSpPr>
+          <p:nvPr>
+            <p:ph idx="1"/>
+          </p:nvPr>
+        </p:nvSpPr>
+        <p:spPr>
+          <a:xfrm>
+            <a:off x="1141413" y="1260230"/>
+            <a:ext cx="9905998" cy="3124201"/>
+          </a:xfrm>
+        </p:spPr>
+        <p:txBody>
+          <a:bodyPr/>
+          <a:lstStyle/>
+          <a:p>
+            <a:pPr lvl="1"/>
+            <a:r>
+              <a:rPr lang="de-AT" dirty="0" smtClean="0"/>
+              <a:t>1:N Beziehung</a:t>
+            </a:r>
+            <a:endParaRPr lang="de-AT" dirty="0"/>
+          </a:p>
+          <a:p>
+            <a:pPr marL="457200" lvl="1" indent="0">
+              <a:buNone/>
+            </a:pPr>
+            <a:endParaRPr lang="de-AT" dirty="0" smtClean="0"/>
+          </a:p>
+        </p:txBody>
+      </p:sp>
+      <p:pic>
+        <p:nvPicPr>
+          <p:cNvPr id="6" name="Grafik 5"/>
+          <p:cNvPicPr>
+            <a:picLocks noChangeAspect="1"/>
+          </p:cNvPicPr>
+          <p:nvPr/>
+        </p:nvPicPr>
+        <p:blipFill>
+          <a:blip r:embed="rId3"/>
+          <a:stretch>
+            <a:fillRect/>
+          </a:stretch>
+        </p:blipFill>
+        <p:spPr>
+          <a:xfrm>
+            <a:off x="1864794" y="2822330"/>
+            <a:ext cx="7055641" cy="3828721"/>
+          </a:xfrm>
+          <a:prstGeom prst="rect">
+            <a:avLst/>
+          </a:prstGeom>
+        </p:spPr>
+      </p:pic>
+    </p:spTree>
+    <p:extLst>
+      <p:ext uri="{BB962C8B-B14F-4D97-AF65-F5344CB8AC3E}">
+        <p14:creationId xmlns:p14="http://schemas.microsoft.com/office/powerpoint/2010/main" val="2332283337"/>
+      </p:ext>
+    </p:extLst>
+  </p:cSld>
+  <p:clrMapOvr>
+    <a:masterClrMapping/>
+  </p:clrMapOvr>
+</p:sld>
+</file>
+
+<file path=ppt/slides/slide14.xml><?xml version="1.0" encoding="utf-8"?>
+<p:sld xmlns:a="http://schemas.openxmlformats.org/drawingml/2006/main" xmlns:r="http://schemas.openxmlformats.org/officeDocument/2006/relationships" xmlns:p="http://schemas.openxmlformats.org/presentationml/2006/main">
+  <p:cSld>
+    <p:spTree>
+      <p:nvGrpSpPr>
+        <p:cNvPr id="1" name=""/>
+        <p:cNvGrpSpPr/>
+        <p:nvPr/>
+      </p:nvGrpSpPr>
+      <p:grpSpPr>
+        <a:xfrm>
+          <a:off x="0" y="0"/>
+          <a:ext cx="0" cy="0"/>
+          <a:chOff x="0" y="0"/>
+          <a:chExt cx="0" cy="0"/>
+        </a:xfrm>
+      </p:grpSpPr>
+      <p:sp>
+        <p:nvSpPr>
+          <p:cNvPr id="2" name="Titel 1"/>
+          <p:cNvSpPr>
+            <a:spLocks noGrp="1"/>
+          </p:cNvSpPr>
+          <p:nvPr>
+            <p:ph type="title"/>
+          </p:nvPr>
+        </p:nvSpPr>
+        <p:spPr/>
+        <p:txBody>
+          <a:bodyPr/>
+          <a:lstStyle/>
+          <a:p>
+            <a:r>
+              <a:rPr lang="de-AT" dirty="0" smtClean="0"/>
+              <a:t>Beziehungen</a:t>
+            </a:r>
+            <a:endParaRPr lang="de-AT" dirty="0"/>
+          </a:p>
+        </p:txBody>
+      </p:sp>
+      <p:sp>
+        <p:nvSpPr>
+          <p:cNvPr id="3" name="Inhaltsplatzhalter 2"/>
+          <p:cNvSpPr>
+            <a:spLocks noGrp="1"/>
+          </p:cNvSpPr>
+          <p:nvPr>
+            <p:ph idx="1"/>
+          </p:nvPr>
+        </p:nvSpPr>
+        <p:spPr>
+          <a:xfrm>
+            <a:off x="1141413" y="1260230"/>
+            <a:ext cx="9905998" cy="3124201"/>
+          </a:xfrm>
+        </p:spPr>
+        <p:txBody>
+          <a:bodyPr/>
+          <a:lstStyle/>
+          <a:p>
+            <a:pPr lvl="1"/>
+            <a:r>
+              <a:rPr lang="de-AT" dirty="0" smtClean="0"/>
+              <a:t>N</a:t>
+            </a:r>
+            <a:r>
+              <a:rPr lang="de-AT" dirty="0" smtClean="0"/>
+              <a:t>:1 Beziehung</a:t>
+            </a:r>
+            <a:endParaRPr lang="de-AT" dirty="0"/>
+          </a:p>
+          <a:p>
+            <a:pPr marL="457200" lvl="1" indent="0">
+              <a:buNone/>
+            </a:pPr>
+            <a:endParaRPr lang="de-AT" dirty="0" smtClean="0"/>
+          </a:p>
+        </p:txBody>
+      </p:sp>
+      <p:pic>
+        <p:nvPicPr>
+          <p:cNvPr id="4" name="Grafik 3"/>
+          <p:cNvPicPr>
+            <a:picLocks noChangeAspect="1"/>
+          </p:cNvPicPr>
+          <p:nvPr/>
+        </p:nvPicPr>
+        <p:blipFill>
+          <a:blip r:embed="rId2"/>
+          <a:stretch>
+            <a:fillRect/>
+          </a:stretch>
+        </p:blipFill>
+        <p:spPr>
+          <a:xfrm>
+            <a:off x="1632608" y="2822330"/>
+            <a:ext cx="5359035" cy="3913009"/>
+          </a:xfrm>
+          <a:prstGeom prst="rect">
+            <a:avLst/>
+          </a:prstGeom>
+        </p:spPr>
+      </p:pic>
+    </p:spTree>
+    <p:extLst>
+      <p:ext uri="{BB962C8B-B14F-4D97-AF65-F5344CB8AC3E}">
+        <p14:creationId xmlns:p14="http://schemas.microsoft.com/office/powerpoint/2010/main" val="437498085"/>
+      </p:ext>
+    </p:extLst>
+  </p:cSld>
+  <p:clrMapOvr>
+    <a:masterClrMapping/>
+  </p:clrMapOvr>
+</p:sld>
+</file>
+
+<file path=ppt/slides/slide15.xml><?xml version="1.0" encoding="utf-8"?>
+<p:sld xmlns:a="http://schemas.openxmlformats.org/drawingml/2006/main" xmlns:r="http://schemas.openxmlformats.org/officeDocument/2006/relationships" xmlns:p="http://schemas.openxmlformats.org/presentationml/2006/main">
+  <p:cSld>
+    <p:spTree>
+      <p:nvGrpSpPr>
+        <p:cNvPr id="1" name=""/>
+        <p:cNvGrpSpPr/>
+        <p:nvPr/>
+      </p:nvGrpSpPr>
+      <p:grpSpPr>
+        <a:xfrm>
+          <a:off x="0" y="0"/>
+          <a:ext cx="0" cy="0"/>
+          <a:chOff x="0" y="0"/>
+          <a:chExt cx="0" cy="0"/>
+        </a:xfrm>
+      </p:grpSpPr>
+      <p:sp>
+        <p:nvSpPr>
+          <p:cNvPr id="2" name="Titel 1"/>
+          <p:cNvSpPr>
+            <a:spLocks noGrp="1"/>
+          </p:cNvSpPr>
+          <p:nvPr>
+            <p:ph type="title"/>
+          </p:nvPr>
+        </p:nvSpPr>
+        <p:spPr/>
+        <p:txBody>
+          <a:bodyPr/>
+          <a:lstStyle/>
+          <a:p>
+            <a:r>
               <a:rPr lang="de-AT" dirty="0"/>
               <a:t>SQL - Structured Query Language</a:t>
             </a:r>
@@ -6743,7 +7920,7 @@
 </p:sld>
 </file>
 
-<file path=ppt/slides/slide14.xml><?xml version="1.0" encoding="utf-8"?>
+<file path=ppt/slides/slide16.xml><?xml version="1.0" encoding="utf-8"?>
 <p:sld xmlns:a="http://schemas.openxmlformats.org/drawingml/2006/main" xmlns:r="http://schemas.openxmlformats.org/officeDocument/2006/relationships" xmlns:p="http://schemas.openxmlformats.org/presentationml/2006/main">
   <p:cSld>
     <p:spTree>
@@ -6822,207 +7999,6 @@
 </p:sld>
 </file>
 
-<file path=ppt/slides/slide15.xml><?xml version="1.0" encoding="utf-8"?>
-<p:sld xmlns:a="http://schemas.openxmlformats.org/drawingml/2006/main" xmlns:r="http://schemas.openxmlformats.org/officeDocument/2006/relationships" xmlns:p="http://schemas.openxmlformats.org/presentationml/2006/main">
-  <p:cSld>
-    <p:spTree>
-      <p:nvGrpSpPr>
-        <p:cNvPr id="1" name=""/>
-        <p:cNvGrpSpPr/>
-        <p:nvPr/>
-      </p:nvGrpSpPr>
-      <p:grpSpPr>
-        <a:xfrm>
-          <a:off x="0" y="0"/>
-          <a:ext cx="0" cy="0"/>
-          <a:chOff x="0" y="0"/>
-          <a:chExt cx="0" cy="0"/>
-        </a:xfrm>
-      </p:grpSpPr>
-      <p:sp>
-        <p:nvSpPr>
-          <p:cNvPr id="2" name="Titel 1"/>
-          <p:cNvSpPr>
-            <a:spLocks noGrp="1"/>
-          </p:cNvSpPr>
-          <p:nvPr>
-            <p:ph type="title"/>
-          </p:nvPr>
-        </p:nvSpPr>
-        <p:spPr/>
-        <p:txBody>
-          <a:bodyPr/>
-          <a:lstStyle/>
-          <a:p>
-            <a:r>
-              <a:rPr lang="de-AT" dirty="0" smtClean="0"/>
-              <a:t>SQL - </a:t>
-            </a:r>
-            <a:r>
-              <a:rPr lang="de-AT" dirty="0" err="1" smtClean="0"/>
-              <a:t>Injections</a:t>
-            </a:r>
-            <a:endParaRPr lang="de-AT" dirty="0"/>
-          </a:p>
-        </p:txBody>
-      </p:sp>
-      <p:sp>
-        <p:nvSpPr>
-          <p:cNvPr id="3" name="Inhaltsplatzhalter 2"/>
-          <p:cNvSpPr>
-            <a:spLocks noGrp="1"/>
-          </p:cNvSpPr>
-          <p:nvPr>
-            <p:ph idx="1"/>
-          </p:nvPr>
-        </p:nvSpPr>
-        <p:spPr/>
-        <p:txBody>
-          <a:bodyPr/>
-          <a:lstStyle/>
-          <a:p>
-            <a:r>
-              <a:rPr lang="de-AT" dirty="0" smtClean="0"/>
-              <a:t>Werden für das Einschleusen in Webapplikationen benötigt</a:t>
-            </a:r>
-          </a:p>
-          <a:p>
-            <a:r>
-              <a:rPr lang="de-AT" dirty="0" smtClean="0"/>
-              <a:t>Große Sicherheitslücken können entstehen</a:t>
-            </a:r>
-          </a:p>
-          <a:p>
-            <a:r>
-              <a:rPr lang="de-AT" dirty="0" smtClean="0"/>
-              <a:t>Wichtigste Befehle: </a:t>
-            </a:r>
-          </a:p>
-          <a:p>
-            <a:pPr lvl="1"/>
-            <a:r>
-              <a:rPr lang="de-AT" dirty="0" smtClean="0"/>
-              <a:t>SELECT</a:t>
-            </a:r>
-          </a:p>
-          <a:p>
-            <a:pPr lvl="1"/>
-            <a:r>
-              <a:rPr lang="de-AT" dirty="0" smtClean="0"/>
-              <a:t>FROM</a:t>
-            </a:r>
-          </a:p>
-          <a:p>
-            <a:pPr lvl="1"/>
-            <a:r>
-              <a:rPr lang="de-AT" smtClean="0"/>
-              <a:t>WHERE</a:t>
-            </a:r>
-            <a:endParaRPr lang="de-AT" dirty="0"/>
-          </a:p>
-        </p:txBody>
-      </p:sp>
-    </p:spTree>
-    <p:extLst>
-      <p:ext uri="{BB962C8B-B14F-4D97-AF65-F5344CB8AC3E}">
-        <p14:creationId xmlns:p14="http://schemas.microsoft.com/office/powerpoint/2010/main" val="3131470069"/>
-      </p:ext>
-    </p:extLst>
-  </p:cSld>
-  <p:clrMapOvr>
-    <a:masterClrMapping/>
-  </p:clrMapOvr>
-</p:sld>
-</file>
-
-<file path=ppt/slides/slide16.xml><?xml version="1.0" encoding="utf-8"?>
-<p:sld xmlns:a="http://schemas.openxmlformats.org/drawingml/2006/main" xmlns:r="http://schemas.openxmlformats.org/officeDocument/2006/relationships" xmlns:p="http://schemas.openxmlformats.org/presentationml/2006/main">
-  <p:cSld>
-    <p:spTree>
-      <p:nvGrpSpPr>
-        <p:cNvPr id="1" name=""/>
-        <p:cNvGrpSpPr/>
-        <p:nvPr/>
-      </p:nvGrpSpPr>
-      <p:grpSpPr>
-        <a:xfrm>
-          <a:off x="0" y="0"/>
-          <a:ext cx="0" cy="0"/>
-          <a:chOff x="0" y="0"/>
-          <a:chExt cx="0" cy="0"/>
-        </a:xfrm>
-      </p:grpSpPr>
-      <p:sp>
-        <p:nvSpPr>
-          <p:cNvPr id="2" name="Titel 1"/>
-          <p:cNvSpPr>
-            <a:spLocks noGrp="1"/>
-          </p:cNvSpPr>
-          <p:nvPr>
-            <p:ph type="title"/>
-          </p:nvPr>
-        </p:nvSpPr>
-        <p:spPr/>
-        <p:txBody>
-          <a:bodyPr/>
-          <a:lstStyle/>
-          <a:p>
-            <a:r>
-              <a:rPr lang="de-AT" dirty="0" smtClean="0"/>
-              <a:t>Virtual Private Network</a:t>
-            </a:r>
-            <a:endParaRPr lang="de-AT" dirty="0"/>
-          </a:p>
-        </p:txBody>
-      </p:sp>
-      <p:sp>
-        <p:nvSpPr>
-          <p:cNvPr id="3" name="Inhaltsplatzhalter 2"/>
-          <p:cNvSpPr>
-            <a:spLocks noGrp="1"/>
-          </p:cNvSpPr>
-          <p:nvPr>
-            <p:ph idx="1"/>
-          </p:nvPr>
-        </p:nvSpPr>
-        <p:spPr/>
-        <p:txBody>
-          <a:bodyPr/>
-          <a:lstStyle/>
-          <a:p>
-            <a:r>
-              <a:rPr lang="de-AT" dirty="0" smtClean="0"/>
-              <a:t>Dient dazu, Teilnehmer eines privaten Netzwerks mit einem anderen Privaten Netzwerk zu verbinden (Bspw. Heimnetz Firmennetz)</a:t>
-            </a:r>
-          </a:p>
-          <a:p>
-            <a:r>
-              <a:rPr lang="de-AT" dirty="0" smtClean="0"/>
-              <a:t>Dadurch kann auf ein lokale Netzwerk zugegriffen werden, ohne anwesend sein zu müssen</a:t>
-            </a:r>
-          </a:p>
-          <a:p>
-            <a:r>
-              <a:rPr lang="de-AT" dirty="0" smtClean="0"/>
-              <a:t>VPN ist ein Softwareprodukt, welches eine Verschlüsselte Verbindung durch einen sog. Tunnel herstellt.</a:t>
-            </a:r>
-            <a:endParaRPr lang="de-AT" dirty="0"/>
-          </a:p>
-        </p:txBody>
-      </p:sp>
-    </p:spTree>
-    <p:extLst>
-      <p:ext uri="{BB962C8B-B14F-4D97-AF65-F5344CB8AC3E}">
-        <p14:creationId xmlns:p14="http://schemas.microsoft.com/office/powerpoint/2010/main" val="3261060894"/>
-      </p:ext>
-    </p:extLst>
-  </p:cSld>
-  <p:clrMapOvr>
-    <a:masterClrMapping/>
-  </p:clrMapOvr>
-</p:sld>
-</file>
-
 <file path=ppt/slides/slide17.xml><?xml version="1.0" encoding="utf-8"?>
 <p:sld xmlns:a="http://schemas.openxmlformats.org/drawingml/2006/main" xmlns:r="http://schemas.openxmlformats.org/officeDocument/2006/relationships" xmlns:p="http://schemas.openxmlformats.org/presentationml/2006/main">
   <p:cSld>
@@ -7056,8 +8032,12 @@
           <a:lstStyle/>
           <a:p>
             <a:r>
+              <a:rPr lang="de-AT" dirty="0" smtClean="0"/>
+              <a:t>SQL - </a:t>
+            </a:r>
+            <a:r>
               <a:rPr lang="de-AT" dirty="0" err="1" smtClean="0"/>
-              <a:t>Anwendunsszenarien</a:t>
+              <a:t>Injections</a:t>
             </a:r>
             <a:endParaRPr lang="de-AT" dirty="0"/>
           </a:p>
@@ -7080,41 +8060,79 @@
           <a:p>
             <a:r>
               <a:rPr lang="de-AT" dirty="0" smtClean="0"/>
-              <a:t>Netzwerkzugriff für Außendienstmitarbeiter (Client-to-LAN)</a:t>
-            </a:r>
-          </a:p>
-          <a:p>
-            <a:r>
-              <a:rPr lang="de-AT" dirty="0" smtClean="0"/>
-              <a:t>Verbindung mehrerer Unternehmensstandorte (LAN-to-LAN)</a:t>
-            </a:r>
-          </a:p>
-          <a:p>
-            <a:r>
-              <a:rPr lang="de-AT" dirty="0" smtClean="0"/>
-              <a:t>Umgehung von Zensur</a:t>
+              <a:t>Werden für das Einschleusen in Webapplikationen benötigt</a:t>
+            </a:r>
+          </a:p>
+          <a:p>
+            <a:r>
+              <a:rPr lang="de-AT" dirty="0" smtClean="0"/>
+              <a:t>Große Sicherheitslücken können entstehen</a:t>
+            </a:r>
+          </a:p>
+          <a:p>
+            <a:r>
+              <a:rPr lang="de-AT" dirty="0" smtClean="0"/>
+              <a:t>Wichtigste Befehle: </a:t>
             </a:r>
           </a:p>
           <a:p>
             <a:pPr lvl="1"/>
             <a:r>
               <a:rPr lang="de-AT" dirty="0" smtClean="0"/>
-              <a:t>Bspw. bei Standort in China od. Nordkorea</a:t>
-            </a:r>
-          </a:p>
-          <a:p>
-            <a:r>
-              <a:rPr lang="de-AT" dirty="0" smtClean="0"/>
-              <a:t>LAN-Spiele über Internet</a:t>
+              <a:t>SELECT</a:t>
+            </a:r>
+          </a:p>
+          <a:p>
+            <a:pPr lvl="1"/>
+            <a:r>
+              <a:rPr lang="de-AT" dirty="0" smtClean="0"/>
+              <a:t>FROM</a:t>
+            </a:r>
+          </a:p>
+          <a:p>
+            <a:pPr lvl="1"/>
+            <a:r>
+              <a:rPr lang="de-AT" smtClean="0"/>
+              <a:t>WHERE</a:t>
             </a:r>
             <a:endParaRPr lang="de-AT" dirty="0"/>
           </a:p>
         </p:txBody>
       </p:sp>
+      <p:pic>
+        <p:nvPicPr>
+          <p:cNvPr id="4" name="Grafik 3"/>
+          <p:cNvPicPr/>
+          <p:nvPr/>
+        </p:nvPicPr>
+        <p:blipFill>
+          <a:blip r:embed="rId3">
+            <a:lum bright="-50000"/>
+            <a:alphaModFix/>
+          </a:blip>
+          <a:srcRect/>
+          <a:stretch>
+            <a:fillRect/>
+          </a:stretch>
+        </p:blipFill>
+        <p:spPr>
+          <a:xfrm>
+            <a:off x="5593080" y="3966454"/>
+            <a:ext cx="5760720" cy="2470150"/>
+          </a:xfrm>
+          <a:prstGeom prst="rect">
+            <a:avLst/>
+          </a:prstGeom>
+          <a:noFill/>
+          <a:ln>
+            <a:noFill/>
+          </a:ln>
+        </p:spPr>
+      </p:pic>
     </p:spTree>
     <p:extLst>
       <p:ext uri="{BB962C8B-B14F-4D97-AF65-F5344CB8AC3E}">
-        <p14:creationId xmlns:p14="http://schemas.microsoft.com/office/powerpoint/2010/main" val="3939505784"/>
+        <p14:creationId xmlns:p14="http://schemas.microsoft.com/office/powerpoint/2010/main" val="3131470069"/>
       </p:ext>
     </p:extLst>
   </p:cSld>
@@ -7158,7 +8176,7 @@
           <a:p>
             <a:r>
               <a:rPr lang="de-AT" dirty="0" smtClean="0"/>
-              <a:t>Verbindungsaufbau</a:t>
+              <a:t>Virtual Private Network</a:t>
             </a:r>
             <a:endParaRPr lang="de-AT" dirty="0"/>
           </a:p>
@@ -7179,80 +8197,30 @@
           <a:bodyPr/>
           <a:lstStyle/>
           <a:p>
-            <a:pPr marL="457200" lvl="0" indent="-457200">
-              <a:buFont typeface="+mj-lt"/>
-              <a:buAutoNum type="arabicPeriod"/>
-            </a:pPr>
-            <a:r>
-              <a:rPr lang="de-AT" dirty="0">
-                <a:effectLst/>
-              </a:rPr>
-              <a:t>Internetverbindung über normalen ISP wird hergestellt</a:t>
-            </a:r>
-          </a:p>
-          <a:p>
-            <a:pPr marL="457200" lvl="0" indent="-457200">
-              <a:buFont typeface="+mj-lt"/>
-              <a:buAutoNum type="arabicPeriod"/>
-            </a:pPr>
-            <a:r>
-              <a:rPr lang="de-AT" dirty="0">
-                <a:effectLst/>
-              </a:rPr>
-              <a:t>VPN-Client sendet Verbindungsanfrage an VPN-Server</a:t>
-            </a:r>
-          </a:p>
-          <a:p>
-            <a:pPr marL="457200" lvl="0" indent="-457200">
-              <a:buFont typeface="+mj-lt"/>
-              <a:buAutoNum type="arabicPeriod"/>
-            </a:pPr>
-            <a:r>
-              <a:rPr lang="de-AT" dirty="0" smtClean="0">
-                <a:effectLst/>
-              </a:rPr>
-              <a:t>Authentisierung </a:t>
-            </a:r>
-            <a:r>
-              <a:rPr lang="de-AT" dirty="0">
-                <a:effectLst/>
-              </a:rPr>
-              <a:t>beim VPN-Server</a:t>
-            </a:r>
-          </a:p>
-          <a:p>
-            <a:pPr marL="457200" lvl="0" indent="-457200">
-              <a:buFont typeface="+mj-lt"/>
-              <a:buAutoNum type="arabicPeriod"/>
-            </a:pPr>
-            <a:r>
-              <a:rPr lang="de-AT" dirty="0" err="1">
-                <a:effectLst/>
-              </a:rPr>
-              <a:t>IPsec</a:t>
-            </a:r>
-            <a:r>
-              <a:rPr lang="de-AT" dirty="0">
-                <a:effectLst/>
-              </a:rPr>
-              <a:t>-Tunnel (sicherer VPN-Datentunnel) wird </a:t>
-            </a:r>
-            <a:r>
-              <a:rPr lang="de-AT" dirty="0" smtClean="0">
-                <a:effectLst/>
-              </a:rPr>
-              <a:t>geöffnet</a:t>
-            </a:r>
-            <a:endParaRPr lang="de-AT" dirty="0">
-              <a:effectLst/>
-            </a:endParaRPr>
+            <a:r>
+              <a:rPr lang="de-AT" dirty="0" smtClean="0"/>
+              <a:t>Dient dazu, Teilnehmer eines privaten Netzwerks mit einem anderen Privaten Netzwerk zu verbinden (Bspw. Heimnetz Firmennetz)</a:t>
+            </a:r>
+          </a:p>
+          <a:p>
+            <a:r>
+              <a:rPr lang="de-AT" dirty="0" smtClean="0"/>
+              <a:t>Dadurch kann auf ein lokale Netzwerk zugegriffen werden, ohne anwesend sein zu müssen</a:t>
+            </a:r>
+          </a:p>
+          <a:p>
+            <a:r>
+              <a:rPr lang="de-AT" dirty="0" smtClean="0"/>
+              <a:t>VPN ist ein Softwareprodukt, welches eine Verschlüsselte Verbindung durch einen sog. Tunnel herstellt.</a:t>
+            </a:r>
+            <a:endParaRPr lang="de-AT" dirty="0"/>
           </a:p>
         </p:txBody>
       </p:sp>
     </p:spTree>
     <p:extLst>
       <p:ext uri="{BB962C8B-B14F-4D97-AF65-F5344CB8AC3E}">
-        <p14:creationId xmlns:p14="http://schemas.microsoft.com/office/powerpoint/2010/main" val="236491627"/>
+        <p14:creationId xmlns:p14="http://schemas.microsoft.com/office/powerpoint/2010/main" val="3261060894"/>
       </p:ext>
     </p:extLst>
   </p:cSld>
@@ -7281,6 +8249,29 @@
       </p:grpSpPr>
       <p:sp>
         <p:nvSpPr>
+          <p:cNvPr id="2" name="Titel 1"/>
+          <p:cNvSpPr>
+            <a:spLocks noGrp="1"/>
+          </p:cNvSpPr>
+          <p:nvPr>
+            <p:ph type="title"/>
+          </p:nvPr>
+        </p:nvSpPr>
+        <p:spPr/>
+        <p:txBody>
+          <a:bodyPr/>
+          <a:lstStyle/>
+          <a:p>
+            <a:r>
+              <a:rPr lang="de-AT" dirty="0" err="1" smtClean="0"/>
+              <a:t>Anwendunsszenarien</a:t>
+            </a:r>
+            <a:endParaRPr lang="de-AT" dirty="0"/>
+          </a:p>
+        </p:txBody>
+      </p:sp>
+      <p:sp>
+        <p:nvSpPr>
           <p:cNvPr id="3" name="Inhaltsplatzhalter 2"/>
           <p:cNvSpPr>
             <a:spLocks noGrp="1"/>
@@ -7289,45 +8280,39 @@
             <p:ph idx="1"/>
           </p:nvPr>
         </p:nvSpPr>
-        <p:spPr>
-          <a:xfrm>
-            <a:off x="1072833" y="1341119"/>
-            <a:ext cx="9905998" cy="4442461"/>
-          </a:xfrm>
-        </p:spPr>
-        <p:txBody>
-          <a:bodyPr/>
-          <a:lstStyle/>
-          <a:p>
-            <a:r>
-              <a:rPr lang="de-AT" dirty="0" smtClean="0"/>
-              <a:t>Sobald Verbindung hergestellt, keine direkte Internetverbindung mehr</a:t>
+        <p:spPr/>
+        <p:txBody>
+          <a:bodyPr/>
+          <a:lstStyle/>
+          <a:p>
+            <a:r>
+              <a:rPr lang="de-AT" dirty="0" smtClean="0"/>
+              <a:t>Netzwerkzugriff für Außendienstmitarbeiter (Client-to-LAN)</a:t>
+            </a:r>
+          </a:p>
+          <a:p>
+            <a:r>
+              <a:rPr lang="de-AT" dirty="0" smtClean="0"/>
+              <a:t>Verbindung mehrerer Unternehmensstandorte (LAN-to-LAN)</a:t>
+            </a:r>
+          </a:p>
+          <a:p>
+            <a:r>
+              <a:rPr lang="de-AT" dirty="0" smtClean="0"/>
+              <a:t>Umgehung von Zensur</a:t>
             </a:r>
           </a:p>
           <a:p>
             <a:pPr lvl="1"/>
             <a:r>
               <a:rPr lang="de-AT" dirty="0" smtClean="0"/>
-              <a:t>Sonst sog. SPLIT-Tunnel (Sicherheitsrisiko)</a:t>
-            </a:r>
-          </a:p>
-          <a:p>
-            <a:r>
-              <a:rPr lang="de-AT" dirty="0" smtClean="0"/>
-              <a:t>Client bekommt private IP-Adresse aus verbundenem Netzwerk zugeteilt</a:t>
-            </a:r>
-          </a:p>
-          <a:p>
-            <a:pPr lvl="1"/>
-            <a:r>
-              <a:rPr lang="de-AT" dirty="0" smtClean="0"/>
-              <a:t>Ermöglicht Sicherung des firmenseitigen Endes mit Firewall</a:t>
-            </a:r>
-          </a:p>
-          <a:p>
-            <a:r>
-              <a:rPr lang="de-AT" dirty="0" smtClean="0"/>
-              <a:t>Jetzt kann sich der Client von (fast) jedem Verbindungsmedium (auch Satellit) mit Firmennetzwerk verbinden</a:t>
+              <a:t>Bspw. bei Standort in China od. Nordkorea</a:t>
+            </a:r>
+          </a:p>
+          <a:p>
+            <a:r>
+              <a:rPr lang="de-AT" dirty="0" smtClean="0"/>
+              <a:t>LAN-Spiele über Internet</a:t>
             </a:r>
             <a:endParaRPr lang="de-AT" dirty="0"/>
           </a:p>
@@ -7336,20 +8321,13 @@
     </p:spTree>
     <p:extLst>
       <p:ext uri="{BB962C8B-B14F-4D97-AF65-F5344CB8AC3E}">
-        <p14:creationId xmlns:p14="http://schemas.microsoft.com/office/powerpoint/2010/main" val="2400687259"/>
+        <p14:creationId xmlns:p14="http://schemas.microsoft.com/office/powerpoint/2010/main" val="3939505784"/>
       </p:ext>
     </p:extLst>
   </p:cSld>
   <p:clrMapOvr>
     <a:masterClrMapping/>
   </p:clrMapOvr>
-  <p:timing>
-    <p:tnLst>
-      <p:par>
-        <p:cTn id="1" dur="indefinite" restart="never" nodeType="tmRoot"/>
-      </p:par>
-    </p:tnLst>
-  </p:timing>
 </p:sld>
 </file>
 
@@ -7481,6 +8459,235 @@
           <a:lstStyle/>
           <a:p>
             <a:r>
+              <a:rPr lang="de-AT" dirty="0" smtClean="0"/>
+              <a:t>Verbindungsaufbau</a:t>
+            </a:r>
+            <a:endParaRPr lang="de-AT" dirty="0"/>
+          </a:p>
+        </p:txBody>
+      </p:sp>
+      <p:sp>
+        <p:nvSpPr>
+          <p:cNvPr id="3" name="Inhaltsplatzhalter 2"/>
+          <p:cNvSpPr>
+            <a:spLocks noGrp="1"/>
+          </p:cNvSpPr>
+          <p:nvPr>
+            <p:ph idx="1"/>
+          </p:nvPr>
+        </p:nvSpPr>
+        <p:spPr/>
+        <p:txBody>
+          <a:bodyPr/>
+          <a:lstStyle/>
+          <a:p>
+            <a:pPr marL="457200" lvl="0" indent="-457200">
+              <a:buFont typeface="+mj-lt"/>
+              <a:buAutoNum type="arabicPeriod"/>
+            </a:pPr>
+            <a:r>
+              <a:rPr lang="de-AT" dirty="0">
+                <a:effectLst/>
+              </a:rPr>
+              <a:t>Internetverbindung über normalen ISP wird hergestellt</a:t>
+            </a:r>
+          </a:p>
+          <a:p>
+            <a:pPr marL="457200" lvl="0" indent="-457200">
+              <a:buFont typeface="+mj-lt"/>
+              <a:buAutoNum type="arabicPeriod"/>
+            </a:pPr>
+            <a:r>
+              <a:rPr lang="de-AT" dirty="0">
+                <a:effectLst/>
+              </a:rPr>
+              <a:t>VPN-Client sendet Verbindungsanfrage an VPN-Server</a:t>
+            </a:r>
+          </a:p>
+          <a:p>
+            <a:pPr marL="457200" lvl="0" indent="-457200">
+              <a:buFont typeface="+mj-lt"/>
+              <a:buAutoNum type="arabicPeriod"/>
+            </a:pPr>
+            <a:r>
+              <a:rPr lang="de-AT" dirty="0" smtClean="0">
+                <a:effectLst/>
+              </a:rPr>
+              <a:t>Authentisierung </a:t>
+            </a:r>
+            <a:r>
+              <a:rPr lang="de-AT" dirty="0">
+                <a:effectLst/>
+              </a:rPr>
+              <a:t>beim VPN-Server</a:t>
+            </a:r>
+          </a:p>
+          <a:p>
+            <a:pPr marL="457200" lvl="0" indent="-457200">
+              <a:buFont typeface="+mj-lt"/>
+              <a:buAutoNum type="arabicPeriod"/>
+            </a:pPr>
+            <a:r>
+              <a:rPr lang="de-AT" dirty="0" err="1">
+                <a:effectLst/>
+              </a:rPr>
+              <a:t>IPsec</a:t>
+            </a:r>
+            <a:r>
+              <a:rPr lang="de-AT" dirty="0">
+                <a:effectLst/>
+              </a:rPr>
+              <a:t>-Tunnel (sicherer VPN-Datentunnel) wird </a:t>
+            </a:r>
+            <a:r>
+              <a:rPr lang="de-AT" dirty="0" smtClean="0">
+                <a:effectLst/>
+              </a:rPr>
+              <a:t>geöffnet</a:t>
+            </a:r>
+            <a:endParaRPr lang="de-AT" dirty="0">
+              <a:effectLst/>
+            </a:endParaRPr>
+          </a:p>
+        </p:txBody>
+      </p:sp>
+    </p:spTree>
+    <p:extLst>
+      <p:ext uri="{BB962C8B-B14F-4D97-AF65-F5344CB8AC3E}">
+        <p14:creationId xmlns:p14="http://schemas.microsoft.com/office/powerpoint/2010/main" val="236491627"/>
+      </p:ext>
+    </p:extLst>
+  </p:cSld>
+  <p:clrMapOvr>
+    <a:masterClrMapping/>
+  </p:clrMapOvr>
+</p:sld>
+</file>
+
+<file path=ppt/slides/slide21.xml><?xml version="1.0" encoding="utf-8"?>
+<p:sld xmlns:a="http://schemas.openxmlformats.org/drawingml/2006/main" xmlns:r="http://schemas.openxmlformats.org/officeDocument/2006/relationships" xmlns:p="http://schemas.openxmlformats.org/presentationml/2006/main">
+  <p:cSld>
+    <p:spTree>
+      <p:nvGrpSpPr>
+        <p:cNvPr id="1" name=""/>
+        <p:cNvGrpSpPr/>
+        <p:nvPr/>
+      </p:nvGrpSpPr>
+      <p:grpSpPr>
+        <a:xfrm>
+          <a:off x="0" y="0"/>
+          <a:ext cx="0" cy="0"/>
+          <a:chOff x="0" y="0"/>
+          <a:chExt cx="0" cy="0"/>
+        </a:xfrm>
+      </p:grpSpPr>
+      <p:sp>
+        <p:nvSpPr>
+          <p:cNvPr id="3" name="Inhaltsplatzhalter 2"/>
+          <p:cNvSpPr>
+            <a:spLocks noGrp="1"/>
+          </p:cNvSpPr>
+          <p:nvPr>
+            <p:ph idx="1"/>
+          </p:nvPr>
+        </p:nvSpPr>
+        <p:spPr>
+          <a:xfrm>
+            <a:off x="1072833" y="1341119"/>
+            <a:ext cx="9905998" cy="4442461"/>
+          </a:xfrm>
+        </p:spPr>
+        <p:txBody>
+          <a:bodyPr/>
+          <a:lstStyle/>
+          <a:p>
+            <a:r>
+              <a:rPr lang="de-AT" dirty="0" smtClean="0"/>
+              <a:t>Sobald Verbindung hergestellt, keine direkte Internetverbindung mehr</a:t>
+            </a:r>
+          </a:p>
+          <a:p>
+            <a:pPr lvl="1"/>
+            <a:r>
+              <a:rPr lang="de-AT" dirty="0" smtClean="0"/>
+              <a:t>Sonst sog. SPLIT-Tunnel (Sicherheitsrisiko)</a:t>
+            </a:r>
+          </a:p>
+          <a:p>
+            <a:r>
+              <a:rPr lang="de-AT" dirty="0" smtClean="0"/>
+              <a:t>Client bekommt private IP-Adresse aus verbundenem Netzwerk zugeteilt</a:t>
+            </a:r>
+          </a:p>
+          <a:p>
+            <a:pPr lvl="1"/>
+            <a:r>
+              <a:rPr lang="de-AT" dirty="0" smtClean="0"/>
+              <a:t>Ermöglicht Sicherung des firmenseitigen Endes mit Firewall</a:t>
+            </a:r>
+          </a:p>
+          <a:p>
+            <a:r>
+              <a:rPr lang="de-AT" dirty="0" smtClean="0"/>
+              <a:t>Jetzt kann sich der Client von (fast) jedem Verbindungsmedium (auch Satellit) mit Firmennetzwerk verbinden</a:t>
+            </a:r>
+            <a:endParaRPr lang="de-AT" dirty="0"/>
+          </a:p>
+        </p:txBody>
+      </p:sp>
+    </p:spTree>
+    <p:extLst>
+      <p:ext uri="{BB962C8B-B14F-4D97-AF65-F5344CB8AC3E}">
+        <p14:creationId xmlns:p14="http://schemas.microsoft.com/office/powerpoint/2010/main" val="2400687259"/>
+      </p:ext>
+    </p:extLst>
+  </p:cSld>
+  <p:clrMapOvr>
+    <a:masterClrMapping/>
+  </p:clrMapOvr>
+  <p:timing>
+    <p:tnLst>
+      <p:par>
+        <p:cTn id="1" dur="indefinite" restart="never" nodeType="tmRoot"/>
+      </p:par>
+    </p:tnLst>
+  </p:timing>
+</p:sld>
+</file>
+
+<file path=ppt/slides/slide22.xml><?xml version="1.0" encoding="utf-8"?>
+<p:sld xmlns:a="http://schemas.openxmlformats.org/drawingml/2006/main" xmlns:r="http://schemas.openxmlformats.org/officeDocument/2006/relationships" xmlns:p="http://schemas.openxmlformats.org/presentationml/2006/main">
+  <p:cSld>
+    <p:spTree>
+      <p:nvGrpSpPr>
+        <p:cNvPr id="1" name=""/>
+        <p:cNvGrpSpPr/>
+        <p:nvPr/>
+      </p:nvGrpSpPr>
+      <p:grpSpPr>
+        <a:xfrm>
+          <a:off x="0" y="0"/>
+          <a:ext cx="0" cy="0"/>
+          <a:chOff x="0" y="0"/>
+          <a:chExt cx="0" cy="0"/>
+        </a:xfrm>
+      </p:grpSpPr>
+      <p:sp>
+        <p:nvSpPr>
+          <p:cNvPr id="2" name="Titel 1"/>
+          <p:cNvSpPr>
+            <a:spLocks noGrp="1"/>
+          </p:cNvSpPr>
+          <p:nvPr>
+            <p:ph type="title"/>
+          </p:nvPr>
+        </p:nvSpPr>
+        <p:spPr/>
+        <p:txBody>
+          <a:bodyPr/>
+          <a:lstStyle/>
+          <a:p>
+            <a:r>
               <a:rPr lang="de-AT" dirty="0" err="1" smtClean="0"/>
               <a:t>Netztopologien</a:t>
             </a:r>
@@ -7600,7 +8807,7 @@
 </p:sld>
 </file>
 
-<file path=ppt/slides/slide21.xml><?xml version="1.0" encoding="utf-8"?>
+<file path=ppt/slides/slide23.xml><?xml version="1.0" encoding="utf-8"?>
 <p:sld xmlns:a="http://schemas.openxmlformats.org/drawingml/2006/main" xmlns:r="http://schemas.openxmlformats.org/officeDocument/2006/relationships" xmlns:p="http://schemas.openxmlformats.org/presentationml/2006/main">
   <p:cSld>
     <p:spTree>
@@ -7760,7 +8967,7 @@
 </p:sld>
 </file>
 
-<file path=ppt/slides/slide22.xml><?xml version="1.0" encoding="utf-8"?>
+<file path=ppt/slides/slide24.xml><?xml version="1.0" encoding="utf-8"?>
 <p:sld xmlns:a="http://schemas.openxmlformats.org/drawingml/2006/main" xmlns:r="http://schemas.openxmlformats.org/officeDocument/2006/relationships" xmlns:p="http://schemas.openxmlformats.org/presentationml/2006/main">
   <p:cSld>
     <p:spTree>
@@ -7865,6 +9072,133 @@
     <p:extLst>
       <p:ext uri="{BB962C8B-B14F-4D97-AF65-F5344CB8AC3E}">
         <p14:creationId xmlns:p14="http://schemas.microsoft.com/office/powerpoint/2010/main" val="3825790451"/>
+      </p:ext>
+    </p:extLst>
+  </p:cSld>
+  <p:clrMapOvr>
+    <a:masterClrMapping/>
+  </p:clrMapOvr>
+</p:sld>
+</file>
+
+<file path=ppt/slides/slide25.xml><?xml version="1.0" encoding="utf-8"?>
+<p:sld xmlns:a="http://schemas.openxmlformats.org/drawingml/2006/main" xmlns:r="http://schemas.openxmlformats.org/officeDocument/2006/relationships" xmlns:p="http://schemas.openxmlformats.org/presentationml/2006/main">
+  <p:cSld>
+    <p:spTree>
+      <p:nvGrpSpPr>
+        <p:cNvPr id="1" name=""/>
+        <p:cNvGrpSpPr/>
+        <p:nvPr/>
+      </p:nvGrpSpPr>
+      <p:grpSpPr>
+        <a:xfrm>
+          <a:off x="0" y="0"/>
+          <a:ext cx="0" cy="0"/>
+          <a:chOff x="0" y="0"/>
+          <a:chExt cx="0" cy="0"/>
+        </a:xfrm>
+      </p:grpSpPr>
+      <p:sp>
+        <p:nvSpPr>
+          <p:cNvPr id="2" name="Titel 1"/>
+          <p:cNvSpPr>
+            <a:spLocks noGrp="1"/>
+          </p:cNvSpPr>
+          <p:nvPr>
+            <p:ph type="title"/>
+          </p:nvPr>
+        </p:nvSpPr>
+        <p:spPr/>
+        <p:txBody>
+          <a:bodyPr/>
+          <a:lstStyle/>
+          <a:p>
+            <a:r>
+              <a:rPr lang="de-AT" dirty="0" smtClean="0"/>
+              <a:t>Quellen</a:t>
+            </a:r>
+            <a:endParaRPr lang="de-AT" dirty="0"/>
+          </a:p>
+        </p:txBody>
+      </p:sp>
+      <p:sp>
+        <p:nvSpPr>
+          <p:cNvPr id="3" name="Inhaltsplatzhalter 2"/>
+          <p:cNvSpPr>
+            <a:spLocks noGrp="1"/>
+          </p:cNvSpPr>
+          <p:nvPr>
+            <p:ph idx="1"/>
+          </p:nvPr>
+        </p:nvSpPr>
+        <p:spPr/>
+        <p:txBody>
+          <a:bodyPr/>
+          <a:lstStyle/>
+          <a:p>
+            <a:r>
+              <a:rPr lang="de-AT" dirty="0"/>
+              <a:t>openvpn.net</a:t>
+            </a:r>
+          </a:p>
+          <a:p>
+            <a:r>
+              <a:rPr lang="de-AT" dirty="0" smtClean="0"/>
+              <a:t>wiki.openvpn.eu</a:t>
+            </a:r>
+            <a:endParaRPr lang="de-AT" dirty="0"/>
+          </a:p>
+          <a:p>
+            <a:r>
+              <a:rPr lang="de-AT" dirty="0" smtClean="0"/>
+              <a:t>www.zum.de/Faecher/Inf/RP/infschul/kr_rsa.html</a:t>
+            </a:r>
+            <a:endParaRPr lang="de-AT" dirty="0"/>
+          </a:p>
+          <a:p>
+            <a:r>
+              <a:rPr lang="de-AT" dirty="0" smtClean="0"/>
+              <a:t>youtube.com/</a:t>
+            </a:r>
+            <a:r>
+              <a:rPr lang="de-AT" dirty="0" err="1" smtClean="0"/>
+              <a:t>user</a:t>
+            </a:r>
+            <a:r>
+              <a:rPr lang="de-AT" dirty="0" smtClean="0"/>
+              <a:t>/</a:t>
+            </a:r>
+            <a:r>
+              <a:rPr lang="de-AT" dirty="0" err="1" smtClean="0"/>
+              <a:t>pharithmetik</a:t>
+            </a:r>
+            <a:endParaRPr lang="de-AT" dirty="0" smtClean="0"/>
+          </a:p>
+          <a:p>
+            <a:r>
+              <a:rPr lang="de-AT" dirty="0"/>
+              <a:t>http://</a:t>
+            </a:r>
+            <a:r>
+              <a:rPr lang="de-AT" dirty="0" smtClean="0"/>
+              <a:t>www.afz.bremen.de/sixcms/media.php/13/Datenbankgrundlagen.pdf</a:t>
+            </a:r>
+          </a:p>
+          <a:p>
+            <a:endParaRPr lang="de-AT" dirty="0" smtClean="0"/>
+          </a:p>
+          <a:p>
+            <a:endParaRPr lang="de-AT" dirty="0" smtClean="0"/>
+          </a:p>
+          <a:p>
+            <a:endParaRPr lang="de-AT" dirty="0"/>
+          </a:p>
+        </p:txBody>
+      </p:sp>
+    </p:spTree>
+    <p:extLst>
+      <p:ext uri="{BB962C8B-B14F-4D97-AF65-F5344CB8AC3E}">
+        <p14:creationId xmlns:p14="http://schemas.microsoft.com/office/powerpoint/2010/main" val="1157945074"/>
       </p:ext>
     </p:extLst>
   </p:cSld>
